--- a/Demo/Bcology.pptx
+++ b/Demo/Bcology.pptx
@@ -18,11 +18,12 @@
     <p:sldId id="268" r:id="rId12"/>
     <p:sldId id="269" r:id="rId13"/>
     <p:sldId id="270" r:id="rId14"/>
+    <p:sldId id="271" r:id="rId15"/>
   </p:sldIdLst>
   <p:sldSz cx="9144000" cy="6858000" type="screen4x3"/>
   <p:notesSz cx="6858000" cy="9144000"/>
   <p:custDataLst>
-    <p:tags r:id="rId15"/>
+    <p:tags r:id="rId17"/>
   </p:custDataLst>
   <p:defaultTextStyle>
     <a:defPPr>
@@ -2498,6 +2499,13 @@
         </dgm:presLayoutVars>
       </dgm:prSet>
       <dgm:spPr/>
+      <dgm:t>
+        <a:bodyPr/>
+        <a:lstStyle/>
+        <a:p>
+          <a:endParaRPr lang="en-US"/>
+        </a:p>
+      </dgm:t>
     </dgm:pt>
     <dgm:pt modelId="{B3B9738F-9BC9-4DF8-8512-99863A7648EB}" type="pres">
       <dgm:prSet presAssocID="{D81FC87D-97A6-47B5-9BA1-B725071357A4}" presName="Accent1" presStyleCnt="0"/>
@@ -2658,6 +2666,13 @@
         </dgm:presLayoutVars>
       </dgm:prSet>
       <dgm:spPr/>
+      <dgm:t>
+        <a:bodyPr/>
+        <a:lstStyle/>
+        <a:p>
+          <a:endParaRPr lang="en-US"/>
+        </a:p>
+      </dgm:t>
     </dgm:pt>
     <dgm:pt modelId="{CF868587-C968-4EF8-9433-03DAD4C3BBCA}" type="pres">
       <dgm:prSet presAssocID="{6481218C-1B37-40BD-9DE1-82DDBEB5CC78}" presName="arrowNode" presStyleLbl="node1" presStyleIdx="0" presStyleCnt="1" custAng="13525007" custScaleX="64296" custScaleY="63606" custLinFactNeighborX="-44622" custLinFactNeighborY="-10869"/>
@@ -2680,8 +2695,8 @@
     </dgm:pt>
   </dgm:ptLst>
   <dgm:cxnLst>
+    <dgm:cxn modelId="{3E5B500C-C5A0-46D5-8183-72A5AF32FE39}" srcId="{6481218C-1B37-40BD-9DE1-82DDBEB5CC78}" destId="{B610A947-D042-4484-815B-ABE4F4C46F80}" srcOrd="0" destOrd="0" parTransId="{B8856389-969B-4556-B947-87A9E9C74CAE}" sibTransId="{F5317D76-5C34-4DE2-A595-F67BB0B5AFE9}"/>
     <dgm:cxn modelId="{0C6D853D-899B-4BC7-A1FE-1D27CB05B367}" type="presOf" srcId="{B610A947-D042-4484-815B-ABE4F4C46F80}" destId="{A820F54B-5B11-4F17-A226-990E3E48FFB9}" srcOrd="0" destOrd="0" presId="urn:microsoft.com/office/officeart/2009/3/layout/DescendingProcess"/>
-    <dgm:cxn modelId="{3E5B500C-C5A0-46D5-8183-72A5AF32FE39}" srcId="{6481218C-1B37-40BD-9DE1-82DDBEB5CC78}" destId="{B610A947-D042-4484-815B-ABE4F4C46F80}" srcOrd="0" destOrd="0" parTransId="{B8856389-969B-4556-B947-87A9E9C74CAE}" sibTransId="{F5317D76-5C34-4DE2-A595-F67BB0B5AFE9}"/>
     <dgm:cxn modelId="{65369116-2BB4-4A8F-A9BB-429D06974017}" type="presOf" srcId="{6481218C-1B37-40BD-9DE1-82DDBEB5CC78}" destId="{DE126BA7-4B27-48C5-BFD9-3B21229BA32B}" srcOrd="0" destOrd="0" presId="urn:microsoft.com/office/officeart/2009/3/layout/DescendingProcess"/>
     <dgm:cxn modelId="{89E1967C-92E9-4E31-B6E5-2BDE10BDDF7A}" type="presParOf" srcId="{DE126BA7-4B27-48C5-BFD9-3B21229BA32B}" destId="{CF868587-C968-4EF8-9433-03DAD4C3BBCA}" srcOrd="0" destOrd="0" presId="urn:microsoft.com/office/officeart/2009/3/layout/DescendingProcess"/>
     <dgm:cxn modelId="{70CC4F9E-5E51-4F63-98E8-896B2D1B82E6}" type="presParOf" srcId="{DE126BA7-4B27-48C5-BFD9-3B21229BA32B}" destId="{A820F54B-5B11-4F17-A226-990E3E48FFB9}" srcOrd="1" destOrd="0" presId="urn:microsoft.com/office/officeart/2009/3/layout/DescendingProcess"/>
@@ -2991,15 +3006,15 @@
     </dgm:pt>
   </dgm:ptLst>
   <dgm:cxnLst>
+    <dgm:cxn modelId="{EA6E5FF9-2201-4EE8-8ACE-925F46DF6B9E}" type="presOf" srcId="{2DADC933-1635-4EB1-B5E8-1C9C38359F92}" destId="{02BA6D95-2417-4BD1-82EB-D4DE4EF002F5}" srcOrd="0" destOrd="0" presId="urn:microsoft.com/office/officeart/2005/8/layout/arrow2"/>
+    <dgm:cxn modelId="{B44CBEE5-43A6-4EA8-9536-FCD3D0118FD3}" srcId="{20F268FF-9DE8-4DFB-B8C1-D11F4B35A8FD}" destId="{2DADC933-1635-4EB1-B5E8-1C9C38359F92}" srcOrd="3" destOrd="0" parTransId="{A47DC5C2-58E8-4511-AEB9-71EB0118BF31}" sibTransId="{5CAF8028-F69F-42E3-A649-C1A750DFEE50}"/>
+    <dgm:cxn modelId="{8731C24E-40ED-4077-A295-D619E66C6AAA}" srcId="{20F268FF-9DE8-4DFB-B8C1-D11F4B35A8FD}" destId="{BDF0DAB4-D6E9-49CE-9270-DAC07B2C3053}" srcOrd="0" destOrd="0" parTransId="{FA2C0875-BB20-4CC5-A3C1-630CA1B4702A}" sibTransId="{2F4FD47D-2819-4E9A-93EC-28CB4E89DDAE}"/>
+    <dgm:cxn modelId="{60C2E299-9F62-4A2C-84AD-55D021272BD7}" type="presOf" srcId="{C63B603F-C568-4AB7-B96B-DA8CF29E59A2}" destId="{7A149A7E-BD17-4A34-ACD3-8BFBAB114421}" srcOrd="0" destOrd="0" presId="urn:microsoft.com/office/officeart/2005/8/layout/arrow2"/>
+    <dgm:cxn modelId="{6006B7DB-C934-4D22-87F9-3FD2F39E7237}" type="presOf" srcId="{20F268FF-9DE8-4DFB-B8C1-D11F4B35A8FD}" destId="{FDB2D600-B9DB-48B6-B5A8-1D3823858C49}" srcOrd="0" destOrd="0" presId="urn:microsoft.com/office/officeart/2005/8/layout/arrow2"/>
+    <dgm:cxn modelId="{8B48668C-2F19-4206-8BB2-8363CFBBC4A7}" srcId="{20F268FF-9DE8-4DFB-B8C1-D11F4B35A8FD}" destId="{68020141-CDAA-4744-BB1A-37643043C260}" srcOrd="1" destOrd="0" parTransId="{78F58555-E357-4C71-996F-CF1F7C6C575D}" sibTransId="{77B766F9-610A-4012-8B08-9ACE364F0DFA}"/>
+    <dgm:cxn modelId="{3D041CCF-26D6-429E-8F42-B3E5E379C021}" type="presOf" srcId="{BDF0DAB4-D6E9-49CE-9270-DAC07B2C3053}" destId="{DEA76F9B-946E-4CD5-ADAE-75B410B00CCC}" srcOrd="0" destOrd="0" presId="urn:microsoft.com/office/officeart/2005/8/layout/arrow2"/>
     <dgm:cxn modelId="{1DBB946B-61A9-48E7-9E8C-9C72BDFED9B6}" srcId="{20F268FF-9DE8-4DFB-B8C1-D11F4B35A8FD}" destId="{C63B603F-C568-4AB7-B96B-DA8CF29E59A2}" srcOrd="2" destOrd="0" parTransId="{78A66D43-3D57-4CC9-B48C-BE4BA2967E25}" sibTransId="{04A833E8-D924-413D-9CE9-5ADE2DF40654}"/>
-    <dgm:cxn modelId="{8731C24E-40ED-4077-A295-D619E66C6AAA}" srcId="{20F268FF-9DE8-4DFB-B8C1-D11F4B35A8FD}" destId="{BDF0DAB4-D6E9-49CE-9270-DAC07B2C3053}" srcOrd="0" destOrd="0" parTransId="{FA2C0875-BB20-4CC5-A3C1-630CA1B4702A}" sibTransId="{2F4FD47D-2819-4E9A-93EC-28CB4E89DDAE}"/>
-    <dgm:cxn modelId="{6006B7DB-C934-4D22-87F9-3FD2F39E7237}" type="presOf" srcId="{20F268FF-9DE8-4DFB-B8C1-D11F4B35A8FD}" destId="{FDB2D600-B9DB-48B6-B5A8-1D3823858C49}" srcOrd="0" destOrd="0" presId="urn:microsoft.com/office/officeart/2005/8/layout/arrow2"/>
     <dgm:cxn modelId="{FC7AA173-C1BC-4B1A-B23B-A5A78822B51A}" type="presOf" srcId="{68020141-CDAA-4744-BB1A-37643043C260}" destId="{A7090C8F-67F2-40FD-B525-DDDD9A93658C}" srcOrd="0" destOrd="0" presId="urn:microsoft.com/office/officeart/2005/8/layout/arrow2"/>
-    <dgm:cxn modelId="{60C2E299-9F62-4A2C-84AD-55D021272BD7}" type="presOf" srcId="{C63B603F-C568-4AB7-B96B-DA8CF29E59A2}" destId="{7A149A7E-BD17-4A34-ACD3-8BFBAB114421}" srcOrd="0" destOrd="0" presId="urn:microsoft.com/office/officeart/2005/8/layout/arrow2"/>
-    <dgm:cxn modelId="{8B48668C-2F19-4206-8BB2-8363CFBBC4A7}" srcId="{20F268FF-9DE8-4DFB-B8C1-D11F4B35A8FD}" destId="{68020141-CDAA-4744-BB1A-37643043C260}" srcOrd="1" destOrd="0" parTransId="{78F58555-E357-4C71-996F-CF1F7C6C575D}" sibTransId="{77B766F9-610A-4012-8B08-9ACE364F0DFA}"/>
-    <dgm:cxn modelId="{B44CBEE5-43A6-4EA8-9536-FCD3D0118FD3}" srcId="{20F268FF-9DE8-4DFB-B8C1-D11F4B35A8FD}" destId="{2DADC933-1635-4EB1-B5E8-1C9C38359F92}" srcOrd="3" destOrd="0" parTransId="{A47DC5C2-58E8-4511-AEB9-71EB0118BF31}" sibTransId="{5CAF8028-F69F-42E3-A649-C1A750DFEE50}"/>
-    <dgm:cxn modelId="{3D041CCF-26D6-429E-8F42-B3E5E379C021}" type="presOf" srcId="{BDF0DAB4-D6E9-49CE-9270-DAC07B2C3053}" destId="{DEA76F9B-946E-4CD5-ADAE-75B410B00CCC}" srcOrd="0" destOrd="0" presId="urn:microsoft.com/office/officeart/2005/8/layout/arrow2"/>
-    <dgm:cxn modelId="{EA6E5FF9-2201-4EE8-8ACE-925F46DF6B9E}" type="presOf" srcId="{2DADC933-1635-4EB1-B5E8-1C9C38359F92}" destId="{02BA6D95-2417-4BD1-82EB-D4DE4EF002F5}" srcOrd="0" destOrd="0" presId="urn:microsoft.com/office/officeart/2005/8/layout/arrow2"/>
     <dgm:cxn modelId="{168E8133-6D37-4373-971B-F0CA57AE536B}" type="presParOf" srcId="{FDB2D600-B9DB-48B6-B5A8-1D3823858C49}" destId="{5FE476A7-3FEB-489A-88B0-999EF4E080D4}" srcOrd="0" destOrd="0" presId="urn:microsoft.com/office/officeart/2005/8/layout/arrow2"/>
     <dgm:cxn modelId="{2046B250-61A1-4376-9799-BA46DCC0F599}" type="presParOf" srcId="{FDB2D600-B9DB-48B6-B5A8-1D3823858C49}" destId="{1965C6C3-3076-48F2-B734-ACB874C8E75F}" srcOrd="1" destOrd="0" presId="urn:microsoft.com/office/officeart/2005/8/layout/arrow2"/>
     <dgm:cxn modelId="{415E8EE1-4D7B-4B64-91B2-337A9454EA1D}" type="presParOf" srcId="{1965C6C3-3076-48F2-B734-ACB874C8E75F}" destId="{289ED55D-9210-4586-ADBA-5E51955A1805}" srcOrd="0" destOrd="0" presId="urn:microsoft.com/office/officeart/2005/8/layout/arrow2"/>
@@ -3468,12 +3483,12 @@
         <a:fontRef idx="minor"/>
       </dsp:style>
       <dsp:txBody>
-        <a:bodyPr spcFirstLastPara="0" vert="horz" wrap="square" lIns="71120" tIns="71120" rIns="71120" bIns="71120" numCol="1" spcCol="1270" anchor="b" anchorCtr="0">
+        <a:bodyPr spcFirstLastPara="0" vert="horz" wrap="square" lIns="66040" tIns="66040" rIns="66040" bIns="66040" numCol="1" spcCol="1270" anchor="b" anchorCtr="0">
           <a:noAutofit/>
         </a:bodyPr>
         <a:lstStyle/>
         <a:p>
-          <a:pPr lvl="0" algn="ctr" defTabSz="2489200">
+          <a:pPr lvl="0" algn="ctr" defTabSz="2311400">
             <a:lnSpc>
               <a:spcPct val="90000"/>
             </a:lnSpc>
@@ -3484,7 +3499,7 @@
               <a:spcPct val="35000"/>
             </a:spcAft>
           </a:pPr>
-          <a:endParaRPr lang="en-US" sz="5600" kern="1200" dirty="0"/>
+          <a:endParaRPr lang="en-US" sz="5200" kern="1200" dirty="0"/>
         </a:p>
       </dsp:txBody>
       <dsp:txXfrm>
@@ -3633,7 +3648,7 @@
         </a:bodyPr>
         <a:lstStyle/>
         <a:p>
-          <a:pPr lvl="0" algn="l" defTabSz="844550">
+          <a:pPr lvl="0" algn="l" defTabSz="800100">
             <a:lnSpc>
               <a:spcPct val="90000"/>
             </a:lnSpc>
@@ -3645,18 +3660,18 @@
             </a:spcAft>
           </a:pPr>
           <a:r>
-            <a:rPr lang="en-US" sz="1900" kern="1200" dirty="0" smtClean="0"/>
+            <a:rPr lang="en-US" sz="1800" kern="1200" dirty="0" smtClean="0"/>
             <a:t>Mix and match to </a:t>
           </a:r>
           <a:r>
-            <a:rPr lang="en-US" sz="1900" b="1" kern="1200" dirty="0" smtClean="0"/>
+            <a:rPr lang="en-US" sz="1800" b="1" kern="1200" dirty="0" smtClean="0"/>
             <a:t>optimize</a:t>
           </a:r>
           <a:r>
-            <a:rPr lang="en-US" sz="1900" kern="1200" dirty="0" smtClean="0"/>
+            <a:rPr lang="en-US" sz="1800" kern="1200" dirty="0" smtClean="0"/>
             <a:t> founder’s terms</a:t>
           </a:r>
-          <a:endParaRPr lang="en-US" sz="1900" kern="1200" dirty="0"/>
+          <a:endParaRPr lang="en-US" sz="1800" kern="1200" dirty="0"/>
         </a:p>
       </dsp:txBody>
       <dsp:txXfrm>
@@ -3750,7 +3765,7 @@
         </a:bodyPr>
         <a:lstStyle/>
         <a:p>
-          <a:pPr lvl="0" algn="l" defTabSz="844550">
+          <a:pPr lvl="0" algn="l" defTabSz="800100">
             <a:lnSpc>
               <a:spcPct val="90000"/>
             </a:lnSpc>
@@ -3762,14 +3777,14 @@
             </a:spcAft>
           </a:pPr>
           <a:r>
-            <a:rPr lang="en-US" sz="1900" b="1" kern="1200" dirty="0" smtClean="0"/>
+            <a:rPr lang="en-US" sz="1800" b="1" kern="1200" dirty="0" smtClean="0"/>
             <a:t>Choose</a:t>
           </a:r>
           <a:r>
-            <a:rPr lang="en-US" sz="1900" kern="1200" dirty="0" smtClean="0"/>
+            <a:rPr lang="en-US" sz="1800" kern="1200" dirty="0" smtClean="0"/>
             <a:t> the best form of business association </a:t>
           </a:r>
-          <a:endParaRPr lang="en-US" sz="1900" kern="1200" dirty="0"/>
+          <a:endParaRPr lang="en-US" sz="1800" kern="1200" dirty="0"/>
         </a:p>
       </dsp:txBody>
       <dsp:txXfrm>
@@ -3863,7 +3878,7 @@
         </a:bodyPr>
         <a:lstStyle/>
         <a:p>
-          <a:pPr lvl="0" algn="l" defTabSz="844550">
+          <a:pPr lvl="0" algn="l" defTabSz="800100">
             <a:lnSpc>
               <a:spcPct val="90000"/>
             </a:lnSpc>
@@ -3875,18 +3890,18 @@
             </a:spcAft>
           </a:pPr>
           <a:r>
-            <a:rPr lang="en-US" sz="1900" kern="1200" dirty="0" smtClean="0"/>
+            <a:rPr lang="en-US" sz="1800" kern="1200" dirty="0" smtClean="0"/>
             <a:t>Create the terms of use allowing the start up to </a:t>
           </a:r>
           <a:r>
-            <a:rPr lang="en-US" sz="1900" b="1" kern="1200" dirty="0" smtClean="0"/>
+            <a:rPr lang="en-US" sz="1800" b="1" kern="1200" dirty="0" smtClean="0"/>
             <a:t>START UP</a:t>
           </a:r>
           <a:r>
-            <a:rPr lang="en-US" sz="1900" kern="1200" dirty="0" smtClean="0"/>
+            <a:rPr lang="en-US" sz="1800" kern="1200" dirty="0" smtClean="0"/>
             <a:t> in a single day</a:t>
           </a:r>
-          <a:endParaRPr lang="en-US" sz="1900" kern="1200" dirty="0"/>
+          <a:endParaRPr lang="en-US" sz="1800" kern="1200" dirty="0"/>
         </a:p>
       </dsp:txBody>
       <dsp:txXfrm>
@@ -3980,7 +3995,7 @@
         </a:bodyPr>
         <a:lstStyle/>
         <a:p>
-          <a:pPr lvl="0" algn="l" defTabSz="844550">
+          <a:pPr lvl="0" algn="l" defTabSz="800100">
             <a:lnSpc>
               <a:spcPct val="90000"/>
             </a:lnSpc>
@@ -3992,34 +4007,34 @@
             </a:spcAft>
           </a:pPr>
           <a:r>
-            <a:rPr lang="en-US" sz="1900" b="1" kern="1200" dirty="0" smtClean="0"/>
+            <a:rPr lang="en-US" sz="1800" b="1" kern="1200" dirty="0" smtClean="0"/>
             <a:t>Analyze</a:t>
           </a:r>
           <a:r>
-            <a:rPr lang="en-US" sz="1900" kern="1200" dirty="0" smtClean="0"/>
+            <a:rPr lang="en-US" sz="1800" kern="1200" dirty="0" smtClean="0"/>
             <a:t>, </a:t>
           </a:r>
           <a:r>
-            <a:rPr lang="en-US" sz="1900" b="1" kern="1200" dirty="0" smtClean="0"/>
+            <a:rPr lang="en-US" sz="1800" b="1" kern="1200" dirty="0" smtClean="0"/>
             <a:t>invest</a:t>
           </a:r>
           <a:r>
-            <a:rPr lang="en-US" sz="1900" kern="1200" dirty="0" smtClean="0"/>
+            <a:rPr lang="en-US" sz="1800" kern="1200" dirty="0" smtClean="0"/>
             <a:t>, and </a:t>
           </a:r>
           <a:r>
-            <a:rPr lang="en-US" sz="1900" b="1" kern="1200" dirty="0" smtClean="0"/>
+            <a:rPr lang="en-US" sz="1800" b="1" kern="1200" dirty="0" smtClean="0"/>
             <a:t>dynamically</a:t>
           </a:r>
           <a:r>
-            <a:rPr lang="en-US" sz="1900" kern="1200" dirty="0" smtClean="0"/>
+            <a:rPr lang="en-US" sz="1800" kern="1200" dirty="0" smtClean="0"/>
             <a:t> update ownership and organization as the business evolves through rounds of traditional financing and </a:t>
           </a:r>
           <a:r>
-            <a:rPr lang="en-US" sz="1900" b="1" kern="1200" dirty="0" smtClean="0"/>
+            <a:rPr lang="en-US" sz="1800" b="1" kern="1200" dirty="0" smtClean="0"/>
             <a:t>crowd funding</a:t>
           </a:r>
-          <a:endParaRPr lang="en-US" sz="1900" b="1" kern="1200" dirty="0"/>
+          <a:endParaRPr lang="en-US" sz="1800" b="1" kern="1200" dirty="0"/>
         </a:p>
       </dsp:txBody>
       <dsp:txXfrm>
@@ -11715,7 +11730,7 @@
           <a:p>
             <a:fld id="{0D1CFB5E-1311-4346-8C5A-3103D9CE5E0D}" type="datetimeFigureOut">
               <a:rPr lang="en-US" smtClean="0"/>
-              <a:t>9/18/2014</a:t>
+              <a:t>9/20/14</a:t>
             </a:fld>
             <a:endParaRPr lang="en-US"/>
           </a:p>
@@ -11885,7 +11900,7 @@
           <a:p>
             <a:fld id="{0D1CFB5E-1311-4346-8C5A-3103D9CE5E0D}" type="datetimeFigureOut">
               <a:rPr lang="en-US" smtClean="0"/>
-              <a:t>9/18/2014</a:t>
+              <a:t>9/20/14</a:t>
             </a:fld>
             <a:endParaRPr lang="en-US"/>
           </a:p>
@@ -12065,7 +12080,7 @@
           <a:p>
             <a:fld id="{0D1CFB5E-1311-4346-8C5A-3103D9CE5E0D}" type="datetimeFigureOut">
               <a:rPr lang="en-US" smtClean="0"/>
-              <a:t>9/18/2014</a:t>
+              <a:t>9/20/14</a:t>
             </a:fld>
             <a:endParaRPr lang="en-US"/>
           </a:p>
@@ -12235,7 +12250,7 @@
           <a:p>
             <a:fld id="{0D1CFB5E-1311-4346-8C5A-3103D9CE5E0D}" type="datetimeFigureOut">
               <a:rPr lang="en-US" smtClean="0"/>
-              <a:t>9/18/2014</a:t>
+              <a:t>9/20/14</a:t>
             </a:fld>
             <a:endParaRPr lang="en-US"/>
           </a:p>
@@ -12481,7 +12496,7 @@
           <a:p>
             <a:fld id="{0D1CFB5E-1311-4346-8C5A-3103D9CE5E0D}" type="datetimeFigureOut">
               <a:rPr lang="en-US" smtClean="0"/>
-              <a:t>9/18/2014</a:t>
+              <a:t>9/20/14</a:t>
             </a:fld>
             <a:endParaRPr lang="en-US"/>
           </a:p>
@@ -12769,7 +12784,7 @@
           <a:p>
             <a:fld id="{0D1CFB5E-1311-4346-8C5A-3103D9CE5E0D}" type="datetimeFigureOut">
               <a:rPr lang="en-US" smtClean="0"/>
-              <a:t>9/18/2014</a:t>
+              <a:t>9/20/14</a:t>
             </a:fld>
             <a:endParaRPr lang="en-US"/>
           </a:p>
@@ -13191,7 +13206,7 @@
           <a:p>
             <a:fld id="{0D1CFB5E-1311-4346-8C5A-3103D9CE5E0D}" type="datetimeFigureOut">
               <a:rPr lang="en-US" smtClean="0"/>
-              <a:t>9/18/2014</a:t>
+              <a:t>9/20/14</a:t>
             </a:fld>
             <a:endParaRPr lang="en-US"/>
           </a:p>
@@ -13309,7 +13324,7 @@
           <a:p>
             <a:fld id="{0D1CFB5E-1311-4346-8C5A-3103D9CE5E0D}" type="datetimeFigureOut">
               <a:rPr lang="en-US" smtClean="0"/>
-              <a:t>9/18/2014</a:t>
+              <a:t>9/20/14</a:t>
             </a:fld>
             <a:endParaRPr lang="en-US"/>
           </a:p>
@@ -13404,7 +13419,7 @@
           <a:p>
             <a:fld id="{0D1CFB5E-1311-4346-8C5A-3103D9CE5E0D}" type="datetimeFigureOut">
               <a:rPr lang="en-US" smtClean="0"/>
-              <a:t>9/18/2014</a:t>
+              <a:t>9/20/14</a:t>
             </a:fld>
             <a:endParaRPr lang="en-US"/>
           </a:p>
@@ -13681,7 +13696,7 @@
           <a:p>
             <a:fld id="{0D1CFB5E-1311-4346-8C5A-3103D9CE5E0D}" type="datetimeFigureOut">
               <a:rPr lang="en-US" smtClean="0"/>
-              <a:t>9/18/2014</a:t>
+              <a:t>9/20/14</a:t>
             </a:fld>
             <a:endParaRPr lang="en-US"/>
           </a:p>
@@ -13934,7 +13949,7 @@
           <a:p>
             <a:fld id="{0D1CFB5E-1311-4346-8C5A-3103D9CE5E0D}" type="datetimeFigureOut">
               <a:rPr lang="en-US" smtClean="0"/>
-              <a:t>9/18/2014</a:t>
+              <a:t>9/20/14</a:t>
             </a:fld>
             <a:endParaRPr lang="en-US"/>
           </a:p>
@@ -14042,7 +14057,7 @@
           <a:graphicData uri="http://schemas.openxmlformats.org/presentationml/2006/ole">
             <mc:AlternateContent xmlns:mc="http://schemas.openxmlformats.org/markup-compatibility/2006">
               <mc:Choice xmlns:v="urn:schemas-microsoft-com:vml" Requires="v">
-                <p:oleObj spid="_x0000_s1027" name="think-cell Slide" r:id="rId15" imgW="216" imgH="216" progId="TCLayout.ActiveDocument.1">
+                <p:oleObj spid="_x0000_s1029" name="think-cell Slide" r:id="rId15" imgW="216" imgH="216" progId="TCLayout.ActiveDocument.1">
                   <p:embed/>
                 </p:oleObj>
               </mc:Choice>
@@ -14207,7 +14222,7 @@
           <a:p>
             <a:fld id="{0D1CFB5E-1311-4346-8C5A-3103D9CE5E0D}" type="datetimeFigureOut">
               <a:rPr lang="en-US" smtClean="0"/>
-              <a:t>9/18/2014</a:t>
+              <a:t>9/20/14</a:t>
             </a:fld>
             <a:endParaRPr lang="en-US"/>
           </a:p>
@@ -14615,7 +14630,7 @@
           <a:graphicData uri="http://schemas.openxmlformats.org/presentationml/2006/ole">
             <mc:AlternateContent xmlns:mc="http://schemas.openxmlformats.org/markup-compatibility/2006">
               <mc:Choice xmlns:v="urn:schemas-microsoft-com:vml" Requires="v">
-                <p:oleObj spid="_x0000_s5125" name="think-cell Slide" r:id="rId4" imgW="216" imgH="216" progId="TCLayout.ActiveDocument.1">
+                <p:oleObj spid="_x0000_s5127" name="think-cell Slide" r:id="rId4" imgW="216" imgH="216" progId="TCLayout.ActiveDocument.1">
                   <p:embed/>
                 </p:oleObj>
               </mc:Choice>
@@ -14681,7 +14696,7 @@
           </a:prstGeom>
           <a:noFill/>
           <a:extLst>
-            <a:ext uri="{909E8E84-426E-40DD-AFC4-6F175D3DCCD1}">
+            <a:ext uri="{909E8E84-426E-40dd-AFC4-6F175D3DCCD1}">
               <a14:hiddenFill xmlns:a14="http://schemas.microsoft.com/office/drawing/2010/main">
                 <a:solidFill>
                   <a:srgbClr val="FFFFFF"/>
@@ -14820,7 +14835,7 @@
   <p:timing>
     <p:tnLst>
       <p:par>
-        <p:cTn id="1" dur="indefinite" restart="never" nodeType="tmRoot"/>
+        <p:cTn xmlns:p14="http://schemas.microsoft.com/office/powerpoint/2010/main" id="1" dur="indefinite" restart="never" nodeType="tmRoot"/>
       </p:par>
     </p:tnLst>
   </p:timing>
@@ -14903,7 +14918,7 @@
   <p:timing>
     <p:tnLst>
       <p:par>
-        <p:cTn id="1" dur="indefinite" restart="never" nodeType="tmRoot"/>
+        <p:cTn xmlns:p14="http://schemas.microsoft.com/office/powerpoint/2010/main" id="1" dur="indefinite" restart="never" nodeType="tmRoot"/>
       </p:par>
     </p:tnLst>
   </p:timing>
@@ -14984,7 +14999,7 @@
   <p:timing>
     <p:tnLst>
       <p:par>
-        <p:cTn id="1" dur="indefinite" restart="never" nodeType="tmRoot"/>
+        <p:cTn xmlns:p14="http://schemas.microsoft.com/office/powerpoint/2010/main" id="1" dur="indefinite" restart="never" nodeType="tmRoot"/>
       </p:par>
     </p:tnLst>
   </p:timing>
@@ -15075,7 +15090,7 @@
   <p:timing>
     <p:tnLst>
       <p:par>
-        <p:cTn id="1" dur="indefinite" restart="never" nodeType="tmRoot"/>
+        <p:cTn xmlns:p14="http://schemas.microsoft.com/office/powerpoint/2010/main" id="1" dur="indefinite" restart="never" nodeType="tmRoot"/>
       </p:par>
     </p:tnLst>
   </p:timing>
@@ -15161,10 +15176,105 @@
   <p:timing>
     <p:tnLst>
       <p:par>
-        <p:cTn id="1" dur="indefinite" restart="never" nodeType="tmRoot"/>
+        <p:cTn xmlns:p14="http://schemas.microsoft.com/office/powerpoint/2010/main" id="1" dur="indefinite" restart="never" nodeType="tmRoot"/>
       </p:par>
     </p:tnLst>
   </p:timing>
+</p:sld>
+</file>
+
+<file path=ppt/slides/slide14.xml><?xml version="1.0" encoding="utf-8"?>
+<p:sld xmlns:a="http://schemas.openxmlformats.org/drawingml/2006/main" xmlns:r="http://schemas.openxmlformats.org/officeDocument/2006/relationships" xmlns:p="http://schemas.openxmlformats.org/presentationml/2006/main">
+  <p:cSld>
+    <p:spTree>
+      <p:nvGrpSpPr>
+        <p:cNvPr id="1" name=""/>
+        <p:cNvGrpSpPr/>
+        <p:nvPr/>
+      </p:nvGrpSpPr>
+      <p:grpSpPr>
+        <a:xfrm>
+          <a:off x="0" y="0"/>
+          <a:ext cx="0" cy="0"/>
+          <a:chOff x="0" y="0"/>
+          <a:chExt cx="0" cy="0"/>
+        </a:xfrm>
+      </p:grpSpPr>
+      <p:sp>
+        <p:nvSpPr>
+          <p:cNvPr id="2" name="Title 1"/>
+          <p:cNvSpPr>
+            <a:spLocks noGrp="1"/>
+          </p:cNvSpPr>
+          <p:nvPr>
+            <p:ph type="title"/>
+          </p:nvPr>
+        </p:nvSpPr>
+        <p:spPr/>
+        <p:txBody>
+          <a:bodyPr/>
+          <a:lstStyle/>
+          <a:p>
+            <a:r>
+              <a:rPr lang="en-US" dirty="0" smtClean="0"/>
+              <a:t>For More Information:</a:t>
+            </a:r>
+            <a:endParaRPr lang="en-US" dirty="0"/>
+          </a:p>
+        </p:txBody>
+      </p:sp>
+      <p:sp>
+        <p:nvSpPr>
+          <p:cNvPr id="3" name="Content Placeholder 2"/>
+          <p:cNvSpPr>
+            <a:spLocks noGrp="1"/>
+          </p:cNvSpPr>
+          <p:nvPr>
+            <p:ph idx="1"/>
+          </p:nvPr>
+        </p:nvSpPr>
+        <p:spPr/>
+        <p:txBody>
+          <a:bodyPr/>
+          <a:lstStyle/>
+          <a:p>
+            <a:r>
+              <a:rPr lang="en-US" dirty="0"/>
+              <a:t>https://</a:t>
+            </a:r>
+            <a:r>
+              <a:rPr lang="en-US" dirty="0" err="1"/>
+              <a:t>github.com</a:t>
+            </a:r>
+            <a:r>
+              <a:rPr lang="en-US" dirty="0"/>
+              <a:t>/</a:t>
+            </a:r>
+            <a:r>
+              <a:rPr lang="en-US" dirty="0" err="1"/>
+              <a:t>HumanDynamics</a:t>
+            </a:r>
+            <a:r>
+              <a:rPr lang="en-US" dirty="0"/>
+              <a:t>/</a:t>
+            </a:r>
+            <a:r>
+              <a:rPr lang="en-US"/>
+              <a:t>CodeTheDeal</a:t>
+            </a:r>
+          </a:p>
+        </p:txBody>
+      </p:sp>
+    </p:spTree>
+    <p:extLst>
+      <p:ext uri="{BB962C8B-B14F-4D97-AF65-F5344CB8AC3E}">
+        <p14:creationId xmlns:p14="http://schemas.microsoft.com/office/powerpoint/2010/main" val="3553741950"/>
+      </p:ext>
+    </p:extLst>
+  </p:cSld>
+  <p:clrMapOvr>
+    <a:masterClrMapping/>
+  </p:clrMapOvr>
 </p:sld>
 </file>
 
@@ -15210,7 +15320,7 @@
           <a:graphicData uri="http://schemas.openxmlformats.org/presentationml/2006/ole">
             <mc:AlternateContent xmlns:mc="http://schemas.openxmlformats.org/markup-compatibility/2006">
               <mc:Choice xmlns:v="urn:schemas-microsoft-com:vml" Requires="v">
-                <p:oleObj spid="_x0000_s2051" name="think-cell Slide" r:id="rId6" imgW="216" imgH="216" progId="TCLayout.ActiveDocument.1">
+                <p:oleObj spid="_x0000_s2053" name="think-cell Slide" r:id="rId6" imgW="216" imgH="216" progId="TCLayout.ActiveDocument.1">
                   <p:embed/>
                 </p:oleObj>
               </mc:Choice>
@@ -15329,7 +15439,7 @@
             </a:solidFill>
           </a:ln>
           <a:extLst>
-            <a:ext uri="{909E8E84-426E-40DD-AFC4-6F175D3DCCD1}">
+            <a:ext uri="{909E8E84-426E-40dd-AFC4-6F175D3DCCD1}">
               <a14:hiddenFill xmlns:a14="http://schemas.microsoft.com/office/drawing/2010/main">
                 <a:solidFill>
                   <a:scrgbClr r="0" g="0" b="0"/>
@@ -15557,18 +15667,18 @@
   <p:clrMapOvr>
     <a:masterClrMapping/>
   </p:clrMapOvr>
-  <mc:AlternateContent xmlns:mc="http://schemas.openxmlformats.org/markup-compatibility/2006">
-    <mc:Choice xmlns:p14="http://schemas.microsoft.com/office/powerpoint/2010/main" Requires="p14">
+  <mc:AlternateContent xmlns:mc="http://schemas.openxmlformats.org/markup-compatibility/2006" xmlns:p14="http://schemas.microsoft.com/office/powerpoint/2010/main">
+    <mc:Choice Requires="p14">
       <p:transition spd="slow" p14:dur="2000"/>
     </mc:Choice>
-    <mc:Fallback>
+    <mc:Fallback xmlns="">
       <p:transition spd="slow"/>
     </mc:Fallback>
   </mc:AlternateContent>
   <p:timing>
     <p:tnLst>
       <p:par>
-        <p:cTn id="1" dur="indefinite" restart="never" nodeType="tmRoot"/>
+        <p:cTn xmlns:p14="http://schemas.microsoft.com/office/powerpoint/2010/main" id="1" dur="indefinite" restart="never" nodeType="tmRoot"/>
       </p:par>
     </p:tnLst>
   </p:timing>
@@ -15617,7 +15727,7 @@
           <a:graphicData uri="http://schemas.openxmlformats.org/presentationml/2006/ole">
             <mc:AlternateContent xmlns:mc="http://schemas.openxmlformats.org/markup-compatibility/2006">
               <mc:Choice xmlns:v="urn:schemas-microsoft-com:vml" Requires="v">
-                <p:oleObj spid="_x0000_s3075" name="think-cell Slide" r:id="rId4" imgW="216" imgH="216" progId="TCLayout.ActiveDocument.1">
+                <p:oleObj spid="_x0000_s3077" name="think-cell Slide" r:id="rId4" imgW="216" imgH="216" progId="TCLayout.ActiveDocument.1">
                   <p:embed/>
                 </p:oleObj>
               </mc:Choice>
@@ -15707,7 +15817,7 @@
   <p:timing>
     <p:tnLst>
       <p:par>
-        <p:cTn id="1" dur="indefinite" restart="never" nodeType="tmRoot"/>
+        <p:cTn xmlns:p14="http://schemas.microsoft.com/office/powerpoint/2010/main" id="1" dur="indefinite" restart="never" nodeType="tmRoot"/>
       </p:par>
     </p:tnLst>
   </p:timing>
@@ -15756,7 +15866,7 @@
           <a:graphicData uri="http://schemas.openxmlformats.org/presentationml/2006/ole">
             <mc:AlternateContent xmlns:mc="http://schemas.openxmlformats.org/markup-compatibility/2006">
               <mc:Choice xmlns:v="urn:schemas-microsoft-com:vml" Requires="v">
-                <p:oleObj spid="_x0000_s4099" name="think-cell Slide" r:id="rId4" imgW="216" imgH="216" progId="TCLayout.ActiveDocument.1">
+                <p:oleObj spid="_x0000_s4101" name="think-cell Slide" r:id="rId4" imgW="216" imgH="216" progId="TCLayout.ActiveDocument.1">
                   <p:embed/>
                 </p:oleObj>
               </mc:Choice>
@@ -15880,7 +15990,7 @@
   <p:timing>
     <p:tnLst>
       <p:par>
-        <p:cTn id="1" dur="indefinite" restart="never" nodeType="tmRoot"/>
+        <p:cTn xmlns:p14="http://schemas.microsoft.com/office/powerpoint/2010/main" id="1" dur="indefinite" restart="never" nodeType="tmRoot"/>
       </p:par>
     </p:tnLst>
   </p:timing>
@@ -15967,7 +16077,7 @@
   <p:timing>
     <p:tnLst>
       <p:par>
-        <p:cTn id="1" dur="indefinite" restart="never" nodeType="tmRoot"/>
+        <p:cTn xmlns:p14="http://schemas.microsoft.com/office/powerpoint/2010/main" id="1" dur="indefinite" restart="never" nodeType="tmRoot"/>
       </p:par>
     </p:tnLst>
   </p:timing>
@@ -16093,7 +16203,7 @@
   <p:timing>
     <p:tnLst>
       <p:par>
-        <p:cTn id="1" dur="indefinite" restart="never" nodeType="tmRoot">
+        <p:cTn xmlns:p14="http://schemas.microsoft.com/office/powerpoint/2010/main" id="1" dur="indefinite" restart="never" nodeType="tmRoot">
           <p:childTnLst>
             <p:seq concurrent="1" nextAc="seek">
               <p:cTn id="2" dur="indefinite" nodeType="mainSeq">
@@ -16265,7 +16375,7 @@
   <p:timing>
     <p:tnLst>
       <p:par>
-        <p:cTn id="1" dur="indefinite" restart="never" nodeType="tmRoot"/>
+        <p:cTn xmlns:p14="http://schemas.microsoft.com/office/powerpoint/2010/main" id="1" dur="indefinite" restart="never" nodeType="tmRoot"/>
       </p:par>
     </p:tnLst>
   </p:timing>
@@ -16344,7 +16454,7 @@
   <p:timing>
     <p:tnLst>
       <p:par>
-        <p:cTn id="1" dur="indefinite" restart="never" nodeType="tmRoot"/>
+        <p:cTn xmlns:p14="http://schemas.microsoft.com/office/powerpoint/2010/main" id="1" dur="indefinite" restart="never" nodeType="tmRoot"/>
       </p:par>
     </p:tnLst>
   </p:timing>
@@ -16431,7 +16541,7 @@
   <p:timing>
     <p:tnLst>
       <p:par>
-        <p:cTn id="1" dur="indefinite" restart="never" nodeType="tmRoot"/>
+        <p:cTn xmlns:p14="http://schemas.microsoft.com/office/powerpoint/2010/main" id="1" dur="indefinite" restart="never" nodeType="tmRoot"/>
       </p:par>
     </p:tnLst>
   </p:timing>

--- a/Demo/Bcology.pptx
+++ b/Demo/Bcology.pptx
@@ -10,20 +10,27 @@
     <p:sldId id="264" r:id="rId4"/>
     <p:sldId id="257" r:id="rId5"/>
     <p:sldId id="258" r:id="rId6"/>
-    <p:sldId id="259" r:id="rId7"/>
-    <p:sldId id="260" r:id="rId8"/>
+    <p:sldId id="278" r:id="rId7"/>
+    <p:sldId id="259" r:id="rId8"/>
     <p:sldId id="265" r:id="rId9"/>
     <p:sldId id="266" r:id="rId10"/>
-    <p:sldId id="267" r:id="rId11"/>
+    <p:sldId id="272" r:id="rId11"/>
     <p:sldId id="268" r:id="rId12"/>
-    <p:sldId id="269" r:id="rId13"/>
-    <p:sldId id="270" r:id="rId14"/>
-    <p:sldId id="271" r:id="rId15"/>
+    <p:sldId id="273" r:id="rId13"/>
+    <p:sldId id="269" r:id="rId14"/>
+    <p:sldId id="267" r:id="rId15"/>
+    <p:sldId id="270" r:id="rId16"/>
+    <p:sldId id="274" r:id="rId17"/>
+    <p:sldId id="275" r:id="rId18"/>
+    <p:sldId id="276" r:id="rId19"/>
+    <p:sldId id="277" r:id="rId20"/>
+    <p:sldId id="279" r:id="rId21"/>
+    <p:sldId id="271" r:id="rId22"/>
   </p:sldIdLst>
   <p:sldSz cx="9144000" cy="6858000" type="screen4x3"/>
   <p:notesSz cx="6858000" cy="9144000"/>
   <p:custDataLst>
-    <p:tags r:id="rId17"/>
+    <p:tags r:id="rId23"/>
   </p:custDataLst>
   <p:defaultTextStyle>
     <a:defPPr>
@@ -1618,6 +1625,753 @@
 </file>
 
 <file path=ppt/diagrams/colors3.xml><?xml version="1.0" encoding="utf-8"?>
+<dgm:colorsDef xmlns:dgm="http://schemas.openxmlformats.org/drawingml/2006/diagram" xmlns:a="http://schemas.openxmlformats.org/drawingml/2006/main" uniqueId="urn:microsoft.com/office/officeart/2005/8/colors/accent1_2">
+  <dgm:title val=""/>
+  <dgm:desc val=""/>
+  <dgm:catLst>
+    <dgm:cat type="accent1" pri="11200"/>
+  </dgm:catLst>
+  <dgm:styleLbl name="node0">
+    <dgm:fillClrLst meth="repeat">
+      <a:schemeClr val="accent1"/>
+    </dgm:fillClrLst>
+    <dgm:linClrLst meth="repeat">
+      <a:schemeClr val="lt1"/>
+    </dgm:linClrLst>
+    <dgm:effectClrLst/>
+    <dgm:txLinClrLst/>
+    <dgm:txFillClrLst/>
+    <dgm:txEffectClrLst/>
+  </dgm:styleLbl>
+  <dgm:styleLbl name="alignNode1">
+    <dgm:fillClrLst meth="repeat">
+      <a:schemeClr val="accent1"/>
+    </dgm:fillClrLst>
+    <dgm:linClrLst meth="repeat">
+      <a:schemeClr val="accent1"/>
+    </dgm:linClrLst>
+    <dgm:effectClrLst/>
+    <dgm:txLinClrLst/>
+    <dgm:txFillClrLst/>
+    <dgm:txEffectClrLst/>
+  </dgm:styleLbl>
+  <dgm:styleLbl name="node1">
+    <dgm:fillClrLst meth="repeat">
+      <a:schemeClr val="accent1"/>
+    </dgm:fillClrLst>
+    <dgm:linClrLst meth="repeat">
+      <a:schemeClr val="lt1"/>
+    </dgm:linClrLst>
+    <dgm:effectClrLst/>
+    <dgm:txLinClrLst/>
+    <dgm:txFillClrLst/>
+    <dgm:txEffectClrLst/>
+  </dgm:styleLbl>
+  <dgm:styleLbl name="lnNode1">
+    <dgm:fillClrLst meth="repeat">
+      <a:schemeClr val="accent1"/>
+    </dgm:fillClrLst>
+    <dgm:linClrLst meth="repeat">
+      <a:schemeClr val="lt1"/>
+    </dgm:linClrLst>
+    <dgm:effectClrLst/>
+    <dgm:txLinClrLst/>
+    <dgm:txFillClrLst/>
+    <dgm:txEffectClrLst/>
+  </dgm:styleLbl>
+  <dgm:styleLbl name="vennNode1">
+    <dgm:fillClrLst meth="repeat">
+      <a:schemeClr val="accent1">
+        <a:alpha val="50000"/>
+      </a:schemeClr>
+    </dgm:fillClrLst>
+    <dgm:linClrLst meth="repeat">
+      <a:schemeClr val="lt1"/>
+    </dgm:linClrLst>
+    <dgm:effectClrLst/>
+    <dgm:txLinClrLst/>
+    <dgm:txFillClrLst/>
+    <dgm:txEffectClrLst/>
+  </dgm:styleLbl>
+  <dgm:styleLbl name="node2">
+    <dgm:fillClrLst meth="repeat">
+      <a:schemeClr val="accent1"/>
+    </dgm:fillClrLst>
+    <dgm:linClrLst meth="repeat">
+      <a:schemeClr val="lt1"/>
+    </dgm:linClrLst>
+    <dgm:effectClrLst/>
+    <dgm:txLinClrLst/>
+    <dgm:txFillClrLst/>
+    <dgm:txEffectClrLst/>
+  </dgm:styleLbl>
+  <dgm:styleLbl name="node3">
+    <dgm:fillClrLst meth="repeat">
+      <a:schemeClr val="accent1"/>
+    </dgm:fillClrLst>
+    <dgm:linClrLst meth="repeat">
+      <a:schemeClr val="lt1"/>
+    </dgm:linClrLst>
+    <dgm:effectClrLst/>
+    <dgm:txLinClrLst/>
+    <dgm:txFillClrLst/>
+    <dgm:txEffectClrLst/>
+  </dgm:styleLbl>
+  <dgm:styleLbl name="node4">
+    <dgm:fillClrLst meth="repeat">
+      <a:schemeClr val="accent1"/>
+    </dgm:fillClrLst>
+    <dgm:linClrLst meth="repeat">
+      <a:schemeClr val="lt1"/>
+    </dgm:linClrLst>
+    <dgm:effectClrLst/>
+    <dgm:txLinClrLst/>
+    <dgm:txFillClrLst/>
+    <dgm:txEffectClrLst/>
+  </dgm:styleLbl>
+  <dgm:styleLbl name="fgImgPlace1">
+    <dgm:fillClrLst meth="repeat">
+      <a:schemeClr val="accent1">
+        <a:tint val="50000"/>
+      </a:schemeClr>
+    </dgm:fillClrLst>
+    <dgm:linClrLst meth="repeat">
+      <a:schemeClr val="lt1"/>
+    </dgm:linClrLst>
+    <dgm:effectClrLst/>
+    <dgm:txLinClrLst/>
+    <dgm:txFillClrLst meth="repeat">
+      <a:schemeClr val="lt1"/>
+    </dgm:txFillClrLst>
+    <dgm:txEffectClrLst/>
+  </dgm:styleLbl>
+  <dgm:styleLbl name="alignImgPlace1">
+    <dgm:fillClrLst meth="repeat">
+      <a:schemeClr val="accent1">
+        <a:tint val="50000"/>
+      </a:schemeClr>
+    </dgm:fillClrLst>
+    <dgm:linClrLst meth="repeat">
+      <a:schemeClr val="lt1"/>
+    </dgm:linClrLst>
+    <dgm:effectClrLst/>
+    <dgm:txLinClrLst/>
+    <dgm:txFillClrLst meth="repeat">
+      <a:schemeClr val="lt1"/>
+    </dgm:txFillClrLst>
+    <dgm:txEffectClrLst/>
+  </dgm:styleLbl>
+  <dgm:styleLbl name="bgImgPlace1">
+    <dgm:fillClrLst meth="repeat">
+      <a:schemeClr val="accent1">
+        <a:tint val="50000"/>
+      </a:schemeClr>
+    </dgm:fillClrLst>
+    <dgm:linClrLst meth="repeat">
+      <a:schemeClr val="lt1"/>
+    </dgm:linClrLst>
+    <dgm:effectClrLst/>
+    <dgm:txLinClrLst/>
+    <dgm:txFillClrLst meth="repeat">
+      <a:schemeClr val="lt1"/>
+    </dgm:txFillClrLst>
+    <dgm:txEffectClrLst/>
+  </dgm:styleLbl>
+  <dgm:styleLbl name="sibTrans2D1">
+    <dgm:fillClrLst meth="repeat">
+      <a:schemeClr val="accent1">
+        <a:tint val="60000"/>
+      </a:schemeClr>
+    </dgm:fillClrLst>
+    <dgm:linClrLst meth="repeat">
+      <a:schemeClr val="accent1">
+        <a:tint val="60000"/>
+      </a:schemeClr>
+    </dgm:linClrLst>
+    <dgm:effectClrLst/>
+    <dgm:txLinClrLst/>
+    <dgm:txFillClrLst/>
+    <dgm:txEffectClrLst/>
+  </dgm:styleLbl>
+  <dgm:styleLbl name="fgSibTrans2D1">
+    <dgm:fillClrLst meth="repeat">
+      <a:schemeClr val="accent1">
+        <a:tint val="60000"/>
+      </a:schemeClr>
+    </dgm:fillClrLst>
+    <dgm:linClrLst meth="repeat">
+      <a:schemeClr val="accent1">
+        <a:tint val="60000"/>
+      </a:schemeClr>
+    </dgm:linClrLst>
+    <dgm:effectClrLst/>
+    <dgm:txLinClrLst/>
+    <dgm:txFillClrLst/>
+    <dgm:txEffectClrLst/>
+  </dgm:styleLbl>
+  <dgm:styleLbl name="bgSibTrans2D1">
+    <dgm:fillClrLst meth="repeat">
+      <a:schemeClr val="accent1">
+        <a:tint val="60000"/>
+      </a:schemeClr>
+    </dgm:fillClrLst>
+    <dgm:linClrLst meth="repeat">
+      <a:schemeClr val="accent1">
+        <a:tint val="60000"/>
+      </a:schemeClr>
+    </dgm:linClrLst>
+    <dgm:effectClrLst/>
+    <dgm:txLinClrLst/>
+    <dgm:txFillClrLst/>
+    <dgm:txEffectClrLst/>
+  </dgm:styleLbl>
+  <dgm:styleLbl name="sibTrans1D1">
+    <dgm:fillClrLst meth="repeat">
+      <a:schemeClr val="accent1"/>
+    </dgm:fillClrLst>
+    <dgm:linClrLst meth="repeat">
+      <a:schemeClr val="accent1"/>
+    </dgm:linClrLst>
+    <dgm:effectClrLst/>
+    <dgm:txLinClrLst/>
+    <dgm:txFillClrLst meth="repeat">
+      <a:schemeClr val="tx1"/>
+    </dgm:txFillClrLst>
+    <dgm:txEffectClrLst/>
+  </dgm:styleLbl>
+  <dgm:styleLbl name="callout">
+    <dgm:fillClrLst meth="repeat">
+      <a:schemeClr val="accent1"/>
+    </dgm:fillClrLst>
+    <dgm:linClrLst meth="repeat">
+      <a:schemeClr val="accent1">
+        <a:tint val="50000"/>
+      </a:schemeClr>
+    </dgm:linClrLst>
+    <dgm:effectClrLst/>
+    <dgm:txLinClrLst/>
+    <dgm:txFillClrLst meth="repeat">
+      <a:schemeClr val="tx1"/>
+    </dgm:txFillClrLst>
+    <dgm:txEffectClrLst/>
+  </dgm:styleLbl>
+  <dgm:styleLbl name="asst0">
+    <dgm:fillClrLst meth="repeat">
+      <a:schemeClr val="accent1"/>
+    </dgm:fillClrLst>
+    <dgm:linClrLst meth="repeat">
+      <a:schemeClr val="lt1"/>
+    </dgm:linClrLst>
+    <dgm:effectClrLst/>
+    <dgm:txLinClrLst/>
+    <dgm:txFillClrLst/>
+    <dgm:txEffectClrLst/>
+  </dgm:styleLbl>
+  <dgm:styleLbl name="asst1">
+    <dgm:fillClrLst meth="repeat">
+      <a:schemeClr val="accent1"/>
+    </dgm:fillClrLst>
+    <dgm:linClrLst meth="repeat">
+      <a:schemeClr val="lt1"/>
+    </dgm:linClrLst>
+    <dgm:effectClrLst/>
+    <dgm:txLinClrLst/>
+    <dgm:txFillClrLst/>
+    <dgm:txEffectClrLst/>
+  </dgm:styleLbl>
+  <dgm:styleLbl name="asst2">
+    <dgm:fillClrLst meth="repeat">
+      <a:schemeClr val="accent1"/>
+    </dgm:fillClrLst>
+    <dgm:linClrLst meth="repeat">
+      <a:schemeClr val="lt1"/>
+    </dgm:linClrLst>
+    <dgm:effectClrLst/>
+    <dgm:txLinClrLst/>
+    <dgm:txFillClrLst/>
+    <dgm:txEffectClrLst/>
+  </dgm:styleLbl>
+  <dgm:styleLbl name="asst3">
+    <dgm:fillClrLst meth="repeat">
+      <a:schemeClr val="accent1"/>
+    </dgm:fillClrLst>
+    <dgm:linClrLst meth="repeat">
+      <a:schemeClr val="lt1"/>
+    </dgm:linClrLst>
+    <dgm:effectClrLst/>
+    <dgm:txLinClrLst/>
+    <dgm:txFillClrLst/>
+    <dgm:txEffectClrLst/>
+  </dgm:styleLbl>
+  <dgm:styleLbl name="asst4">
+    <dgm:fillClrLst meth="repeat">
+      <a:schemeClr val="accent1"/>
+    </dgm:fillClrLst>
+    <dgm:linClrLst meth="repeat">
+      <a:schemeClr val="lt1"/>
+    </dgm:linClrLst>
+    <dgm:effectClrLst/>
+    <dgm:txLinClrLst/>
+    <dgm:txFillClrLst/>
+    <dgm:txEffectClrLst/>
+  </dgm:styleLbl>
+  <dgm:styleLbl name="parChTrans2D1">
+    <dgm:fillClrLst meth="repeat">
+      <a:schemeClr val="accent1">
+        <a:tint val="60000"/>
+      </a:schemeClr>
+    </dgm:fillClrLst>
+    <dgm:linClrLst meth="repeat">
+      <a:schemeClr val="accent1">
+        <a:tint val="60000"/>
+      </a:schemeClr>
+    </dgm:linClrLst>
+    <dgm:effectClrLst/>
+    <dgm:txLinClrLst/>
+    <dgm:txFillClrLst meth="repeat">
+      <a:schemeClr val="lt1"/>
+    </dgm:txFillClrLst>
+    <dgm:txEffectClrLst/>
+  </dgm:styleLbl>
+  <dgm:styleLbl name="parChTrans2D2">
+    <dgm:fillClrLst meth="repeat">
+      <a:schemeClr val="accent1"/>
+    </dgm:fillClrLst>
+    <dgm:linClrLst meth="repeat">
+      <a:schemeClr val="accent1"/>
+    </dgm:linClrLst>
+    <dgm:effectClrLst/>
+    <dgm:txLinClrLst/>
+    <dgm:txFillClrLst meth="repeat">
+      <a:schemeClr val="lt1"/>
+    </dgm:txFillClrLst>
+    <dgm:txEffectClrLst/>
+  </dgm:styleLbl>
+  <dgm:styleLbl name="parChTrans2D3">
+    <dgm:fillClrLst meth="repeat">
+      <a:schemeClr val="accent1"/>
+    </dgm:fillClrLst>
+    <dgm:linClrLst meth="repeat">
+      <a:schemeClr val="accent1"/>
+    </dgm:linClrLst>
+    <dgm:effectClrLst/>
+    <dgm:txLinClrLst/>
+    <dgm:txFillClrLst meth="repeat">
+      <a:schemeClr val="lt1"/>
+    </dgm:txFillClrLst>
+    <dgm:txEffectClrLst/>
+  </dgm:styleLbl>
+  <dgm:styleLbl name="parChTrans2D4">
+    <dgm:fillClrLst meth="repeat">
+      <a:schemeClr val="accent1"/>
+    </dgm:fillClrLst>
+    <dgm:linClrLst meth="repeat">
+      <a:schemeClr val="accent1"/>
+    </dgm:linClrLst>
+    <dgm:effectClrLst/>
+    <dgm:txLinClrLst/>
+    <dgm:txFillClrLst meth="repeat">
+      <a:schemeClr val="lt1"/>
+    </dgm:txFillClrLst>
+    <dgm:txEffectClrLst/>
+  </dgm:styleLbl>
+  <dgm:styleLbl name="parChTrans1D1">
+    <dgm:fillClrLst meth="repeat">
+      <a:schemeClr val="accent1"/>
+    </dgm:fillClrLst>
+    <dgm:linClrLst meth="repeat">
+      <a:schemeClr val="accent1">
+        <a:shade val="60000"/>
+      </a:schemeClr>
+    </dgm:linClrLst>
+    <dgm:effectClrLst/>
+    <dgm:txLinClrLst/>
+    <dgm:txFillClrLst meth="repeat">
+      <a:schemeClr val="tx1"/>
+    </dgm:txFillClrLst>
+    <dgm:txEffectClrLst/>
+  </dgm:styleLbl>
+  <dgm:styleLbl name="parChTrans1D2">
+    <dgm:fillClrLst meth="repeat">
+      <a:schemeClr val="accent1"/>
+    </dgm:fillClrLst>
+    <dgm:linClrLst meth="repeat">
+      <a:schemeClr val="accent1">
+        <a:shade val="60000"/>
+      </a:schemeClr>
+    </dgm:linClrLst>
+    <dgm:effectClrLst/>
+    <dgm:txLinClrLst/>
+    <dgm:txFillClrLst meth="repeat">
+      <a:schemeClr val="tx1"/>
+    </dgm:txFillClrLst>
+    <dgm:txEffectClrLst/>
+  </dgm:styleLbl>
+  <dgm:styleLbl name="parChTrans1D3">
+    <dgm:fillClrLst meth="repeat">
+      <a:schemeClr val="accent1"/>
+    </dgm:fillClrLst>
+    <dgm:linClrLst meth="repeat">
+      <a:schemeClr val="accent1">
+        <a:shade val="80000"/>
+      </a:schemeClr>
+    </dgm:linClrLst>
+    <dgm:effectClrLst/>
+    <dgm:txLinClrLst/>
+    <dgm:txFillClrLst meth="repeat">
+      <a:schemeClr val="tx1"/>
+    </dgm:txFillClrLst>
+    <dgm:txEffectClrLst/>
+  </dgm:styleLbl>
+  <dgm:styleLbl name="parChTrans1D4">
+    <dgm:fillClrLst meth="repeat">
+      <a:schemeClr val="accent1"/>
+    </dgm:fillClrLst>
+    <dgm:linClrLst meth="repeat">
+      <a:schemeClr val="accent1">
+        <a:shade val="80000"/>
+      </a:schemeClr>
+    </dgm:linClrLst>
+    <dgm:effectClrLst/>
+    <dgm:txLinClrLst/>
+    <dgm:txFillClrLst meth="repeat">
+      <a:schemeClr val="tx1"/>
+    </dgm:txFillClrLst>
+    <dgm:txEffectClrLst/>
+  </dgm:styleLbl>
+  <dgm:styleLbl name="fgAcc1">
+    <dgm:fillClrLst meth="repeat">
+      <a:schemeClr val="lt1">
+        <a:alpha val="90000"/>
+      </a:schemeClr>
+    </dgm:fillClrLst>
+    <dgm:linClrLst meth="repeat">
+      <a:schemeClr val="accent1"/>
+    </dgm:linClrLst>
+    <dgm:effectClrLst/>
+    <dgm:txLinClrLst/>
+    <dgm:txFillClrLst meth="repeat">
+      <a:schemeClr val="dk1"/>
+    </dgm:txFillClrLst>
+    <dgm:txEffectClrLst/>
+  </dgm:styleLbl>
+  <dgm:styleLbl name="conFgAcc1">
+    <dgm:fillClrLst meth="repeat">
+      <a:schemeClr val="lt1">
+        <a:alpha val="90000"/>
+      </a:schemeClr>
+    </dgm:fillClrLst>
+    <dgm:linClrLst meth="repeat">
+      <a:schemeClr val="accent1"/>
+    </dgm:linClrLst>
+    <dgm:effectClrLst/>
+    <dgm:txLinClrLst/>
+    <dgm:txFillClrLst meth="repeat">
+      <a:schemeClr val="dk1"/>
+    </dgm:txFillClrLst>
+    <dgm:txEffectClrLst/>
+  </dgm:styleLbl>
+  <dgm:styleLbl name="alignAcc1">
+    <dgm:fillClrLst meth="repeat">
+      <a:schemeClr val="lt1">
+        <a:alpha val="90000"/>
+      </a:schemeClr>
+    </dgm:fillClrLst>
+    <dgm:linClrLst meth="repeat">
+      <a:schemeClr val="accent1"/>
+    </dgm:linClrLst>
+    <dgm:effectClrLst/>
+    <dgm:txLinClrLst/>
+    <dgm:txFillClrLst meth="repeat">
+      <a:schemeClr val="dk1"/>
+    </dgm:txFillClrLst>
+    <dgm:txEffectClrLst/>
+  </dgm:styleLbl>
+  <dgm:styleLbl name="trAlignAcc1">
+    <dgm:fillClrLst meth="repeat">
+      <a:schemeClr val="lt1">
+        <a:alpha val="40000"/>
+      </a:schemeClr>
+    </dgm:fillClrLst>
+    <dgm:linClrLst meth="repeat">
+      <a:schemeClr val="accent1"/>
+    </dgm:linClrLst>
+    <dgm:effectClrLst/>
+    <dgm:txLinClrLst/>
+    <dgm:txFillClrLst meth="repeat">
+      <a:schemeClr val="dk1"/>
+    </dgm:txFillClrLst>
+    <dgm:txEffectClrLst/>
+  </dgm:styleLbl>
+  <dgm:styleLbl name="bgAcc1">
+    <dgm:fillClrLst meth="repeat">
+      <a:schemeClr val="lt1">
+        <a:alpha val="90000"/>
+      </a:schemeClr>
+    </dgm:fillClrLst>
+    <dgm:linClrLst meth="repeat">
+      <a:schemeClr val="accent1"/>
+    </dgm:linClrLst>
+    <dgm:effectClrLst/>
+    <dgm:txLinClrLst/>
+    <dgm:txFillClrLst meth="repeat">
+      <a:schemeClr val="dk1"/>
+    </dgm:txFillClrLst>
+    <dgm:txEffectClrLst/>
+  </dgm:styleLbl>
+  <dgm:styleLbl name="solidFgAcc1">
+    <dgm:fillClrLst meth="repeat">
+      <a:schemeClr val="lt1"/>
+    </dgm:fillClrLst>
+    <dgm:linClrLst meth="repeat">
+      <a:schemeClr val="accent1"/>
+    </dgm:linClrLst>
+    <dgm:effectClrLst/>
+    <dgm:txLinClrLst/>
+    <dgm:txFillClrLst meth="repeat">
+      <a:schemeClr val="dk1"/>
+    </dgm:txFillClrLst>
+    <dgm:txEffectClrLst/>
+  </dgm:styleLbl>
+  <dgm:styleLbl name="solidAlignAcc1">
+    <dgm:fillClrLst meth="repeat">
+      <a:schemeClr val="lt1"/>
+    </dgm:fillClrLst>
+    <dgm:linClrLst meth="repeat">
+      <a:schemeClr val="accent1"/>
+    </dgm:linClrLst>
+    <dgm:effectClrLst/>
+    <dgm:txLinClrLst/>
+    <dgm:txFillClrLst meth="repeat">
+      <a:schemeClr val="dk1"/>
+    </dgm:txFillClrLst>
+    <dgm:txEffectClrLst/>
+  </dgm:styleLbl>
+  <dgm:styleLbl name="solidBgAcc1">
+    <dgm:fillClrLst meth="repeat">
+      <a:schemeClr val="lt1"/>
+    </dgm:fillClrLst>
+    <dgm:linClrLst meth="repeat">
+      <a:schemeClr val="accent1"/>
+    </dgm:linClrLst>
+    <dgm:effectClrLst/>
+    <dgm:txLinClrLst/>
+    <dgm:txFillClrLst meth="repeat">
+      <a:schemeClr val="dk1"/>
+    </dgm:txFillClrLst>
+    <dgm:txEffectClrLst/>
+  </dgm:styleLbl>
+  <dgm:styleLbl name="fgAccFollowNode1">
+    <dgm:fillClrLst meth="repeat">
+      <a:schemeClr val="accent1">
+        <a:alpha val="90000"/>
+        <a:tint val="40000"/>
+      </a:schemeClr>
+    </dgm:fillClrLst>
+    <dgm:linClrLst meth="repeat">
+      <a:schemeClr val="accent1">
+        <a:alpha val="90000"/>
+        <a:tint val="40000"/>
+      </a:schemeClr>
+    </dgm:linClrLst>
+    <dgm:effectClrLst/>
+    <dgm:txLinClrLst/>
+    <dgm:txFillClrLst meth="repeat">
+      <a:schemeClr val="dk1"/>
+    </dgm:txFillClrLst>
+    <dgm:txEffectClrLst/>
+  </dgm:styleLbl>
+  <dgm:styleLbl name="alignAccFollowNode1">
+    <dgm:fillClrLst meth="repeat">
+      <a:schemeClr val="accent1">
+        <a:alpha val="90000"/>
+        <a:tint val="40000"/>
+      </a:schemeClr>
+    </dgm:fillClrLst>
+    <dgm:linClrLst meth="repeat">
+      <a:schemeClr val="accent1">
+        <a:alpha val="90000"/>
+        <a:tint val="40000"/>
+      </a:schemeClr>
+    </dgm:linClrLst>
+    <dgm:effectClrLst/>
+    <dgm:txLinClrLst/>
+    <dgm:txFillClrLst meth="repeat">
+      <a:schemeClr val="dk1"/>
+    </dgm:txFillClrLst>
+    <dgm:txEffectClrLst/>
+  </dgm:styleLbl>
+  <dgm:styleLbl name="bgAccFollowNode1">
+    <dgm:fillClrLst meth="repeat">
+      <a:schemeClr val="accent1">
+        <a:alpha val="90000"/>
+        <a:tint val="40000"/>
+      </a:schemeClr>
+    </dgm:fillClrLst>
+    <dgm:linClrLst meth="repeat">
+      <a:schemeClr val="accent1">
+        <a:alpha val="90000"/>
+        <a:tint val="40000"/>
+      </a:schemeClr>
+    </dgm:linClrLst>
+    <dgm:effectClrLst/>
+    <dgm:txLinClrLst/>
+    <dgm:txFillClrLst meth="repeat">
+      <a:schemeClr val="dk1"/>
+    </dgm:txFillClrLst>
+    <dgm:txEffectClrLst/>
+  </dgm:styleLbl>
+  <dgm:styleLbl name="fgAcc0">
+    <dgm:fillClrLst meth="repeat">
+      <a:schemeClr val="lt1">
+        <a:alpha val="90000"/>
+      </a:schemeClr>
+    </dgm:fillClrLst>
+    <dgm:linClrLst meth="repeat">
+      <a:schemeClr val="accent1"/>
+    </dgm:linClrLst>
+    <dgm:effectClrLst/>
+    <dgm:txLinClrLst/>
+    <dgm:txFillClrLst meth="repeat">
+      <a:schemeClr val="dk1"/>
+    </dgm:txFillClrLst>
+    <dgm:txEffectClrLst/>
+  </dgm:styleLbl>
+  <dgm:styleLbl name="fgAcc2">
+    <dgm:fillClrLst meth="repeat">
+      <a:schemeClr val="lt1">
+        <a:alpha val="90000"/>
+      </a:schemeClr>
+    </dgm:fillClrLst>
+    <dgm:linClrLst meth="repeat">
+      <a:schemeClr val="accent1"/>
+    </dgm:linClrLst>
+    <dgm:effectClrLst/>
+    <dgm:txLinClrLst/>
+    <dgm:txFillClrLst meth="repeat">
+      <a:schemeClr val="dk1"/>
+    </dgm:txFillClrLst>
+    <dgm:txEffectClrLst/>
+  </dgm:styleLbl>
+  <dgm:styleLbl name="fgAcc3">
+    <dgm:fillClrLst meth="repeat">
+      <a:schemeClr val="lt1">
+        <a:alpha val="90000"/>
+      </a:schemeClr>
+    </dgm:fillClrLst>
+    <dgm:linClrLst meth="repeat">
+      <a:schemeClr val="accent1"/>
+    </dgm:linClrLst>
+    <dgm:effectClrLst/>
+    <dgm:txLinClrLst/>
+    <dgm:txFillClrLst meth="repeat">
+      <a:schemeClr val="dk1"/>
+    </dgm:txFillClrLst>
+    <dgm:txEffectClrLst/>
+  </dgm:styleLbl>
+  <dgm:styleLbl name="fgAcc4">
+    <dgm:fillClrLst meth="repeat">
+      <a:schemeClr val="lt1">
+        <a:alpha val="90000"/>
+      </a:schemeClr>
+    </dgm:fillClrLst>
+    <dgm:linClrLst meth="repeat">
+      <a:schemeClr val="accent1"/>
+    </dgm:linClrLst>
+    <dgm:effectClrLst/>
+    <dgm:txLinClrLst/>
+    <dgm:txFillClrLst meth="repeat">
+      <a:schemeClr val="dk1"/>
+    </dgm:txFillClrLst>
+    <dgm:txEffectClrLst/>
+  </dgm:styleLbl>
+  <dgm:styleLbl name="bgShp">
+    <dgm:fillClrLst meth="repeat">
+      <a:schemeClr val="accent1">
+        <a:tint val="40000"/>
+      </a:schemeClr>
+    </dgm:fillClrLst>
+    <dgm:linClrLst meth="repeat">
+      <a:schemeClr val="accent1"/>
+    </dgm:linClrLst>
+    <dgm:effectClrLst/>
+    <dgm:txLinClrLst/>
+    <dgm:txFillClrLst meth="repeat">
+      <a:schemeClr val="dk1"/>
+    </dgm:txFillClrLst>
+    <dgm:txEffectClrLst/>
+  </dgm:styleLbl>
+  <dgm:styleLbl name="dkBgShp">
+    <dgm:fillClrLst meth="repeat">
+      <a:schemeClr val="accent1">
+        <a:shade val="80000"/>
+      </a:schemeClr>
+    </dgm:fillClrLst>
+    <dgm:linClrLst meth="repeat">
+      <a:schemeClr val="accent1"/>
+    </dgm:linClrLst>
+    <dgm:effectClrLst/>
+    <dgm:txLinClrLst/>
+    <dgm:txFillClrLst meth="repeat">
+      <a:schemeClr val="lt1"/>
+    </dgm:txFillClrLst>
+    <dgm:txEffectClrLst/>
+  </dgm:styleLbl>
+  <dgm:styleLbl name="trBgShp">
+    <dgm:fillClrLst meth="repeat">
+      <a:schemeClr val="accent1">
+        <a:tint val="50000"/>
+        <a:alpha val="40000"/>
+      </a:schemeClr>
+    </dgm:fillClrLst>
+    <dgm:linClrLst meth="repeat">
+      <a:schemeClr val="accent1"/>
+    </dgm:linClrLst>
+    <dgm:effectClrLst/>
+    <dgm:txLinClrLst/>
+    <dgm:txFillClrLst meth="repeat">
+      <a:schemeClr val="lt1"/>
+    </dgm:txFillClrLst>
+    <dgm:txEffectClrLst/>
+  </dgm:styleLbl>
+  <dgm:styleLbl name="fgShp">
+    <dgm:fillClrLst meth="repeat">
+      <a:schemeClr val="accent1">
+        <a:tint val="60000"/>
+      </a:schemeClr>
+    </dgm:fillClrLst>
+    <dgm:linClrLst meth="repeat">
+      <a:schemeClr val="lt1"/>
+    </dgm:linClrLst>
+    <dgm:effectClrLst/>
+    <dgm:txLinClrLst/>
+    <dgm:txFillClrLst meth="repeat">
+      <a:schemeClr val="dk1"/>
+    </dgm:txFillClrLst>
+    <dgm:txEffectClrLst/>
+  </dgm:styleLbl>
+  <dgm:styleLbl name="revTx">
+    <dgm:fillClrLst meth="repeat">
+      <a:schemeClr val="lt1">
+        <a:alpha val="0"/>
+      </a:schemeClr>
+    </dgm:fillClrLst>
+    <dgm:linClrLst meth="repeat">
+      <a:schemeClr val="dk1">
+        <a:alpha val="0"/>
+      </a:schemeClr>
+    </dgm:linClrLst>
+    <dgm:effectClrLst/>
+    <dgm:txLinClrLst/>
+    <dgm:txFillClrLst meth="repeat">
+      <a:schemeClr val="tx1"/>
+    </dgm:txFillClrLst>
+    <dgm:txEffectClrLst/>
+  </dgm:styleLbl>
+</dgm:colorsDef>
+</file>
+
+<file path=ppt/diagrams/colors4.xml><?xml version="1.0" encoding="utf-8"?>
 <dgm:colorsDef xmlns:dgm="http://schemas.openxmlformats.org/drawingml/2006/diagram" xmlns:a="http://schemas.openxmlformats.org/drawingml/2006/main" uniqueId="urn:microsoft.com/office/officeart/2005/8/colors/accent1_2">
   <dgm:title val=""/>
   <dgm:desc val=""/>
@@ -3036,6 +3790,659 @@
 </dgm:dataModel>
 </file>
 
+<file path=ppt/diagrams/data4.xml><?xml version="1.0" encoding="utf-8"?>
+<dgm:dataModel xmlns:dgm="http://schemas.openxmlformats.org/drawingml/2006/diagram" xmlns:a="http://schemas.openxmlformats.org/drawingml/2006/main">
+  <dgm:ptLst>
+    <dgm:pt modelId="{0CD29E0A-844B-4F5A-90C7-A5D40A1C1D30}" type="doc">
+      <dgm:prSet loTypeId="urn:microsoft.com/office/officeart/2005/8/layout/bProcess4" loCatId="process" qsTypeId="urn:microsoft.com/office/officeart/2005/8/quickstyle/simple1" qsCatId="simple" csTypeId="urn:microsoft.com/office/officeart/2005/8/colors/accent1_2" csCatId="accent1" phldr="1"/>
+      <dgm:spPr/>
+      <dgm:t>
+        <a:bodyPr/>
+        <a:lstStyle/>
+        <a:p>
+          <a:endParaRPr lang="en-US"/>
+        </a:p>
+      </dgm:t>
+    </dgm:pt>
+    <dgm:pt modelId="{6927C9D9-71BB-4710-8E42-CF5AF868C613}">
+      <dgm:prSet phldrT="[Text]"/>
+      <dgm:spPr/>
+      <dgm:t>
+        <a:bodyPr/>
+        <a:lstStyle/>
+        <a:p>
+          <a:r>
+            <a:rPr lang="en-US" dirty="0" smtClean="0"/>
+            <a:t>Lower startup legal fees</a:t>
+          </a:r>
+          <a:endParaRPr lang="en-US" dirty="0"/>
+        </a:p>
+      </dgm:t>
+    </dgm:pt>
+    <dgm:pt modelId="{6ADE6114-B3F5-4D5C-A87D-D6D104F220BC}" type="parTrans" cxnId="{53E970AE-305A-4694-88C5-3362C900147E}">
+      <dgm:prSet/>
+      <dgm:spPr/>
+      <dgm:t>
+        <a:bodyPr/>
+        <a:lstStyle/>
+        <a:p>
+          <a:endParaRPr lang="en-US"/>
+        </a:p>
+      </dgm:t>
+    </dgm:pt>
+    <dgm:pt modelId="{7810F4B0-6F25-46D5-B3F9-509F2EC26E7F}" type="sibTrans" cxnId="{53E970AE-305A-4694-88C5-3362C900147E}">
+      <dgm:prSet/>
+      <dgm:spPr/>
+      <dgm:t>
+        <a:bodyPr/>
+        <a:lstStyle/>
+        <a:p>
+          <a:endParaRPr lang="en-US"/>
+        </a:p>
+      </dgm:t>
+    </dgm:pt>
+    <dgm:pt modelId="{1CBE1D15-0874-4AA1-A6FD-C794CFDE392E}">
+      <dgm:prSet phldrT="[Text]"/>
+      <dgm:spPr/>
+      <dgm:t>
+        <a:bodyPr/>
+        <a:lstStyle/>
+        <a:p>
+          <a:r>
+            <a:rPr lang="en-US" dirty="0" smtClean="0"/>
+            <a:t>Faster due diligence</a:t>
+          </a:r>
+          <a:endParaRPr lang="en-US" dirty="0"/>
+        </a:p>
+      </dgm:t>
+    </dgm:pt>
+    <dgm:pt modelId="{64BC6419-ACD3-4A5F-8B24-2FFF857E1BC1}" type="parTrans" cxnId="{D0C6E1D4-9B3C-4506-85FA-1EBB4B01642D}">
+      <dgm:prSet/>
+      <dgm:spPr/>
+      <dgm:t>
+        <a:bodyPr/>
+        <a:lstStyle/>
+        <a:p>
+          <a:endParaRPr lang="en-US"/>
+        </a:p>
+      </dgm:t>
+    </dgm:pt>
+    <dgm:pt modelId="{BB138827-E32B-4627-A28F-8AEF78B221EF}" type="sibTrans" cxnId="{D0C6E1D4-9B3C-4506-85FA-1EBB4B01642D}">
+      <dgm:prSet/>
+      <dgm:spPr/>
+      <dgm:t>
+        <a:bodyPr/>
+        <a:lstStyle/>
+        <a:p>
+          <a:endParaRPr lang="en-US"/>
+        </a:p>
+      </dgm:t>
+    </dgm:pt>
+    <dgm:pt modelId="{BA8A4787-9A3C-4CAD-A558-F4A6AA0E5540}">
+      <dgm:prSet phldrT="[Text]"/>
+      <dgm:spPr/>
+      <dgm:t>
+        <a:bodyPr/>
+        <a:lstStyle/>
+        <a:p>
+          <a:r>
+            <a:rPr lang="en-US" dirty="0" smtClean="0"/>
+            <a:t>Easier access to funding</a:t>
+          </a:r>
+          <a:endParaRPr lang="en-US" dirty="0"/>
+        </a:p>
+      </dgm:t>
+    </dgm:pt>
+    <dgm:pt modelId="{333E438C-991B-4423-9CB2-DBC0B7DCADD9}" type="parTrans" cxnId="{2DAC4E9C-ED97-46A7-9065-EDA5FD821034}">
+      <dgm:prSet/>
+      <dgm:spPr/>
+      <dgm:t>
+        <a:bodyPr/>
+        <a:lstStyle/>
+        <a:p>
+          <a:endParaRPr lang="en-US"/>
+        </a:p>
+      </dgm:t>
+    </dgm:pt>
+    <dgm:pt modelId="{70A3E796-F7F6-4F93-AD01-DF2EEF1D8AEC}" type="sibTrans" cxnId="{2DAC4E9C-ED97-46A7-9065-EDA5FD821034}">
+      <dgm:prSet/>
+      <dgm:spPr/>
+      <dgm:t>
+        <a:bodyPr/>
+        <a:lstStyle/>
+        <a:p>
+          <a:endParaRPr lang="en-US"/>
+        </a:p>
+      </dgm:t>
+    </dgm:pt>
+    <dgm:pt modelId="{266DB419-ADD5-45E2-B654-B6B044AF9654}">
+      <dgm:prSet phldrT="[Text]"/>
+      <dgm:spPr/>
+      <dgm:t>
+        <a:bodyPr/>
+        <a:lstStyle/>
+        <a:p>
+          <a:r>
+            <a:rPr lang="en-US" dirty="0" smtClean="0"/>
+            <a:t>Additional crowd funding</a:t>
+          </a:r>
+          <a:endParaRPr lang="en-US" dirty="0"/>
+        </a:p>
+      </dgm:t>
+    </dgm:pt>
+    <dgm:pt modelId="{E8CBBE93-C8DD-4488-B527-14A62C9FB1A9}" type="parTrans" cxnId="{F2808BFC-89EC-4C72-B81C-315E0B4FD5C3}">
+      <dgm:prSet/>
+      <dgm:spPr/>
+      <dgm:t>
+        <a:bodyPr/>
+        <a:lstStyle/>
+        <a:p>
+          <a:endParaRPr lang="en-US"/>
+        </a:p>
+      </dgm:t>
+    </dgm:pt>
+    <dgm:pt modelId="{FB8A4789-27B1-4673-B18C-99899552B31C}" type="sibTrans" cxnId="{F2808BFC-89EC-4C72-B81C-315E0B4FD5C3}">
+      <dgm:prSet/>
+      <dgm:spPr/>
+      <dgm:t>
+        <a:bodyPr/>
+        <a:lstStyle/>
+        <a:p>
+          <a:endParaRPr lang="en-US"/>
+        </a:p>
+      </dgm:t>
+    </dgm:pt>
+    <dgm:pt modelId="{AA76FF9A-D4E8-46B6-A1FD-771238608AF5}">
+      <dgm:prSet phldrT="[Text]"/>
+      <dgm:spPr/>
+      <dgm:t>
+        <a:bodyPr/>
+        <a:lstStyle/>
+        <a:p>
+          <a:r>
+            <a:rPr lang="en-US" dirty="0" smtClean="0"/>
+            <a:t>Marketplace for legal services</a:t>
+          </a:r>
+          <a:endParaRPr lang="en-US" dirty="0"/>
+        </a:p>
+      </dgm:t>
+    </dgm:pt>
+    <dgm:pt modelId="{72B8D090-E019-445B-963D-5F9A1E595367}" type="parTrans" cxnId="{DE1C02B3-0A1E-4A84-A97F-661C092AB3A4}">
+      <dgm:prSet/>
+      <dgm:spPr/>
+      <dgm:t>
+        <a:bodyPr/>
+        <a:lstStyle/>
+        <a:p>
+          <a:endParaRPr lang="en-US"/>
+        </a:p>
+      </dgm:t>
+    </dgm:pt>
+    <dgm:pt modelId="{CEF4A362-A61D-4B25-B4DB-41C6B90F3B68}" type="sibTrans" cxnId="{DE1C02B3-0A1E-4A84-A97F-661C092AB3A4}">
+      <dgm:prSet/>
+      <dgm:spPr/>
+      <dgm:t>
+        <a:bodyPr/>
+        <a:lstStyle/>
+        <a:p>
+          <a:endParaRPr lang="en-US"/>
+        </a:p>
+      </dgm:t>
+    </dgm:pt>
+    <dgm:pt modelId="{B6F8908D-B373-4DED-A1C8-F82AA4815EB4}">
+      <dgm:prSet phldrT="[Text]"/>
+      <dgm:spPr/>
+      <dgm:t>
+        <a:bodyPr/>
+        <a:lstStyle/>
+        <a:p>
+          <a:r>
+            <a:rPr lang="en-US" dirty="0" smtClean="0"/>
+            <a:t>Marketplace for other services</a:t>
+          </a:r>
+          <a:endParaRPr lang="en-US" dirty="0"/>
+        </a:p>
+      </dgm:t>
+    </dgm:pt>
+    <dgm:pt modelId="{50A04344-7B55-4EEE-8E1B-C52391664748}" type="parTrans" cxnId="{50F445CF-7C20-4E2E-89AB-EED837034511}">
+      <dgm:prSet/>
+      <dgm:spPr/>
+      <dgm:t>
+        <a:bodyPr/>
+        <a:lstStyle/>
+        <a:p>
+          <a:endParaRPr lang="en-US"/>
+        </a:p>
+      </dgm:t>
+    </dgm:pt>
+    <dgm:pt modelId="{650E38B1-EE7E-4711-AB60-A2E5DD90793E}" type="sibTrans" cxnId="{50F445CF-7C20-4E2E-89AB-EED837034511}">
+      <dgm:prSet/>
+      <dgm:spPr/>
+      <dgm:t>
+        <a:bodyPr/>
+        <a:lstStyle/>
+        <a:p>
+          <a:endParaRPr lang="en-US"/>
+        </a:p>
+      </dgm:t>
+    </dgm:pt>
+    <dgm:pt modelId="{18190D7B-1F2E-4A19-9638-BA0F758B3312}">
+      <dgm:prSet phldrT="[Text]"/>
+      <dgm:spPr/>
+      <dgm:t>
+        <a:bodyPr/>
+        <a:lstStyle/>
+        <a:p>
+          <a:r>
+            <a:rPr lang="en-US" dirty="0" smtClean="0"/>
+            <a:t>Community support </a:t>
+          </a:r>
+          <a:endParaRPr lang="en-US" dirty="0"/>
+        </a:p>
+      </dgm:t>
+    </dgm:pt>
+    <dgm:pt modelId="{888A6CC8-070E-40DC-B658-4A0B0A358B31}" type="parTrans" cxnId="{8E8F99C7-C22C-401C-914B-3923E2BD9774}">
+      <dgm:prSet/>
+      <dgm:spPr/>
+      <dgm:t>
+        <a:bodyPr/>
+        <a:lstStyle/>
+        <a:p>
+          <a:endParaRPr lang="en-US"/>
+        </a:p>
+      </dgm:t>
+    </dgm:pt>
+    <dgm:pt modelId="{EFDCFCE2-ACA8-4166-8508-36C4CD1AD49A}" type="sibTrans" cxnId="{8E8F99C7-C22C-401C-914B-3923E2BD9774}">
+      <dgm:prSet/>
+      <dgm:spPr/>
+      <dgm:t>
+        <a:bodyPr/>
+        <a:lstStyle/>
+        <a:p>
+          <a:endParaRPr lang="en-US"/>
+        </a:p>
+      </dgm:t>
+    </dgm:pt>
+    <dgm:pt modelId="{14696309-9234-4EC0-B230-12AB373AA31E}">
+      <dgm:prSet phldrT="[Text]"/>
+      <dgm:spPr/>
+      <dgm:t>
+        <a:bodyPr/>
+        <a:lstStyle/>
+        <a:p>
+          <a:r>
+            <a:rPr lang="en-US" dirty="0" smtClean="0"/>
+            <a:t>Supercharged Ecology </a:t>
+          </a:r>
+          <a:endParaRPr lang="en-US" dirty="0"/>
+        </a:p>
+      </dgm:t>
+    </dgm:pt>
+    <dgm:pt modelId="{6786DB49-36BB-4A24-84CE-A36D73E4556E}" type="parTrans" cxnId="{0FF2FB00-7F10-4A30-91A6-7482557F2B96}">
+      <dgm:prSet/>
+      <dgm:spPr/>
+      <dgm:t>
+        <a:bodyPr/>
+        <a:lstStyle/>
+        <a:p>
+          <a:endParaRPr lang="en-US"/>
+        </a:p>
+      </dgm:t>
+    </dgm:pt>
+    <dgm:pt modelId="{1325BE16-3C29-4338-A698-87D005B5A66D}" type="sibTrans" cxnId="{0FF2FB00-7F10-4A30-91A6-7482557F2B96}">
+      <dgm:prSet/>
+      <dgm:spPr/>
+      <dgm:t>
+        <a:bodyPr/>
+        <a:lstStyle/>
+        <a:p>
+          <a:endParaRPr lang="en-US"/>
+        </a:p>
+      </dgm:t>
+    </dgm:pt>
+    <dgm:pt modelId="{EE8554C4-C3A4-43AE-8D31-CEEE8D8FB1C0}">
+      <dgm:prSet phldrT="[Text]"/>
+      <dgm:spPr/>
+      <dgm:t>
+        <a:bodyPr/>
+        <a:lstStyle/>
+        <a:p>
+          <a:r>
+            <a:rPr lang="en-US" dirty="0" err="1" smtClean="0"/>
+            <a:t>Optimizeable</a:t>
+          </a:r>
+          <a:r>
+            <a:rPr lang="en-US" dirty="0" smtClean="0"/>
+            <a:t> “legal piece parts”</a:t>
+          </a:r>
+          <a:endParaRPr lang="en-US" dirty="0"/>
+        </a:p>
+      </dgm:t>
+    </dgm:pt>
+    <dgm:pt modelId="{AE671F8C-DC17-4E2E-832B-CEFAAC9E8D23}" type="parTrans" cxnId="{431FAB21-8980-4A78-999B-AA488D1CB7B3}">
+      <dgm:prSet/>
+      <dgm:spPr/>
+      <dgm:t>
+        <a:bodyPr/>
+        <a:lstStyle/>
+        <a:p>
+          <a:endParaRPr lang="en-US"/>
+        </a:p>
+      </dgm:t>
+    </dgm:pt>
+    <dgm:pt modelId="{14642A5D-A4CA-494C-B05E-488C3E795DCD}" type="sibTrans" cxnId="{431FAB21-8980-4A78-999B-AA488D1CB7B3}">
+      <dgm:prSet/>
+      <dgm:spPr/>
+      <dgm:t>
+        <a:bodyPr/>
+        <a:lstStyle/>
+        <a:p>
+          <a:endParaRPr lang="en-US"/>
+        </a:p>
+      </dgm:t>
+    </dgm:pt>
+    <dgm:pt modelId="{4B00A3B8-0B4D-4A82-B099-9F3A8285D1E1}" type="pres">
+      <dgm:prSet presAssocID="{0CD29E0A-844B-4F5A-90C7-A5D40A1C1D30}" presName="Name0" presStyleCnt="0">
+        <dgm:presLayoutVars>
+          <dgm:dir/>
+          <dgm:resizeHandles/>
+        </dgm:presLayoutVars>
+      </dgm:prSet>
+      <dgm:spPr/>
+    </dgm:pt>
+    <dgm:pt modelId="{81D85317-A657-4963-938D-C84F49AD8D76}" type="pres">
+      <dgm:prSet presAssocID="{6927C9D9-71BB-4710-8E42-CF5AF868C613}" presName="compNode" presStyleCnt="0"/>
+      <dgm:spPr/>
+    </dgm:pt>
+    <dgm:pt modelId="{539D81D3-2E1F-41A5-9DBC-807493040BC2}" type="pres">
+      <dgm:prSet presAssocID="{6927C9D9-71BB-4710-8E42-CF5AF868C613}" presName="dummyConnPt" presStyleCnt="0"/>
+      <dgm:spPr/>
+    </dgm:pt>
+    <dgm:pt modelId="{6E28368D-7D9C-4855-886E-7307720BFD5F}" type="pres">
+      <dgm:prSet presAssocID="{6927C9D9-71BB-4710-8E42-CF5AF868C613}" presName="node" presStyleLbl="node1" presStyleIdx="0" presStyleCnt="9">
+        <dgm:presLayoutVars>
+          <dgm:bulletEnabled val="1"/>
+        </dgm:presLayoutVars>
+      </dgm:prSet>
+      <dgm:spPr/>
+    </dgm:pt>
+    <dgm:pt modelId="{F7AB8FA7-D287-443E-9DD6-7D9867B6C517}" type="pres">
+      <dgm:prSet presAssocID="{7810F4B0-6F25-46D5-B3F9-509F2EC26E7F}" presName="sibTrans" presStyleLbl="bgSibTrans2D1" presStyleIdx="0" presStyleCnt="8"/>
+      <dgm:spPr/>
+    </dgm:pt>
+    <dgm:pt modelId="{B7F0DF82-9A88-48F0-902A-22B1DAFD9FF1}" type="pres">
+      <dgm:prSet presAssocID="{EE8554C4-C3A4-43AE-8D31-CEEE8D8FB1C0}" presName="compNode" presStyleCnt="0"/>
+      <dgm:spPr/>
+    </dgm:pt>
+    <dgm:pt modelId="{08A3E640-2040-4799-9242-8AC6C5401F89}" type="pres">
+      <dgm:prSet presAssocID="{EE8554C4-C3A4-43AE-8D31-CEEE8D8FB1C0}" presName="dummyConnPt" presStyleCnt="0"/>
+      <dgm:spPr/>
+    </dgm:pt>
+    <dgm:pt modelId="{249F1157-3738-48D4-9871-88B7DFAF5DAB}" type="pres">
+      <dgm:prSet presAssocID="{EE8554C4-C3A4-43AE-8D31-CEEE8D8FB1C0}" presName="node" presStyleLbl="node1" presStyleIdx="1" presStyleCnt="9">
+        <dgm:presLayoutVars>
+          <dgm:bulletEnabled val="1"/>
+        </dgm:presLayoutVars>
+      </dgm:prSet>
+      <dgm:spPr/>
+      <dgm:t>
+        <a:bodyPr/>
+        <a:lstStyle/>
+        <a:p>
+          <a:endParaRPr lang="en-US"/>
+        </a:p>
+      </dgm:t>
+    </dgm:pt>
+    <dgm:pt modelId="{02327F8F-C916-4560-BD11-A3DC8B9D4991}" type="pres">
+      <dgm:prSet presAssocID="{14642A5D-A4CA-494C-B05E-488C3E795DCD}" presName="sibTrans" presStyleLbl="bgSibTrans2D1" presStyleIdx="1" presStyleCnt="8"/>
+      <dgm:spPr/>
+    </dgm:pt>
+    <dgm:pt modelId="{F4005A9D-33F7-4F05-85E9-B5FDEFD585B6}" type="pres">
+      <dgm:prSet presAssocID="{1CBE1D15-0874-4AA1-A6FD-C794CFDE392E}" presName="compNode" presStyleCnt="0"/>
+      <dgm:spPr/>
+    </dgm:pt>
+    <dgm:pt modelId="{1C618D0C-A42D-4DAF-B413-A5BEFFC54202}" type="pres">
+      <dgm:prSet presAssocID="{1CBE1D15-0874-4AA1-A6FD-C794CFDE392E}" presName="dummyConnPt" presStyleCnt="0"/>
+      <dgm:spPr/>
+    </dgm:pt>
+    <dgm:pt modelId="{DF16893F-E6B5-4159-A903-91E2BA85ED76}" type="pres">
+      <dgm:prSet presAssocID="{1CBE1D15-0874-4AA1-A6FD-C794CFDE392E}" presName="node" presStyleLbl="node1" presStyleIdx="2" presStyleCnt="9">
+        <dgm:presLayoutVars>
+          <dgm:bulletEnabled val="1"/>
+        </dgm:presLayoutVars>
+      </dgm:prSet>
+      <dgm:spPr/>
+      <dgm:t>
+        <a:bodyPr/>
+        <a:lstStyle/>
+        <a:p>
+          <a:endParaRPr lang="en-US"/>
+        </a:p>
+      </dgm:t>
+    </dgm:pt>
+    <dgm:pt modelId="{9943E9B6-1180-49A1-9BE4-9F8A0890CD85}" type="pres">
+      <dgm:prSet presAssocID="{BB138827-E32B-4627-A28F-8AEF78B221EF}" presName="sibTrans" presStyleLbl="bgSibTrans2D1" presStyleIdx="2" presStyleCnt="8"/>
+      <dgm:spPr/>
+    </dgm:pt>
+    <dgm:pt modelId="{DBDED746-41E6-400B-95DE-AB67BBDF3C8B}" type="pres">
+      <dgm:prSet presAssocID="{BA8A4787-9A3C-4CAD-A558-F4A6AA0E5540}" presName="compNode" presStyleCnt="0"/>
+      <dgm:spPr/>
+    </dgm:pt>
+    <dgm:pt modelId="{4AA9C417-0D9B-4EA0-B62B-D41A76A7CA68}" type="pres">
+      <dgm:prSet presAssocID="{BA8A4787-9A3C-4CAD-A558-F4A6AA0E5540}" presName="dummyConnPt" presStyleCnt="0"/>
+      <dgm:spPr/>
+    </dgm:pt>
+    <dgm:pt modelId="{8F3C0636-F4B7-414E-816F-BE5FAD0A9913}" type="pres">
+      <dgm:prSet presAssocID="{BA8A4787-9A3C-4CAD-A558-F4A6AA0E5540}" presName="node" presStyleLbl="node1" presStyleIdx="3" presStyleCnt="9">
+        <dgm:presLayoutVars>
+          <dgm:bulletEnabled val="1"/>
+        </dgm:presLayoutVars>
+      </dgm:prSet>
+      <dgm:spPr/>
+      <dgm:t>
+        <a:bodyPr/>
+        <a:lstStyle/>
+        <a:p>
+          <a:endParaRPr lang="en-US"/>
+        </a:p>
+      </dgm:t>
+    </dgm:pt>
+    <dgm:pt modelId="{B6B0DAC1-B7B8-40D7-8ACE-4A02016CE00E}" type="pres">
+      <dgm:prSet presAssocID="{70A3E796-F7F6-4F93-AD01-DF2EEF1D8AEC}" presName="sibTrans" presStyleLbl="bgSibTrans2D1" presStyleIdx="3" presStyleCnt="8"/>
+      <dgm:spPr/>
+    </dgm:pt>
+    <dgm:pt modelId="{1DA669B3-9DAA-4780-B035-CA80BECCCE0C}" type="pres">
+      <dgm:prSet presAssocID="{266DB419-ADD5-45E2-B654-B6B044AF9654}" presName="compNode" presStyleCnt="0"/>
+      <dgm:spPr/>
+    </dgm:pt>
+    <dgm:pt modelId="{936FCD29-AAB7-4ECB-B07E-4A17D049E1F9}" type="pres">
+      <dgm:prSet presAssocID="{266DB419-ADD5-45E2-B654-B6B044AF9654}" presName="dummyConnPt" presStyleCnt="0"/>
+      <dgm:spPr/>
+    </dgm:pt>
+    <dgm:pt modelId="{C5F23A59-F8E5-45D0-AADB-3D53D1542DDE}" type="pres">
+      <dgm:prSet presAssocID="{266DB419-ADD5-45E2-B654-B6B044AF9654}" presName="node" presStyleLbl="node1" presStyleIdx="4" presStyleCnt="9">
+        <dgm:presLayoutVars>
+          <dgm:bulletEnabled val="1"/>
+        </dgm:presLayoutVars>
+      </dgm:prSet>
+      <dgm:spPr/>
+      <dgm:t>
+        <a:bodyPr/>
+        <a:lstStyle/>
+        <a:p>
+          <a:endParaRPr lang="en-US"/>
+        </a:p>
+      </dgm:t>
+    </dgm:pt>
+    <dgm:pt modelId="{AB73F201-6AD2-405A-A296-2D9700403B6E}" type="pres">
+      <dgm:prSet presAssocID="{FB8A4789-27B1-4673-B18C-99899552B31C}" presName="sibTrans" presStyleLbl="bgSibTrans2D1" presStyleIdx="4" presStyleCnt="8"/>
+      <dgm:spPr/>
+    </dgm:pt>
+    <dgm:pt modelId="{D5EBA6E2-1916-4FA0-A797-C09935D175D0}" type="pres">
+      <dgm:prSet presAssocID="{AA76FF9A-D4E8-46B6-A1FD-771238608AF5}" presName="compNode" presStyleCnt="0"/>
+      <dgm:spPr/>
+    </dgm:pt>
+    <dgm:pt modelId="{0F9CA233-144E-4AC8-9C00-5B99DBFB2873}" type="pres">
+      <dgm:prSet presAssocID="{AA76FF9A-D4E8-46B6-A1FD-771238608AF5}" presName="dummyConnPt" presStyleCnt="0"/>
+      <dgm:spPr/>
+    </dgm:pt>
+    <dgm:pt modelId="{9D8AAA5C-F827-4EB1-B6CF-CDBAA12F5193}" type="pres">
+      <dgm:prSet presAssocID="{AA76FF9A-D4E8-46B6-A1FD-771238608AF5}" presName="node" presStyleLbl="node1" presStyleIdx="5" presStyleCnt="9">
+        <dgm:presLayoutVars>
+          <dgm:bulletEnabled val="1"/>
+        </dgm:presLayoutVars>
+      </dgm:prSet>
+      <dgm:spPr/>
+      <dgm:t>
+        <a:bodyPr/>
+        <a:lstStyle/>
+        <a:p>
+          <a:endParaRPr lang="en-US"/>
+        </a:p>
+      </dgm:t>
+    </dgm:pt>
+    <dgm:pt modelId="{1B2D114D-E09F-4245-84B0-8667EFFB1045}" type="pres">
+      <dgm:prSet presAssocID="{CEF4A362-A61D-4B25-B4DB-41C6B90F3B68}" presName="sibTrans" presStyleLbl="bgSibTrans2D1" presStyleIdx="5" presStyleCnt="8"/>
+      <dgm:spPr/>
+    </dgm:pt>
+    <dgm:pt modelId="{1B17F4E8-4A8A-4DC6-9E84-F7150241B070}" type="pres">
+      <dgm:prSet presAssocID="{B6F8908D-B373-4DED-A1C8-F82AA4815EB4}" presName="compNode" presStyleCnt="0"/>
+      <dgm:spPr/>
+    </dgm:pt>
+    <dgm:pt modelId="{15BE4FD4-B4F3-4D76-85EA-E3C8A1C35493}" type="pres">
+      <dgm:prSet presAssocID="{B6F8908D-B373-4DED-A1C8-F82AA4815EB4}" presName="dummyConnPt" presStyleCnt="0"/>
+      <dgm:spPr/>
+    </dgm:pt>
+    <dgm:pt modelId="{B44D7214-4F3A-4DEB-AA24-1FDD3036BC1B}" type="pres">
+      <dgm:prSet presAssocID="{B6F8908D-B373-4DED-A1C8-F82AA4815EB4}" presName="node" presStyleLbl="node1" presStyleIdx="6" presStyleCnt="9">
+        <dgm:presLayoutVars>
+          <dgm:bulletEnabled val="1"/>
+        </dgm:presLayoutVars>
+      </dgm:prSet>
+      <dgm:spPr/>
+      <dgm:t>
+        <a:bodyPr/>
+        <a:lstStyle/>
+        <a:p>
+          <a:endParaRPr lang="en-US"/>
+        </a:p>
+      </dgm:t>
+    </dgm:pt>
+    <dgm:pt modelId="{62910B71-5D21-4D32-9D19-BE14660A790F}" type="pres">
+      <dgm:prSet presAssocID="{650E38B1-EE7E-4711-AB60-A2E5DD90793E}" presName="sibTrans" presStyleLbl="bgSibTrans2D1" presStyleIdx="6" presStyleCnt="8"/>
+      <dgm:spPr/>
+    </dgm:pt>
+    <dgm:pt modelId="{E726BA09-3644-4653-B017-576CE5E4767A}" type="pres">
+      <dgm:prSet presAssocID="{18190D7B-1F2E-4A19-9638-BA0F758B3312}" presName="compNode" presStyleCnt="0"/>
+      <dgm:spPr/>
+    </dgm:pt>
+    <dgm:pt modelId="{7E08757F-8D6E-4ED4-A79D-C965F9291D5F}" type="pres">
+      <dgm:prSet presAssocID="{18190D7B-1F2E-4A19-9638-BA0F758B3312}" presName="dummyConnPt" presStyleCnt="0"/>
+      <dgm:spPr/>
+    </dgm:pt>
+    <dgm:pt modelId="{F4D0519E-987C-4486-B98A-7B39F53CE9A4}" type="pres">
+      <dgm:prSet presAssocID="{18190D7B-1F2E-4A19-9638-BA0F758B3312}" presName="node" presStyleLbl="node1" presStyleIdx="7" presStyleCnt="9">
+        <dgm:presLayoutVars>
+          <dgm:bulletEnabled val="1"/>
+        </dgm:presLayoutVars>
+      </dgm:prSet>
+      <dgm:spPr/>
+    </dgm:pt>
+    <dgm:pt modelId="{31E441B1-B78F-4326-9DE4-ACC956892257}" type="pres">
+      <dgm:prSet presAssocID="{EFDCFCE2-ACA8-4166-8508-36C4CD1AD49A}" presName="sibTrans" presStyleLbl="bgSibTrans2D1" presStyleIdx="7" presStyleCnt="8"/>
+      <dgm:spPr/>
+    </dgm:pt>
+    <dgm:pt modelId="{5DA37DC6-AAE0-43AD-A665-6A7913697E15}" type="pres">
+      <dgm:prSet presAssocID="{14696309-9234-4EC0-B230-12AB373AA31E}" presName="compNode" presStyleCnt="0"/>
+      <dgm:spPr/>
+    </dgm:pt>
+    <dgm:pt modelId="{CABE7EB4-58B5-46DE-B6D4-0BA52E4707C0}" type="pres">
+      <dgm:prSet presAssocID="{14696309-9234-4EC0-B230-12AB373AA31E}" presName="dummyConnPt" presStyleCnt="0"/>
+      <dgm:spPr/>
+    </dgm:pt>
+    <dgm:pt modelId="{3FB15939-56DE-4348-B48F-888B3CDB1A88}" type="pres">
+      <dgm:prSet presAssocID="{14696309-9234-4EC0-B230-12AB373AA31E}" presName="node" presStyleLbl="node1" presStyleIdx="8" presStyleCnt="9">
+        <dgm:presLayoutVars>
+          <dgm:bulletEnabled val="1"/>
+        </dgm:presLayoutVars>
+      </dgm:prSet>
+      <dgm:spPr/>
+    </dgm:pt>
+  </dgm:ptLst>
+  <dgm:cxnLst>
+    <dgm:cxn modelId="{431FAB21-8980-4A78-999B-AA488D1CB7B3}" srcId="{0CD29E0A-844B-4F5A-90C7-A5D40A1C1D30}" destId="{EE8554C4-C3A4-43AE-8D31-CEEE8D8FB1C0}" srcOrd="1" destOrd="0" parTransId="{AE671F8C-DC17-4E2E-832B-CEFAAC9E8D23}" sibTransId="{14642A5D-A4CA-494C-B05E-488C3E795DCD}"/>
+    <dgm:cxn modelId="{D0C6E1D4-9B3C-4506-85FA-1EBB4B01642D}" srcId="{0CD29E0A-844B-4F5A-90C7-A5D40A1C1D30}" destId="{1CBE1D15-0874-4AA1-A6FD-C794CFDE392E}" srcOrd="2" destOrd="0" parTransId="{64BC6419-ACD3-4A5F-8B24-2FFF857E1BC1}" sibTransId="{BB138827-E32B-4627-A28F-8AEF78B221EF}"/>
+    <dgm:cxn modelId="{15256630-37BD-4CC1-B5C5-38270696F463}" type="presOf" srcId="{EE8554C4-C3A4-43AE-8D31-CEEE8D8FB1C0}" destId="{249F1157-3738-48D4-9871-88B7DFAF5DAB}" srcOrd="0" destOrd="0" presId="urn:microsoft.com/office/officeart/2005/8/layout/bProcess4"/>
+    <dgm:cxn modelId="{731E86B0-497D-48A4-911B-92D97C482EA9}" type="presOf" srcId="{18190D7B-1F2E-4A19-9638-BA0F758B3312}" destId="{F4D0519E-987C-4486-B98A-7B39F53CE9A4}" srcOrd="0" destOrd="0" presId="urn:microsoft.com/office/officeart/2005/8/layout/bProcess4"/>
+    <dgm:cxn modelId="{2DAC4E9C-ED97-46A7-9065-EDA5FD821034}" srcId="{0CD29E0A-844B-4F5A-90C7-A5D40A1C1D30}" destId="{BA8A4787-9A3C-4CAD-A558-F4A6AA0E5540}" srcOrd="3" destOrd="0" parTransId="{333E438C-991B-4423-9CB2-DBC0B7DCADD9}" sibTransId="{70A3E796-F7F6-4F93-AD01-DF2EEF1D8AEC}"/>
+    <dgm:cxn modelId="{0AFC8A31-8FD5-423E-843D-CD776BE1C034}" type="presOf" srcId="{14642A5D-A4CA-494C-B05E-488C3E795DCD}" destId="{02327F8F-C916-4560-BD11-A3DC8B9D4991}" srcOrd="0" destOrd="0" presId="urn:microsoft.com/office/officeart/2005/8/layout/bProcess4"/>
+    <dgm:cxn modelId="{0FF2FB00-7F10-4A30-91A6-7482557F2B96}" srcId="{0CD29E0A-844B-4F5A-90C7-A5D40A1C1D30}" destId="{14696309-9234-4EC0-B230-12AB373AA31E}" srcOrd="8" destOrd="0" parTransId="{6786DB49-36BB-4A24-84CE-A36D73E4556E}" sibTransId="{1325BE16-3C29-4338-A698-87D005B5A66D}"/>
+    <dgm:cxn modelId="{D4743BAB-36C3-4149-A594-7B20B28FB2D2}" type="presOf" srcId="{14696309-9234-4EC0-B230-12AB373AA31E}" destId="{3FB15939-56DE-4348-B48F-888B3CDB1A88}" srcOrd="0" destOrd="0" presId="urn:microsoft.com/office/officeart/2005/8/layout/bProcess4"/>
+    <dgm:cxn modelId="{DE1C02B3-0A1E-4A84-A97F-661C092AB3A4}" srcId="{0CD29E0A-844B-4F5A-90C7-A5D40A1C1D30}" destId="{AA76FF9A-D4E8-46B6-A1FD-771238608AF5}" srcOrd="5" destOrd="0" parTransId="{72B8D090-E019-445B-963D-5F9A1E595367}" sibTransId="{CEF4A362-A61D-4B25-B4DB-41C6B90F3B68}"/>
+    <dgm:cxn modelId="{10D81899-7319-438A-B76D-D863221C4D08}" type="presOf" srcId="{266DB419-ADD5-45E2-B654-B6B044AF9654}" destId="{C5F23A59-F8E5-45D0-AADB-3D53D1542DDE}" srcOrd="0" destOrd="0" presId="urn:microsoft.com/office/officeart/2005/8/layout/bProcess4"/>
+    <dgm:cxn modelId="{899EBC38-1CE0-426C-B168-247D4F502B0E}" type="presOf" srcId="{AA76FF9A-D4E8-46B6-A1FD-771238608AF5}" destId="{9D8AAA5C-F827-4EB1-B6CF-CDBAA12F5193}" srcOrd="0" destOrd="0" presId="urn:microsoft.com/office/officeart/2005/8/layout/bProcess4"/>
+    <dgm:cxn modelId="{FD426409-54C5-41B3-8113-215764446313}" type="presOf" srcId="{BA8A4787-9A3C-4CAD-A558-F4A6AA0E5540}" destId="{8F3C0636-F4B7-414E-816F-BE5FAD0A9913}" srcOrd="0" destOrd="0" presId="urn:microsoft.com/office/officeart/2005/8/layout/bProcess4"/>
+    <dgm:cxn modelId="{50F445CF-7C20-4E2E-89AB-EED837034511}" srcId="{0CD29E0A-844B-4F5A-90C7-A5D40A1C1D30}" destId="{B6F8908D-B373-4DED-A1C8-F82AA4815EB4}" srcOrd="6" destOrd="0" parTransId="{50A04344-7B55-4EEE-8E1B-C52391664748}" sibTransId="{650E38B1-EE7E-4711-AB60-A2E5DD90793E}"/>
+    <dgm:cxn modelId="{CCDBBE41-EF39-4013-AF50-5A182E66AB0E}" type="presOf" srcId="{B6F8908D-B373-4DED-A1C8-F82AA4815EB4}" destId="{B44D7214-4F3A-4DEB-AA24-1FDD3036BC1B}" srcOrd="0" destOrd="0" presId="urn:microsoft.com/office/officeart/2005/8/layout/bProcess4"/>
+    <dgm:cxn modelId="{08DDE13F-EA21-4427-A1E5-CF5A3AC20F63}" type="presOf" srcId="{7810F4B0-6F25-46D5-B3F9-509F2EC26E7F}" destId="{F7AB8FA7-D287-443E-9DD6-7D9867B6C517}" srcOrd="0" destOrd="0" presId="urn:microsoft.com/office/officeart/2005/8/layout/bProcess4"/>
+    <dgm:cxn modelId="{F2808BFC-89EC-4C72-B81C-315E0B4FD5C3}" srcId="{0CD29E0A-844B-4F5A-90C7-A5D40A1C1D30}" destId="{266DB419-ADD5-45E2-B654-B6B044AF9654}" srcOrd="4" destOrd="0" parTransId="{E8CBBE93-C8DD-4488-B527-14A62C9FB1A9}" sibTransId="{FB8A4789-27B1-4673-B18C-99899552B31C}"/>
+    <dgm:cxn modelId="{6E7EDD2F-F862-492E-8786-316B2DD3285A}" type="presOf" srcId="{70A3E796-F7F6-4F93-AD01-DF2EEF1D8AEC}" destId="{B6B0DAC1-B7B8-40D7-8ACE-4A02016CE00E}" srcOrd="0" destOrd="0" presId="urn:microsoft.com/office/officeart/2005/8/layout/bProcess4"/>
+    <dgm:cxn modelId="{99EE308B-5ED4-497E-80FB-ECA99EF14845}" type="presOf" srcId="{FB8A4789-27B1-4673-B18C-99899552B31C}" destId="{AB73F201-6AD2-405A-A296-2D9700403B6E}" srcOrd="0" destOrd="0" presId="urn:microsoft.com/office/officeart/2005/8/layout/bProcess4"/>
+    <dgm:cxn modelId="{BA8A0EB5-065E-4BDD-80EC-CCD59CDFDBE1}" type="presOf" srcId="{CEF4A362-A61D-4B25-B4DB-41C6B90F3B68}" destId="{1B2D114D-E09F-4245-84B0-8667EFFB1045}" srcOrd="0" destOrd="0" presId="urn:microsoft.com/office/officeart/2005/8/layout/bProcess4"/>
+    <dgm:cxn modelId="{2ABEE6C8-B379-401E-A5ED-FBC865968F28}" type="presOf" srcId="{650E38B1-EE7E-4711-AB60-A2E5DD90793E}" destId="{62910B71-5D21-4D32-9D19-BE14660A790F}" srcOrd="0" destOrd="0" presId="urn:microsoft.com/office/officeart/2005/8/layout/bProcess4"/>
+    <dgm:cxn modelId="{A06DD603-22E6-40A0-85BF-B9509219BF42}" type="presOf" srcId="{6927C9D9-71BB-4710-8E42-CF5AF868C613}" destId="{6E28368D-7D9C-4855-886E-7307720BFD5F}" srcOrd="0" destOrd="0" presId="urn:microsoft.com/office/officeart/2005/8/layout/bProcess4"/>
+    <dgm:cxn modelId="{8E8F99C7-C22C-401C-914B-3923E2BD9774}" srcId="{0CD29E0A-844B-4F5A-90C7-A5D40A1C1D30}" destId="{18190D7B-1F2E-4A19-9638-BA0F758B3312}" srcOrd="7" destOrd="0" parTransId="{888A6CC8-070E-40DC-B658-4A0B0A358B31}" sibTransId="{EFDCFCE2-ACA8-4166-8508-36C4CD1AD49A}"/>
+    <dgm:cxn modelId="{DC73DC0F-2405-4F62-A3DA-3CB4FAC19059}" type="presOf" srcId="{BB138827-E32B-4627-A28F-8AEF78B221EF}" destId="{9943E9B6-1180-49A1-9BE4-9F8A0890CD85}" srcOrd="0" destOrd="0" presId="urn:microsoft.com/office/officeart/2005/8/layout/bProcess4"/>
+    <dgm:cxn modelId="{2C116C7D-B0D6-451B-BCBD-DFD5A021830E}" type="presOf" srcId="{1CBE1D15-0874-4AA1-A6FD-C794CFDE392E}" destId="{DF16893F-E6B5-4159-A903-91E2BA85ED76}" srcOrd="0" destOrd="0" presId="urn:microsoft.com/office/officeart/2005/8/layout/bProcess4"/>
+    <dgm:cxn modelId="{B50D4A0E-FE78-4FF0-86A2-9E37123F9824}" type="presOf" srcId="{0CD29E0A-844B-4F5A-90C7-A5D40A1C1D30}" destId="{4B00A3B8-0B4D-4A82-B099-9F3A8285D1E1}" srcOrd="0" destOrd="0" presId="urn:microsoft.com/office/officeart/2005/8/layout/bProcess4"/>
+    <dgm:cxn modelId="{03BFA93A-6044-4B2A-AB3C-66BCF5BA3DC8}" type="presOf" srcId="{EFDCFCE2-ACA8-4166-8508-36C4CD1AD49A}" destId="{31E441B1-B78F-4326-9DE4-ACC956892257}" srcOrd="0" destOrd="0" presId="urn:microsoft.com/office/officeart/2005/8/layout/bProcess4"/>
+    <dgm:cxn modelId="{53E970AE-305A-4694-88C5-3362C900147E}" srcId="{0CD29E0A-844B-4F5A-90C7-A5D40A1C1D30}" destId="{6927C9D9-71BB-4710-8E42-CF5AF868C613}" srcOrd="0" destOrd="0" parTransId="{6ADE6114-B3F5-4D5C-A87D-D6D104F220BC}" sibTransId="{7810F4B0-6F25-46D5-B3F9-509F2EC26E7F}"/>
+    <dgm:cxn modelId="{18CB4EF2-39E7-45D6-BAC7-1A18561A2131}" type="presParOf" srcId="{4B00A3B8-0B4D-4A82-B099-9F3A8285D1E1}" destId="{81D85317-A657-4963-938D-C84F49AD8D76}" srcOrd="0" destOrd="0" presId="urn:microsoft.com/office/officeart/2005/8/layout/bProcess4"/>
+    <dgm:cxn modelId="{998BEA21-7432-40A2-A95C-5FAC9F683DF6}" type="presParOf" srcId="{81D85317-A657-4963-938D-C84F49AD8D76}" destId="{539D81D3-2E1F-41A5-9DBC-807493040BC2}" srcOrd="0" destOrd="0" presId="urn:microsoft.com/office/officeart/2005/8/layout/bProcess4"/>
+    <dgm:cxn modelId="{812707AB-F190-4C03-9BF1-2E4770E2C26A}" type="presParOf" srcId="{81D85317-A657-4963-938D-C84F49AD8D76}" destId="{6E28368D-7D9C-4855-886E-7307720BFD5F}" srcOrd="1" destOrd="0" presId="urn:microsoft.com/office/officeart/2005/8/layout/bProcess4"/>
+    <dgm:cxn modelId="{B3961965-1A26-4532-B464-3CDB352CE99C}" type="presParOf" srcId="{4B00A3B8-0B4D-4A82-B099-9F3A8285D1E1}" destId="{F7AB8FA7-D287-443E-9DD6-7D9867B6C517}" srcOrd="1" destOrd="0" presId="urn:microsoft.com/office/officeart/2005/8/layout/bProcess4"/>
+    <dgm:cxn modelId="{BB6CF747-DAAB-445D-9048-B46E22B47E96}" type="presParOf" srcId="{4B00A3B8-0B4D-4A82-B099-9F3A8285D1E1}" destId="{B7F0DF82-9A88-48F0-902A-22B1DAFD9FF1}" srcOrd="2" destOrd="0" presId="urn:microsoft.com/office/officeart/2005/8/layout/bProcess4"/>
+    <dgm:cxn modelId="{0CD0EE56-C838-4532-82AB-8FDA153BA3E1}" type="presParOf" srcId="{B7F0DF82-9A88-48F0-902A-22B1DAFD9FF1}" destId="{08A3E640-2040-4799-9242-8AC6C5401F89}" srcOrd="0" destOrd="0" presId="urn:microsoft.com/office/officeart/2005/8/layout/bProcess4"/>
+    <dgm:cxn modelId="{6DD05E78-46EE-42D6-9F69-4076B1186308}" type="presParOf" srcId="{B7F0DF82-9A88-48F0-902A-22B1DAFD9FF1}" destId="{249F1157-3738-48D4-9871-88B7DFAF5DAB}" srcOrd="1" destOrd="0" presId="urn:microsoft.com/office/officeart/2005/8/layout/bProcess4"/>
+    <dgm:cxn modelId="{2F2C0021-1ADA-47A6-B298-AEDF6749F1AF}" type="presParOf" srcId="{4B00A3B8-0B4D-4A82-B099-9F3A8285D1E1}" destId="{02327F8F-C916-4560-BD11-A3DC8B9D4991}" srcOrd="3" destOrd="0" presId="urn:microsoft.com/office/officeart/2005/8/layout/bProcess4"/>
+    <dgm:cxn modelId="{C0CC2D50-7222-49EB-AC79-EA839B82D152}" type="presParOf" srcId="{4B00A3B8-0B4D-4A82-B099-9F3A8285D1E1}" destId="{F4005A9D-33F7-4F05-85E9-B5FDEFD585B6}" srcOrd="4" destOrd="0" presId="urn:microsoft.com/office/officeart/2005/8/layout/bProcess4"/>
+    <dgm:cxn modelId="{B0D3B478-4395-44D3-A62B-E89B87280469}" type="presParOf" srcId="{F4005A9D-33F7-4F05-85E9-B5FDEFD585B6}" destId="{1C618D0C-A42D-4DAF-B413-A5BEFFC54202}" srcOrd="0" destOrd="0" presId="urn:microsoft.com/office/officeart/2005/8/layout/bProcess4"/>
+    <dgm:cxn modelId="{F20ADB27-15C5-48C1-B343-F4B22F241461}" type="presParOf" srcId="{F4005A9D-33F7-4F05-85E9-B5FDEFD585B6}" destId="{DF16893F-E6B5-4159-A903-91E2BA85ED76}" srcOrd="1" destOrd="0" presId="urn:microsoft.com/office/officeart/2005/8/layout/bProcess4"/>
+    <dgm:cxn modelId="{CCF39F32-78CC-4C94-B22B-479D9DD07250}" type="presParOf" srcId="{4B00A3B8-0B4D-4A82-B099-9F3A8285D1E1}" destId="{9943E9B6-1180-49A1-9BE4-9F8A0890CD85}" srcOrd="5" destOrd="0" presId="urn:microsoft.com/office/officeart/2005/8/layout/bProcess4"/>
+    <dgm:cxn modelId="{332D4787-20E2-433E-BDBE-99F7C75769F8}" type="presParOf" srcId="{4B00A3B8-0B4D-4A82-B099-9F3A8285D1E1}" destId="{DBDED746-41E6-400B-95DE-AB67BBDF3C8B}" srcOrd="6" destOrd="0" presId="urn:microsoft.com/office/officeart/2005/8/layout/bProcess4"/>
+    <dgm:cxn modelId="{D4EFC648-B35A-4A99-A5E5-1867102D37E9}" type="presParOf" srcId="{DBDED746-41E6-400B-95DE-AB67BBDF3C8B}" destId="{4AA9C417-0D9B-4EA0-B62B-D41A76A7CA68}" srcOrd="0" destOrd="0" presId="urn:microsoft.com/office/officeart/2005/8/layout/bProcess4"/>
+    <dgm:cxn modelId="{08DFE8F4-A567-4E7E-8CBC-382B14E0046E}" type="presParOf" srcId="{DBDED746-41E6-400B-95DE-AB67BBDF3C8B}" destId="{8F3C0636-F4B7-414E-816F-BE5FAD0A9913}" srcOrd="1" destOrd="0" presId="urn:microsoft.com/office/officeart/2005/8/layout/bProcess4"/>
+    <dgm:cxn modelId="{B0819551-CBA5-4312-82E6-1ABF4802922C}" type="presParOf" srcId="{4B00A3B8-0B4D-4A82-B099-9F3A8285D1E1}" destId="{B6B0DAC1-B7B8-40D7-8ACE-4A02016CE00E}" srcOrd="7" destOrd="0" presId="urn:microsoft.com/office/officeart/2005/8/layout/bProcess4"/>
+    <dgm:cxn modelId="{D0292164-544B-43A2-932B-C938B2C32923}" type="presParOf" srcId="{4B00A3B8-0B4D-4A82-B099-9F3A8285D1E1}" destId="{1DA669B3-9DAA-4780-B035-CA80BECCCE0C}" srcOrd="8" destOrd="0" presId="urn:microsoft.com/office/officeart/2005/8/layout/bProcess4"/>
+    <dgm:cxn modelId="{7D7A66AE-4289-4266-8B2E-E3B80730D965}" type="presParOf" srcId="{1DA669B3-9DAA-4780-B035-CA80BECCCE0C}" destId="{936FCD29-AAB7-4ECB-B07E-4A17D049E1F9}" srcOrd="0" destOrd="0" presId="urn:microsoft.com/office/officeart/2005/8/layout/bProcess4"/>
+    <dgm:cxn modelId="{F146673E-5594-4C4A-A0A5-EA8502E92F05}" type="presParOf" srcId="{1DA669B3-9DAA-4780-B035-CA80BECCCE0C}" destId="{C5F23A59-F8E5-45D0-AADB-3D53D1542DDE}" srcOrd="1" destOrd="0" presId="urn:microsoft.com/office/officeart/2005/8/layout/bProcess4"/>
+    <dgm:cxn modelId="{7222A6DC-E1DC-4E68-B579-8FBBEB4F9A3F}" type="presParOf" srcId="{4B00A3B8-0B4D-4A82-B099-9F3A8285D1E1}" destId="{AB73F201-6AD2-405A-A296-2D9700403B6E}" srcOrd="9" destOrd="0" presId="urn:microsoft.com/office/officeart/2005/8/layout/bProcess4"/>
+    <dgm:cxn modelId="{59363908-DF07-41B8-B589-75422ED199A3}" type="presParOf" srcId="{4B00A3B8-0B4D-4A82-B099-9F3A8285D1E1}" destId="{D5EBA6E2-1916-4FA0-A797-C09935D175D0}" srcOrd="10" destOrd="0" presId="urn:microsoft.com/office/officeart/2005/8/layout/bProcess4"/>
+    <dgm:cxn modelId="{432A00C1-4C4F-4A13-9FA8-7F1329EE2BDC}" type="presParOf" srcId="{D5EBA6E2-1916-4FA0-A797-C09935D175D0}" destId="{0F9CA233-144E-4AC8-9C00-5B99DBFB2873}" srcOrd="0" destOrd="0" presId="urn:microsoft.com/office/officeart/2005/8/layout/bProcess4"/>
+    <dgm:cxn modelId="{EC68290D-57C2-45AD-BD25-D80330D16574}" type="presParOf" srcId="{D5EBA6E2-1916-4FA0-A797-C09935D175D0}" destId="{9D8AAA5C-F827-4EB1-B6CF-CDBAA12F5193}" srcOrd="1" destOrd="0" presId="urn:microsoft.com/office/officeart/2005/8/layout/bProcess4"/>
+    <dgm:cxn modelId="{28FE6DD9-9081-44FF-A88E-4E3ABBD24B04}" type="presParOf" srcId="{4B00A3B8-0B4D-4A82-B099-9F3A8285D1E1}" destId="{1B2D114D-E09F-4245-84B0-8667EFFB1045}" srcOrd="11" destOrd="0" presId="urn:microsoft.com/office/officeart/2005/8/layout/bProcess4"/>
+    <dgm:cxn modelId="{9F015873-E83E-467B-8A9F-B23A28713DB2}" type="presParOf" srcId="{4B00A3B8-0B4D-4A82-B099-9F3A8285D1E1}" destId="{1B17F4E8-4A8A-4DC6-9E84-F7150241B070}" srcOrd="12" destOrd="0" presId="urn:microsoft.com/office/officeart/2005/8/layout/bProcess4"/>
+    <dgm:cxn modelId="{2365A24A-17CA-489D-96C9-1D582A41A030}" type="presParOf" srcId="{1B17F4E8-4A8A-4DC6-9E84-F7150241B070}" destId="{15BE4FD4-B4F3-4D76-85EA-E3C8A1C35493}" srcOrd="0" destOrd="0" presId="urn:microsoft.com/office/officeart/2005/8/layout/bProcess4"/>
+    <dgm:cxn modelId="{BE5A723C-4B86-4ECC-93A7-8913B66B3ED4}" type="presParOf" srcId="{1B17F4E8-4A8A-4DC6-9E84-F7150241B070}" destId="{B44D7214-4F3A-4DEB-AA24-1FDD3036BC1B}" srcOrd="1" destOrd="0" presId="urn:microsoft.com/office/officeart/2005/8/layout/bProcess4"/>
+    <dgm:cxn modelId="{29482AE6-4619-40B5-93B5-5B142669F352}" type="presParOf" srcId="{4B00A3B8-0B4D-4A82-B099-9F3A8285D1E1}" destId="{62910B71-5D21-4D32-9D19-BE14660A790F}" srcOrd="13" destOrd="0" presId="urn:microsoft.com/office/officeart/2005/8/layout/bProcess4"/>
+    <dgm:cxn modelId="{6A92645B-CB71-4E8F-BC7E-D0EE9FFFAA39}" type="presParOf" srcId="{4B00A3B8-0B4D-4A82-B099-9F3A8285D1E1}" destId="{E726BA09-3644-4653-B017-576CE5E4767A}" srcOrd="14" destOrd="0" presId="urn:microsoft.com/office/officeart/2005/8/layout/bProcess4"/>
+    <dgm:cxn modelId="{09A4FBD5-30CF-4BA9-BDF0-8A97E2FFDA96}" type="presParOf" srcId="{E726BA09-3644-4653-B017-576CE5E4767A}" destId="{7E08757F-8D6E-4ED4-A79D-C965F9291D5F}" srcOrd="0" destOrd="0" presId="urn:microsoft.com/office/officeart/2005/8/layout/bProcess4"/>
+    <dgm:cxn modelId="{EDF3D8D0-46E6-4808-B71E-117AFB657191}" type="presParOf" srcId="{E726BA09-3644-4653-B017-576CE5E4767A}" destId="{F4D0519E-987C-4486-B98A-7B39F53CE9A4}" srcOrd="1" destOrd="0" presId="urn:microsoft.com/office/officeart/2005/8/layout/bProcess4"/>
+    <dgm:cxn modelId="{37752AD9-FE83-40CF-8867-30FDFCE22D09}" type="presParOf" srcId="{4B00A3B8-0B4D-4A82-B099-9F3A8285D1E1}" destId="{31E441B1-B78F-4326-9DE4-ACC956892257}" srcOrd="15" destOrd="0" presId="urn:microsoft.com/office/officeart/2005/8/layout/bProcess4"/>
+    <dgm:cxn modelId="{6F2550F1-EF97-43B2-9A8D-12F1566A22FB}" type="presParOf" srcId="{4B00A3B8-0B4D-4A82-B099-9F3A8285D1E1}" destId="{5DA37DC6-AAE0-43AD-A665-6A7913697E15}" srcOrd="16" destOrd="0" presId="urn:microsoft.com/office/officeart/2005/8/layout/bProcess4"/>
+    <dgm:cxn modelId="{96AD67A1-E6EC-4F91-9271-0AF2F66E0FA8}" type="presParOf" srcId="{5DA37DC6-AAE0-43AD-A665-6A7913697E15}" destId="{CABE7EB4-58B5-46DE-B6D4-0BA52E4707C0}" srcOrd="0" destOrd="0" presId="urn:microsoft.com/office/officeart/2005/8/layout/bProcess4"/>
+    <dgm:cxn modelId="{56B1C164-E2A4-4A0B-AA85-8DE3DFDC4653}" type="presParOf" srcId="{5DA37DC6-AAE0-43AD-A665-6A7913697E15}" destId="{3FB15939-56DE-4348-B48F-888B3CDB1A88}" srcOrd="1" destOrd="0" presId="urn:microsoft.com/office/officeart/2005/8/layout/bProcess4"/>
+  </dgm:cxnLst>
+  <dgm:bg/>
+  <dgm:whole/>
+  <dgm:extLst>
+    <a:ext uri="http://schemas.microsoft.com/office/drawing/2008/diagram">
+      <dsp:dataModelExt xmlns:dsp="http://schemas.microsoft.com/office/drawing/2008/diagram" relId="rId6" minVer="http://schemas.openxmlformats.org/drawingml/2006/diagram"/>
+    </a:ext>
+  </dgm:extLst>
+</dgm:dataModel>
+</file>
+
 <file path=ppt/diagrams/drawing1.xml><?xml version="1.0" encoding="utf-8"?>
 <dsp:drawing xmlns:dgm="http://schemas.openxmlformats.org/drawingml/2006/diagram" xmlns:dsp="http://schemas.microsoft.com/office/drawing/2008/diagram" xmlns:a="http://schemas.openxmlformats.org/drawingml/2006/main">
   <dsp:spTree>
@@ -3483,12 +4890,12 @@
         <a:fontRef idx="minor"/>
       </dsp:style>
       <dsp:txBody>
-        <a:bodyPr spcFirstLastPara="0" vert="horz" wrap="square" lIns="66040" tIns="66040" rIns="66040" bIns="66040" numCol="1" spcCol="1270" anchor="b" anchorCtr="0">
+        <a:bodyPr spcFirstLastPara="0" vert="horz" wrap="square" lIns="71120" tIns="71120" rIns="71120" bIns="71120" numCol="1" spcCol="1270" anchor="b" anchorCtr="0">
           <a:noAutofit/>
         </a:bodyPr>
         <a:lstStyle/>
         <a:p>
-          <a:pPr lvl="0" algn="ctr" defTabSz="2311400">
+          <a:pPr lvl="0" algn="ctr" defTabSz="2489200">
             <a:lnSpc>
               <a:spcPct val="90000"/>
             </a:lnSpc>
@@ -3499,7 +4906,7 @@
               <a:spcPct val="35000"/>
             </a:spcAft>
           </a:pPr>
-          <a:endParaRPr lang="en-US" sz="5200" kern="1200" dirty="0"/>
+          <a:endParaRPr lang="en-US" sz="5600" kern="1200" dirty="0"/>
         </a:p>
       </dsp:txBody>
       <dsp:txXfrm>
@@ -3648,7 +5055,7 @@
         </a:bodyPr>
         <a:lstStyle/>
         <a:p>
-          <a:pPr lvl="0" algn="l" defTabSz="800100">
+          <a:pPr lvl="0" algn="l" defTabSz="844550">
             <a:lnSpc>
               <a:spcPct val="90000"/>
             </a:lnSpc>
@@ -3660,18 +5067,18 @@
             </a:spcAft>
           </a:pPr>
           <a:r>
-            <a:rPr lang="en-US" sz="1800" kern="1200" dirty="0" smtClean="0"/>
+            <a:rPr lang="en-US" sz="1900" kern="1200" dirty="0" smtClean="0"/>
             <a:t>Mix and match to </a:t>
           </a:r>
           <a:r>
-            <a:rPr lang="en-US" sz="1800" b="1" kern="1200" dirty="0" smtClean="0"/>
+            <a:rPr lang="en-US" sz="1900" b="1" kern="1200" dirty="0" smtClean="0"/>
             <a:t>optimize</a:t>
           </a:r>
           <a:r>
-            <a:rPr lang="en-US" sz="1800" kern="1200" dirty="0" smtClean="0"/>
+            <a:rPr lang="en-US" sz="1900" kern="1200" dirty="0" smtClean="0"/>
             <a:t> founder’s terms</a:t>
           </a:r>
-          <a:endParaRPr lang="en-US" sz="1800" kern="1200" dirty="0"/>
+          <a:endParaRPr lang="en-US" sz="1900" kern="1200" dirty="0"/>
         </a:p>
       </dsp:txBody>
       <dsp:txXfrm>
@@ -3765,7 +5172,7 @@
         </a:bodyPr>
         <a:lstStyle/>
         <a:p>
-          <a:pPr lvl="0" algn="l" defTabSz="800100">
+          <a:pPr lvl="0" algn="l" defTabSz="844550">
             <a:lnSpc>
               <a:spcPct val="90000"/>
             </a:lnSpc>
@@ -3777,14 +5184,14 @@
             </a:spcAft>
           </a:pPr>
           <a:r>
-            <a:rPr lang="en-US" sz="1800" b="1" kern="1200" dirty="0" smtClean="0"/>
+            <a:rPr lang="en-US" sz="1900" b="1" kern="1200" dirty="0" smtClean="0"/>
             <a:t>Choose</a:t>
           </a:r>
           <a:r>
-            <a:rPr lang="en-US" sz="1800" kern="1200" dirty="0" smtClean="0"/>
+            <a:rPr lang="en-US" sz="1900" kern="1200" dirty="0" smtClean="0"/>
             <a:t> the best form of business association </a:t>
           </a:r>
-          <a:endParaRPr lang="en-US" sz="1800" kern="1200" dirty="0"/>
+          <a:endParaRPr lang="en-US" sz="1900" kern="1200" dirty="0"/>
         </a:p>
       </dsp:txBody>
       <dsp:txXfrm>
@@ -3878,7 +5285,7 @@
         </a:bodyPr>
         <a:lstStyle/>
         <a:p>
-          <a:pPr lvl="0" algn="l" defTabSz="800100">
+          <a:pPr lvl="0" algn="l" defTabSz="844550">
             <a:lnSpc>
               <a:spcPct val="90000"/>
             </a:lnSpc>
@@ -3890,18 +5297,18 @@
             </a:spcAft>
           </a:pPr>
           <a:r>
-            <a:rPr lang="en-US" sz="1800" kern="1200" dirty="0" smtClean="0"/>
+            <a:rPr lang="en-US" sz="1900" kern="1200" dirty="0" smtClean="0"/>
             <a:t>Create the terms of use allowing the start up to </a:t>
           </a:r>
           <a:r>
-            <a:rPr lang="en-US" sz="1800" b="1" kern="1200" dirty="0" smtClean="0"/>
+            <a:rPr lang="en-US" sz="1900" b="1" kern="1200" dirty="0" smtClean="0"/>
             <a:t>START UP</a:t>
           </a:r>
           <a:r>
-            <a:rPr lang="en-US" sz="1800" kern="1200" dirty="0" smtClean="0"/>
+            <a:rPr lang="en-US" sz="1900" kern="1200" dirty="0" smtClean="0"/>
             <a:t> in a single day</a:t>
           </a:r>
-          <a:endParaRPr lang="en-US" sz="1800" kern="1200" dirty="0"/>
+          <a:endParaRPr lang="en-US" sz="1900" kern="1200" dirty="0"/>
         </a:p>
       </dsp:txBody>
       <dsp:txXfrm>
@@ -3995,7 +5402,7 @@
         </a:bodyPr>
         <a:lstStyle/>
         <a:p>
-          <a:pPr lvl="0" algn="l" defTabSz="800100">
+          <a:pPr lvl="0" algn="l" defTabSz="844550">
             <a:lnSpc>
               <a:spcPct val="90000"/>
             </a:lnSpc>
@@ -4007,39 +5414,1102 @@
             </a:spcAft>
           </a:pPr>
           <a:r>
-            <a:rPr lang="en-US" sz="1800" b="1" kern="1200" dirty="0" smtClean="0"/>
+            <a:rPr lang="en-US" sz="1900" b="1" kern="1200" dirty="0" smtClean="0"/>
             <a:t>Analyze</a:t>
           </a:r>
           <a:r>
-            <a:rPr lang="en-US" sz="1800" kern="1200" dirty="0" smtClean="0"/>
+            <a:rPr lang="en-US" sz="1900" kern="1200" dirty="0" smtClean="0"/>
             <a:t>, </a:t>
           </a:r>
           <a:r>
-            <a:rPr lang="en-US" sz="1800" b="1" kern="1200" dirty="0" smtClean="0"/>
+            <a:rPr lang="en-US" sz="1900" b="1" kern="1200" dirty="0" smtClean="0"/>
             <a:t>invest</a:t>
           </a:r>
           <a:r>
-            <a:rPr lang="en-US" sz="1800" kern="1200" dirty="0" smtClean="0"/>
+            <a:rPr lang="en-US" sz="1900" kern="1200" dirty="0" smtClean="0"/>
             <a:t>, and </a:t>
           </a:r>
           <a:r>
-            <a:rPr lang="en-US" sz="1800" b="1" kern="1200" dirty="0" smtClean="0"/>
+            <a:rPr lang="en-US" sz="1900" b="1" kern="1200" dirty="0" smtClean="0"/>
             <a:t>dynamically</a:t>
           </a:r>
           <a:r>
-            <a:rPr lang="en-US" sz="1800" kern="1200" dirty="0" smtClean="0"/>
+            <a:rPr lang="en-US" sz="1900" kern="1200" dirty="0" smtClean="0"/>
             <a:t> update ownership and organization as the business evolves through rounds of traditional financing and </a:t>
           </a:r>
           <a:r>
-            <a:rPr lang="en-US" sz="1800" b="1" kern="1200" dirty="0" smtClean="0"/>
+            <a:rPr lang="en-US" sz="1900" b="1" kern="1200" dirty="0" smtClean="0"/>
             <a:t>crowd funding</a:t>
           </a:r>
-          <a:endParaRPr lang="en-US" sz="1800" b="1" kern="1200" dirty="0"/>
+          <a:endParaRPr lang="en-US" sz="1900" b="1" kern="1200" dirty="0"/>
         </a:p>
       </dsp:txBody>
       <dsp:txXfrm>
         <a:off x="5722335" y="2360743"/>
         <a:ext cx="1760220" cy="3756183"/>
+      </dsp:txXfrm>
+    </dsp:sp>
+  </dsp:spTree>
+</dsp:drawing>
+</file>
+
+<file path=ppt/diagrams/drawing4.xml><?xml version="1.0" encoding="utf-8"?>
+<dsp:drawing xmlns:dgm="http://schemas.openxmlformats.org/drawingml/2006/diagram" xmlns:dsp="http://schemas.microsoft.com/office/drawing/2008/diagram" xmlns:a="http://schemas.openxmlformats.org/drawingml/2006/main">
+  <dsp:spTree>
+    <dsp:nvGrpSpPr>
+      <dsp:cNvPr id="0" name=""/>
+      <dsp:cNvGrpSpPr/>
+    </dsp:nvGrpSpPr>
+    <dsp:grpSpPr/>
+    <dsp:sp modelId="{F7AB8FA7-D287-443E-9DD6-7D9867B6C517}">
+      <dsp:nvSpPr>
+        <dsp:cNvPr id="0" name=""/>
+        <dsp:cNvSpPr/>
+      </dsp:nvSpPr>
+      <dsp:spPr>
+        <a:xfrm rot="5400000">
+          <a:off x="-400739" y="1308556"/>
+          <a:ext cx="1768465" cy="213394"/>
+        </a:xfrm>
+        <a:prstGeom prst="rect">
+          <a:avLst/>
+        </a:prstGeom>
+        <a:solidFill>
+          <a:schemeClr val="accent1">
+            <a:tint val="60000"/>
+            <a:hueOff val="0"/>
+            <a:satOff val="0"/>
+            <a:lumOff val="0"/>
+            <a:alphaOff val="0"/>
+          </a:schemeClr>
+        </a:solidFill>
+        <a:ln>
+          <a:noFill/>
+        </a:ln>
+        <a:effectLst/>
+      </dsp:spPr>
+      <dsp:style>
+        <a:lnRef idx="0">
+          <a:scrgbClr r="0" g="0" b="0"/>
+        </a:lnRef>
+        <a:fillRef idx="1">
+          <a:scrgbClr r="0" g="0" b="0"/>
+        </a:fillRef>
+        <a:effectRef idx="0">
+          <a:scrgbClr r="0" g="0" b="0"/>
+        </a:effectRef>
+        <a:fontRef idx="minor">
+          <a:schemeClr val="lt1"/>
+        </a:fontRef>
+      </dsp:style>
+    </dsp:sp>
+    <dsp:sp modelId="{6E28368D-7D9C-4855-886E-7307720BFD5F}">
+      <dsp:nvSpPr>
+        <dsp:cNvPr id="0" name=""/>
+        <dsp:cNvSpPr/>
+      </dsp:nvSpPr>
+      <dsp:spPr>
+        <a:xfrm>
+          <a:off x="4368" y="177391"/>
+          <a:ext cx="2371055" cy="1422633"/>
+        </a:xfrm>
+        <a:prstGeom prst="roundRect">
+          <a:avLst>
+            <a:gd name="adj" fmla="val 10000"/>
+          </a:avLst>
+        </a:prstGeom>
+        <a:solidFill>
+          <a:schemeClr val="accent1">
+            <a:hueOff val="0"/>
+            <a:satOff val="0"/>
+            <a:lumOff val="0"/>
+            <a:alphaOff val="0"/>
+          </a:schemeClr>
+        </a:solidFill>
+        <a:ln w="26425" cap="flat" cmpd="sng" algn="ctr">
+          <a:solidFill>
+            <a:schemeClr val="lt1">
+              <a:hueOff val="0"/>
+              <a:satOff val="0"/>
+              <a:lumOff val="0"/>
+              <a:alphaOff val="0"/>
+            </a:schemeClr>
+          </a:solidFill>
+          <a:prstDash val="solid"/>
+        </a:ln>
+        <a:effectLst/>
+      </dsp:spPr>
+      <dsp:style>
+        <a:lnRef idx="2">
+          <a:scrgbClr r="0" g="0" b="0"/>
+        </a:lnRef>
+        <a:fillRef idx="1">
+          <a:scrgbClr r="0" g="0" b="0"/>
+        </a:fillRef>
+        <a:effectRef idx="0">
+          <a:scrgbClr r="0" g="0" b="0"/>
+        </a:effectRef>
+        <a:fontRef idx="minor">
+          <a:schemeClr val="lt1"/>
+        </a:fontRef>
+      </dsp:style>
+      <dsp:txBody>
+        <a:bodyPr spcFirstLastPara="0" vert="horz" wrap="square" lIns="102870" tIns="102870" rIns="102870" bIns="102870" numCol="1" spcCol="1270" anchor="ctr" anchorCtr="0">
+          <a:noAutofit/>
+        </a:bodyPr>
+        <a:lstStyle/>
+        <a:p>
+          <a:pPr lvl="0" algn="ctr" defTabSz="1200150">
+            <a:lnSpc>
+              <a:spcPct val="90000"/>
+            </a:lnSpc>
+            <a:spcBef>
+              <a:spcPct val="0"/>
+            </a:spcBef>
+            <a:spcAft>
+              <a:spcPct val="35000"/>
+            </a:spcAft>
+          </a:pPr>
+          <a:r>
+            <a:rPr lang="en-US" sz="2700" kern="1200" dirty="0" smtClean="0"/>
+            <a:t>Lower startup legal fees</a:t>
+          </a:r>
+          <a:endParaRPr lang="en-US" sz="2700" kern="1200" dirty="0"/>
+        </a:p>
+      </dsp:txBody>
+      <dsp:txXfrm>
+        <a:off x="46035" y="219058"/>
+        <a:ext cx="2287721" cy="1339299"/>
+      </dsp:txXfrm>
+    </dsp:sp>
+    <dsp:sp modelId="{02327F8F-C916-4560-BD11-A3DC8B9D4991}">
+      <dsp:nvSpPr>
+        <dsp:cNvPr id="0" name=""/>
+        <dsp:cNvSpPr/>
+      </dsp:nvSpPr>
+      <dsp:spPr>
+        <a:xfrm rot="5400000">
+          <a:off x="-400739" y="3086847"/>
+          <a:ext cx="1768465" cy="213394"/>
+        </a:xfrm>
+        <a:prstGeom prst="rect">
+          <a:avLst/>
+        </a:prstGeom>
+        <a:solidFill>
+          <a:schemeClr val="accent1">
+            <a:tint val="60000"/>
+            <a:hueOff val="0"/>
+            <a:satOff val="0"/>
+            <a:lumOff val="0"/>
+            <a:alphaOff val="0"/>
+          </a:schemeClr>
+        </a:solidFill>
+        <a:ln>
+          <a:noFill/>
+        </a:ln>
+        <a:effectLst/>
+      </dsp:spPr>
+      <dsp:style>
+        <a:lnRef idx="0">
+          <a:scrgbClr r="0" g="0" b="0"/>
+        </a:lnRef>
+        <a:fillRef idx="1">
+          <a:scrgbClr r="0" g="0" b="0"/>
+        </a:fillRef>
+        <a:effectRef idx="0">
+          <a:scrgbClr r="0" g="0" b="0"/>
+        </a:effectRef>
+        <a:fontRef idx="minor">
+          <a:schemeClr val="lt1"/>
+        </a:fontRef>
+      </dsp:style>
+    </dsp:sp>
+    <dsp:sp modelId="{249F1157-3738-48D4-9871-88B7DFAF5DAB}">
+      <dsp:nvSpPr>
+        <dsp:cNvPr id="0" name=""/>
+        <dsp:cNvSpPr/>
+      </dsp:nvSpPr>
+      <dsp:spPr>
+        <a:xfrm>
+          <a:off x="4368" y="1955683"/>
+          <a:ext cx="2371055" cy="1422633"/>
+        </a:xfrm>
+        <a:prstGeom prst="roundRect">
+          <a:avLst>
+            <a:gd name="adj" fmla="val 10000"/>
+          </a:avLst>
+        </a:prstGeom>
+        <a:solidFill>
+          <a:schemeClr val="accent1">
+            <a:hueOff val="0"/>
+            <a:satOff val="0"/>
+            <a:lumOff val="0"/>
+            <a:alphaOff val="0"/>
+          </a:schemeClr>
+        </a:solidFill>
+        <a:ln w="26425" cap="flat" cmpd="sng" algn="ctr">
+          <a:solidFill>
+            <a:schemeClr val="lt1">
+              <a:hueOff val="0"/>
+              <a:satOff val="0"/>
+              <a:lumOff val="0"/>
+              <a:alphaOff val="0"/>
+            </a:schemeClr>
+          </a:solidFill>
+          <a:prstDash val="solid"/>
+        </a:ln>
+        <a:effectLst/>
+      </dsp:spPr>
+      <dsp:style>
+        <a:lnRef idx="2">
+          <a:scrgbClr r="0" g="0" b="0"/>
+        </a:lnRef>
+        <a:fillRef idx="1">
+          <a:scrgbClr r="0" g="0" b="0"/>
+        </a:fillRef>
+        <a:effectRef idx="0">
+          <a:scrgbClr r="0" g="0" b="0"/>
+        </a:effectRef>
+        <a:fontRef idx="minor">
+          <a:schemeClr val="lt1"/>
+        </a:fontRef>
+      </dsp:style>
+      <dsp:txBody>
+        <a:bodyPr spcFirstLastPara="0" vert="horz" wrap="square" lIns="102870" tIns="102870" rIns="102870" bIns="102870" numCol="1" spcCol="1270" anchor="ctr" anchorCtr="0">
+          <a:noAutofit/>
+        </a:bodyPr>
+        <a:lstStyle/>
+        <a:p>
+          <a:pPr lvl="0" algn="ctr" defTabSz="1200150">
+            <a:lnSpc>
+              <a:spcPct val="90000"/>
+            </a:lnSpc>
+            <a:spcBef>
+              <a:spcPct val="0"/>
+            </a:spcBef>
+            <a:spcAft>
+              <a:spcPct val="35000"/>
+            </a:spcAft>
+          </a:pPr>
+          <a:r>
+            <a:rPr lang="en-US" sz="2700" kern="1200" dirty="0" err="1" smtClean="0"/>
+            <a:t>Optimizeable</a:t>
+          </a:r>
+          <a:r>
+            <a:rPr lang="en-US" sz="2700" kern="1200" dirty="0" smtClean="0"/>
+            <a:t> “legal piece parts”</a:t>
+          </a:r>
+          <a:endParaRPr lang="en-US" sz="2700" kern="1200" dirty="0"/>
+        </a:p>
+      </dsp:txBody>
+      <dsp:txXfrm>
+        <a:off x="46035" y="1997350"/>
+        <a:ext cx="2287721" cy="1339299"/>
+      </dsp:txXfrm>
+    </dsp:sp>
+    <dsp:sp modelId="{9943E9B6-1180-49A1-9BE4-9F8A0890CD85}">
+      <dsp:nvSpPr>
+        <dsp:cNvPr id="0" name=""/>
+        <dsp:cNvSpPr/>
+      </dsp:nvSpPr>
+      <dsp:spPr>
+        <a:xfrm>
+          <a:off x="488406" y="3975993"/>
+          <a:ext cx="3143677" cy="213394"/>
+        </a:xfrm>
+        <a:prstGeom prst="rect">
+          <a:avLst/>
+        </a:prstGeom>
+        <a:solidFill>
+          <a:schemeClr val="accent1">
+            <a:tint val="60000"/>
+            <a:hueOff val="0"/>
+            <a:satOff val="0"/>
+            <a:lumOff val="0"/>
+            <a:alphaOff val="0"/>
+          </a:schemeClr>
+        </a:solidFill>
+        <a:ln>
+          <a:noFill/>
+        </a:ln>
+        <a:effectLst/>
+      </dsp:spPr>
+      <dsp:style>
+        <a:lnRef idx="0">
+          <a:scrgbClr r="0" g="0" b="0"/>
+        </a:lnRef>
+        <a:fillRef idx="1">
+          <a:scrgbClr r="0" g="0" b="0"/>
+        </a:fillRef>
+        <a:effectRef idx="0">
+          <a:scrgbClr r="0" g="0" b="0"/>
+        </a:effectRef>
+        <a:fontRef idx="minor">
+          <a:schemeClr val="lt1"/>
+        </a:fontRef>
+      </dsp:style>
+    </dsp:sp>
+    <dsp:sp modelId="{DF16893F-E6B5-4159-A903-91E2BA85ED76}">
+      <dsp:nvSpPr>
+        <dsp:cNvPr id="0" name=""/>
+        <dsp:cNvSpPr/>
+      </dsp:nvSpPr>
+      <dsp:spPr>
+        <a:xfrm>
+          <a:off x="4368" y="3733974"/>
+          <a:ext cx="2371055" cy="1422633"/>
+        </a:xfrm>
+        <a:prstGeom prst="roundRect">
+          <a:avLst>
+            <a:gd name="adj" fmla="val 10000"/>
+          </a:avLst>
+        </a:prstGeom>
+        <a:solidFill>
+          <a:schemeClr val="accent1">
+            <a:hueOff val="0"/>
+            <a:satOff val="0"/>
+            <a:lumOff val="0"/>
+            <a:alphaOff val="0"/>
+          </a:schemeClr>
+        </a:solidFill>
+        <a:ln w="26425" cap="flat" cmpd="sng" algn="ctr">
+          <a:solidFill>
+            <a:schemeClr val="lt1">
+              <a:hueOff val="0"/>
+              <a:satOff val="0"/>
+              <a:lumOff val="0"/>
+              <a:alphaOff val="0"/>
+            </a:schemeClr>
+          </a:solidFill>
+          <a:prstDash val="solid"/>
+        </a:ln>
+        <a:effectLst/>
+      </dsp:spPr>
+      <dsp:style>
+        <a:lnRef idx="2">
+          <a:scrgbClr r="0" g="0" b="0"/>
+        </a:lnRef>
+        <a:fillRef idx="1">
+          <a:scrgbClr r="0" g="0" b="0"/>
+        </a:fillRef>
+        <a:effectRef idx="0">
+          <a:scrgbClr r="0" g="0" b="0"/>
+        </a:effectRef>
+        <a:fontRef idx="minor">
+          <a:schemeClr val="lt1"/>
+        </a:fontRef>
+      </dsp:style>
+      <dsp:txBody>
+        <a:bodyPr spcFirstLastPara="0" vert="horz" wrap="square" lIns="102870" tIns="102870" rIns="102870" bIns="102870" numCol="1" spcCol="1270" anchor="ctr" anchorCtr="0">
+          <a:noAutofit/>
+        </a:bodyPr>
+        <a:lstStyle/>
+        <a:p>
+          <a:pPr lvl="0" algn="ctr" defTabSz="1200150">
+            <a:lnSpc>
+              <a:spcPct val="90000"/>
+            </a:lnSpc>
+            <a:spcBef>
+              <a:spcPct val="0"/>
+            </a:spcBef>
+            <a:spcAft>
+              <a:spcPct val="35000"/>
+            </a:spcAft>
+          </a:pPr>
+          <a:r>
+            <a:rPr lang="en-US" sz="2700" kern="1200" dirty="0" smtClean="0"/>
+            <a:t>Faster due diligence</a:t>
+          </a:r>
+          <a:endParaRPr lang="en-US" sz="2700" kern="1200" dirty="0"/>
+        </a:p>
+      </dsp:txBody>
+      <dsp:txXfrm>
+        <a:off x="46035" y="3775641"/>
+        <a:ext cx="2287721" cy="1339299"/>
+      </dsp:txXfrm>
+    </dsp:sp>
+    <dsp:sp modelId="{B6B0DAC1-B7B8-40D7-8ACE-4A02016CE00E}">
+      <dsp:nvSpPr>
+        <dsp:cNvPr id="0" name=""/>
+        <dsp:cNvSpPr/>
+      </dsp:nvSpPr>
+      <dsp:spPr>
+        <a:xfrm rot="16200000">
+          <a:off x="2752763" y="3086847"/>
+          <a:ext cx="1768465" cy="213394"/>
+        </a:xfrm>
+        <a:prstGeom prst="rect">
+          <a:avLst/>
+        </a:prstGeom>
+        <a:solidFill>
+          <a:schemeClr val="accent1">
+            <a:tint val="60000"/>
+            <a:hueOff val="0"/>
+            <a:satOff val="0"/>
+            <a:lumOff val="0"/>
+            <a:alphaOff val="0"/>
+          </a:schemeClr>
+        </a:solidFill>
+        <a:ln>
+          <a:noFill/>
+        </a:ln>
+        <a:effectLst/>
+      </dsp:spPr>
+      <dsp:style>
+        <a:lnRef idx="0">
+          <a:scrgbClr r="0" g="0" b="0"/>
+        </a:lnRef>
+        <a:fillRef idx="1">
+          <a:scrgbClr r="0" g="0" b="0"/>
+        </a:fillRef>
+        <a:effectRef idx="0">
+          <a:scrgbClr r="0" g="0" b="0"/>
+        </a:effectRef>
+        <a:fontRef idx="minor">
+          <a:schemeClr val="lt1"/>
+        </a:fontRef>
+      </dsp:style>
+    </dsp:sp>
+    <dsp:sp modelId="{8F3C0636-F4B7-414E-816F-BE5FAD0A9913}">
+      <dsp:nvSpPr>
+        <dsp:cNvPr id="0" name=""/>
+        <dsp:cNvSpPr/>
+      </dsp:nvSpPr>
+      <dsp:spPr>
+        <a:xfrm>
+          <a:off x="3157872" y="3733974"/>
+          <a:ext cx="2371055" cy="1422633"/>
+        </a:xfrm>
+        <a:prstGeom prst="roundRect">
+          <a:avLst>
+            <a:gd name="adj" fmla="val 10000"/>
+          </a:avLst>
+        </a:prstGeom>
+        <a:solidFill>
+          <a:schemeClr val="accent1">
+            <a:hueOff val="0"/>
+            <a:satOff val="0"/>
+            <a:lumOff val="0"/>
+            <a:alphaOff val="0"/>
+          </a:schemeClr>
+        </a:solidFill>
+        <a:ln w="26425" cap="flat" cmpd="sng" algn="ctr">
+          <a:solidFill>
+            <a:schemeClr val="lt1">
+              <a:hueOff val="0"/>
+              <a:satOff val="0"/>
+              <a:lumOff val="0"/>
+              <a:alphaOff val="0"/>
+            </a:schemeClr>
+          </a:solidFill>
+          <a:prstDash val="solid"/>
+        </a:ln>
+        <a:effectLst/>
+      </dsp:spPr>
+      <dsp:style>
+        <a:lnRef idx="2">
+          <a:scrgbClr r="0" g="0" b="0"/>
+        </a:lnRef>
+        <a:fillRef idx="1">
+          <a:scrgbClr r="0" g="0" b="0"/>
+        </a:fillRef>
+        <a:effectRef idx="0">
+          <a:scrgbClr r="0" g="0" b="0"/>
+        </a:effectRef>
+        <a:fontRef idx="minor">
+          <a:schemeClr val="lt1"/>
+        </a:fontRef>
+      </dsp:style>
+      <dsp:txBody>
+        <a:bodyPr spcFirstLastPara="0" vert="horz" wrap="square" lIns="102870" tIns="102870" rIns="102870" bIns="102870" numCol="1" spcCol="1270" anchor="ctr" anchorCtr="0">
+          <a:noAutofit/>
+        </a:bodyPr>
+        <a:lstStyle/>
+        <a:p>
+          <a:pPr lvl="0" algn="ctr" defTabSz="1200150">
+            <a:lnSpc>
+              <a:spcPct val="90000"/>
+            </a:lnSpc>
+            <a:spcBef>
+              <a:spcPct val="0"/>
+            </a:spcBef>
+            <a:spcAft>
+              <a:spcPct val="35000"/>
+            </a:spcAft>
+          </a:pPr>
+          <a:r>
+            <a:rPr lang="en-US" sz="2700" kern="1200" dirty="0" smtClean="0"/>
+            <a:t>Easier access to funding</a:t>
+          </a:r>
+          <a:endParaRPr lang="en-US" sz="2700" kern="1200" dirty="0"/>
+        </a:p>
+      </dsp:txBody>
+      <dsp:txXfrm>
+        <a:off x="3199539" y="3775641"/>
+        <a:ext cx="2287721" cy="1339299"/>
+      </dsp:txXfrm>
+    </dsp:sp>
+    <dsp:sp modelId="{AB73F201-6AD2-405A-A296-2D9700403B6E}">
+      <dsp:nvSpPr>
+        <dsp:cNvPr id="0" name=""/>
+        <dsp:cNvSpPr/>
+      </dsp:nvSpPr>
+      <dsp:spPr>
+        <a:xfrm rot="16200000">
+          <a:off x="2752763" y="1308556"/>
+          <a:ext cx="1768465" cy="213394"/>
+        </a:xfrm>
+        <a:prstGeom prst="rect">
+          <a:avLst/>
+        </a:prstGeom>
+        <a:solidFill>
+          <a:schemeClr val="accent1">
+            <a:tint val="60000"/>
+            <a:hueOff val="0"/>
+            <a:satOff val="0"/>
+            <a:lumOff val="0"/>
+            <a:alphaOff val="0"/>
+          </a:schemeClr>
+        </a:solidFill>
+        <a:ln>
+          <a:noFill/>
+        </a:ln>
+        <a:effectLst/>
+      </dsp:spPr>
+      <dsp:style>
+        <a:lnRef idx="0">
+          <a:scrgbClr r="0" g="0" b="0"/>
+        </a:lnRef>
+        <a:fillRef idx="1">
+          <a:scrgbClr r="0" g="0" b="0"/>
+        </a:fillRef>
+        <a:effectRef idx="0">
+          <a:scrgbClr r="0" g="0" b="0"/>
+        </a:effectRef>
+        <a:fontRef idx="minor">
+          <a:schemeClr val="lt1"/>
+        </a:fontRef>
+      </dsp:style>
+    </dsp:sp>
+    <dsp:sp modelId="{C5F23A59-F8E5-45D0-AADB-3D53D1542DDE}">
+      <dsp:nvSpPr>
+        <dsp:cNvPr id="0" name=""/>
+        <dsp:cNvSpPr/>
+      </dsp:nvSpPr>
+      <dsp:spPr>
+        <a:xfrm>
+          <a:off x="3157872" y="1955683"/>
+          <a:ext cx="2371055" cy="1422633"/>
+        </a:xfrm>
+        <a:prstGeom prst="roundRect">
+          <a:avLst>
+            <a:gd name="adj" fmla="val 10000"/>
+          </a:avLst>
+        </a:prstGeom>
+        <a:solidFill>
+          <a:schemeClr val="accent1">
+            <a:hueOff val="0"/>
+            <a:satOff val="0"/>
+            <a:lumOff val="0"/>
+            <a:alphaOff val="0"/>
+          </a:schemeClr>
+        </a:solidFill>
+        <a:ln w="26425" cap="flat" cmpd="sng" algn="ctr">
+          <a:solidFill>
+            <a:schemeClr val="lt1">
+              <a:hueOff val="0"/>
+              <a:satOff val="0"/>
+              <a:lumOff val="0"/>
+              <a:alphaOff val="0"/>
+            </a:schemeClr>
+          </a:solidFill>
+          <a:prstDash val="solid"/>
+        </a:ln>
+        <a:effectLst/>
+      </dsp:spPr>
+      <dsp:style>
+        <a:lnRef idx="2">
+          <a:scrgbClr r="0" g="0" b="0"/>
+        </a:lnRef>
+        <a:fillRef idx="1">
+          <a:scrgbClr r="0" g="0" b="0"/>
+        </a:fillRef>
+        <a:effectRef idx="0">
+          <a:scrgbClr r="0" g="0" b="0"/>
+        </a:effectRef>
+        <a:fontRef idx="minor">
+          <a:schemeClr val="lt1"/>
+        </a:fontRef>
+      </dsp:style>
+      <dsp:txBody>
+        <a:bodyPr spcFirstLastPara="0" vert="horz" wrap="square" lIns="102870" tIns="102870" rIns="102870" bIns="102870" numCol="1" spcCol="1270" anchor="ctr" anchorCtr="0">
+          <a:noAutofit/>
+        </a:bodyPr>
+        <a:lstStyle/>
+        <a:p>
+          <a:pPr lvl="0" algn="ctr" defTabSz="1200150">
+            <a:lnSpc>
+              <a:spcPct val="90000"/>
+            </a:lnSpc>
+            <a:spcBef>
+              <a:spcPct val="0"/>
+            </a:spcBef>
+            <a:spcAft>
+              <a:spcPct val="35000"/>
+            </a:spcAft>
+          </a:pPr>
+          <a:r>
+            <a:rPr lang="en-US" sz="2700" kern="1200" dirty="0" smtClean="0"/>
+            <a:t>Additional crowd funding</a:t>
+          </a:r>
+          <a:endParaRPr lang="en-US" sz="2700" kern="1200" dirty="0"/>
+        </a:p>
+      </dsp:txBody>
+      <dsp:txXfrm>
+        <a:off x="3199539" y="1997350"/>
+        <a:ext cx="2287721" cy="1339299"/>
+      </dsp:txXfrm>
+    </dsp:sp>
+    <dsp:sp modelId="{1B2D114D-E09F-4245-84B0-8667EFFB1045}">
+      <dsp:nvSpPr>
+        <dsp:cNvPr id="0" name=""/>
+        <dsp:cNvSpPr/>
+      </dsp:nvSpPr>
+      <dsp:spPr>
+        <a:xfrm>
+          <a:off x="3641909" y="419410"/>
+          <a:ext cx="3143677" cy="213394"/>
+        </a:xfrm>
+        <a:prstGeom prst="rect">
+          <a:avLst/>
+        </a:prstGeom>
+        <a:solidFill>
+          <a:schemeClr val="accent1">
+            <a:tint val="60000"/>
+            <a:hueOff val="0"/>
+            <a:satOff val="0"/>
+            <a:lumOff val="0"/>
+            <a:alphaOff val="0"/>
+          </a:schemeClr>
+        </a:solidFill>
+        <a:ln>
+          <a:noFill/>
+        </a:ln>
+        <a:effectLst/>
+      </dsp:spPr>
+      <dsp:style>
+        <a:lnRef idx="0">
+          <a:scrgbClr r="0" g="0" b="0"/>
+        </a:lnRef>
+        <a:fillRef idx="1">
+          <a:scrgbClr r="0" g="0" b="0"/>
+        </a:fillRef>
+        <a:effectRef idx="0">
+          <a:scrgbClr r="0" g="0" b="0"/>
+        </a:effectRef>
+        <a:fontRef idx="minor">
+          <a:schemeClr val="lt1"/>
+        </a:fontRef>
+      </dsp:style>
+    </dsp:sp>
+    <dsp:sp modelId="{9D8AAA5C-F827-4EB1-B6CF-CDBAA12F5193}">
+      <dsp:nvSpPr>
+        <dsp:cNvPr id="0" name=""/>
+        <dsp:cNvSpPr/>
+      </dsp:nvSpPr>
+      <dsp:spPr>
+        <a:xfrm>
+          <a:off x="3157872" y="177391"/>
+          <a:ext cx="2371055" cy="1422633"/>
+        </a:xfrm>
+        <a:prstGeom prst="roundRect">
+          <a:avLst>
+            <a:gd name="adj" fmla="val 10000"/>
+          </a:avLst>
+        </a:prstGeom>
+        <a:solidFill>
+          <a:schemeClr val="accent1">
+            <a:hueOff val="0"/>
+            <a:satOff val="0"/>
+            <a:lumOff val="0"/>
+            <a:alphaOff val="0"/>
+          </a:schemeClr>
+        </a:solidFill>
+        <a:ln w="26425" cap="flat" cmpd="sng" algn="ctr">
+          <a:solidFill>
+            <a:schemeClr val="lt1">
+              <a:hueOff val="0"/>
+              <a:satOff val="0"/>
+              <a:lumOff val="0"/>
+              <a:alphaOff val="0"/>
+            </a:schemeClr>
+          </a:solidFill>
+          <a:prstDash val="solid"/>
+        </a:ln>
+        <a:effectLst/>
+      </dsp:spPr>
+      <dsp:style>
+        <a:lnRef idx="2">
+          <a:scrgbClr r="0" g="0" b="0"/>
+        </a:lnRef>
+        <a:fillRef idx="1">
+          <a:scrgbClr r="0" g="0" b="0"/>
+        </a:fillRef>
+        <a:effectRef idx="0">
+          <a:scrgbClr r="0" g="0" b="0"/>
+        </a:effectRef>
+        <a:fontRef idx="minor">
+          <a:schemeClr val="lt1"/>
+        </a:fontRef>
+      </dsp:style>
+      <dsp:txBody>
+        <a:bodyPr spcFirstLastPara="0" vert="horz" wrap="square" lIns="102870" tIns="102870" rIns="102870" bIns="102870" numCol="1" spcCol="1270" anchor="ctr" anchorCtr="0">
+          <a:noAutofit/>
+        </a:bodyPr>
+        <a:lstStyle/>
+        <a:p>
+          <a:pPr lvl="0" algn="ctr" defTabSz="1200150">
+            <a:lnSpc>
+              <a:spcPct val="90000"/>
+            </a:lnSpc>
+            <a:spcBef>
+              <a:spcPct val="0"/>
+            </a:spcBef>
+            <a:spcAft>
+              <a:spcPct val="35000"/>
+            </a:spcAft>
+          </a:pPr>
+          <a:r>
+            <a:rPr lang="en-US" sz="2700" kern="1200" dirty="0" smtClean="0"/>
+            <a:t>Marketplace for legal services</a:t>
+          </a:r>
+          <a:endParaRPr lang="en-US" sz="2700" kern="1200" dirty="0"/>
+        </a:p>
+      </dsp:txBody>
+      <dsp:txXfrm>
+        <a:off x="3199539" y="219058"/>
+        <a:ext cx="2287721" cy="1339299"/>
+      </dsp:txXfrm>
+    </dsp:sp>
+    <dsp:sp modelId="{62910B71-5D21-4D32-9D19-BE14660A790F}">
+      <dsp:nvSpPr>
+        <dsp:cNvPr id="0" name=""/>
+        <dsp:cNvSpPr/>
+      </dsp:nvSpPr>
+      <dsp:spPr>
+        <a:xfrm rot="5400000">
+          <a:off x="5906267" y="1308556"/>
+          <a:ext cx="1768465" cy="213394"/>
+        </a:xfrm>
+        <a:prstGeom prst="rect">
+          <a:avLst/>
+        </a:prstGeom>
+        <a:solidFill>
+          <a:schemeClr val="accent1">
+            <a:tint val="60000"/>
+            <a:hueOff val="0"/>
+            <a:satOff val="0"/>
+            <a:lumOff val="0"/>
+            <a:alphaOff val="0"/>
+          </a:schemeClr>
+        </a:solidFill>
+        <a:ln>
+          <a:noFill/>
+        </a:ln>
+        <a:effectLst/>
+      </dsp:spPr>
+      <dsp:style>
+        <a:lnRef idx="0">
+          <a:scrgbClr r="0" g="0" b="0"/>
+        </a:lnRef>
+        <a:fillRef idx="1">
+          <a:scrgbClr r="0" g="0" b="0"/>
+        </a:fillRef>
+        <a:effectRef idx="0">
+          <a:scrgbClr r="0" g="0" b="0"/>
+        </a:effectRef>
+        <a:fontRef idx="minor">
+          <a:schemeClr val="lt1"/>
+        </a:fontRef>
+      </dsp:style>
+    </dsp:sp>
+    <dsp:sp modelId="{B44D7214-4F3A-4DEB-AA24-1FDD3036BC1B}">
+      <dsp:nvSpPr>
+        <dsp:cNvPr id="0" name=""/>
+        <dsp:cNvSpPr/>
+      </dsp:nvSpPr>
+      <dsp:spPr>
+        <a:xfrm>
+          <a:off x="6311375" y="177391"/>
+          <a:ext cx="2371055" cy="1422633"/>
+        </a:xfrm>
+        <a:prstGeom prst="roundRect">
+          <a:avLst>
+            <a:gd name="adj" fmla="val 10000"/>
+          </a:avLst>
+        </a:prstGeom>
+        <a:solidFill>
+          <a:schemeClr val="accent1">
+            <a:hueOff val="0"/>
+            <a:satOff val="0"/>
+            <a:lumOff val="0"/>
+            <a:alphaOff val="0"/>
+          </a:schemeClr>
+        </a:solidFill>
+        <a:ln w="26425" cap="flat" cmpd="sng" algn="ctr">
+          <a:solidFill>
+            <a:schemeClr val="lt1">
+              <a:hueOff val="0"/>
+              <a:satOff val="0"/>
+              <a:lumOff val="0"/>
+              <a:alphaOff val="0"/>
+            </a:schemeClr>
+          </a:solidFill>
+          <a:prstDash val="solid"/>
+        </a:ln>
+        <a:effectLst/>
+      </dsp:spPr>
+      <dsp:style>
+        <a:lnRef idx="2">
+          <a:scrgbClr r="0" g="0" b="0"/>
+        </a:lnRef>
+        <a:fillRef idx="1">
+          <a:scrgbClr r="0" g="0" b="0"/>
+        </a:fillRef>
+        <a:effectRef idx="0">
+          <a:scrgbClr r="0" g="0" b="0"/>
+        </a:effectRef>
+        <a:fontRef idx="minor">
+          <a:schemeClr val="lt1"/>
+        </a:fontRef>
+      </dsp:style>
+      <dsp:txBody>
+        <a:bodyPr spcFirstLastPara="0" vert="horz" wrap="square" lIns="102870" tIns="102870" rIns="102870" bIns="102870" numCol="1" spcCol="1270" anchor="ctr" anchorCtr="0">
+          <a:noAutofit/>
+        </a:bodyPr>
+        <a:lstStyle/>
+        <a:p>
+          <a:pPr lvl="0" algn="ctr" defTabSz="1200150">
+            <a:lnSpc>
+              <a:spcPct val="90000"/>
+            </a:lnSpc>
+            <a:spcBef>
+              <a:spcPct val="0"/>
+            </a:spcBef>
+            <a:spcAft>
+              <a:spcPct val="35000"/>
+            </a:spcAft>
+          </a:pPr>
+          <a:r>
+            <a:rPr lang="en-US" sz="2700" kern="1200" dirty="0" smtClean="0"/>
+            <a:t>Marketplace for other services</a:t>
+          </a:r>
+          <a:endParaRPr lang="en-US" sz="2700" kern="1200" dirty="0"/>
+        </a:p>
+      </dsp:txBody>
+      <dsp:txXfrm>
+        <a:off x="6353042" y="219058"/>
+        <a:ext cx="2287721" cy="1339299"/>
+      </dsp:txXfrm>
+    </dsp:sp>
+    <dsp:sp modelId="{31E441B1-B78F-4326-9DE4-ACC956892257}">
+      <dsp:nvSpPr>
+        <dsp:cNvPr id="0" name=""/>
+        <dsp:cNvSpPr/>
+      </dsp:nvSpPr>
+      <dsp:spPr>
+        <a:xfrm rot="5400000">
+          <a:off x="5906267" y="3086847"/>
+          <a:ext cx="1768465" cy="213394"/>
+        </a:xfrm>
+        <a:prstGeom prst="rect">
+          <a:avLst/>
+        </a:prstGeom>
+        <a:solidFill>
+          <a:schemeClr val="accent1">
+            <a:tint val="60000"/>
+            <a:hueOff val="0"/>
+            <a:satOff val="0"/>
+            <a:lumOff val="0"/>
+            <a:alphaOff val="0"/>
+          </a:schemeClr>
+        </a:solidFill>
+        <a:ln>
+          <a:noFill/>
+        </a:ln>
+        <a:effectLst/>
+      </dsp:spPr>
+      <dsp:style>
+        <a:lnRef idx="0">
+          <a:scrgbClr r="0" g="0" b="0"/>
+        </a:lnRef>
+        <a:fillRef idx="1">
+          <a:scrgbClr r="0" g="0" b="0"/>
+        </a:fillRef>
+        <a:effectRef idx="0">
+          <a:scrgbClr r="0" g="0" b="0"/>
+        </a:effectRef>
+        <a:fontRef idx="minor">
+          <a:schemeClr val="lt1"/>
+        </a:fontRef>
+      </dsp:style>
+    </dsp:sp>
+    <dsp:sp modelId="{F4D0519E-987C-4486-B98A-7B39F53CE9A4}">
+      <dsp:nvSpPr>
+        <dsp:cNvPr id="0" name=""/>
+        <dsp:cNvSpPr/>
+      </dsp:nvSpPr>
+      <dsp:spPr>
+        <a:xfrm>
+          <a:off x="6311375" y="1955683"/>
+          <a:ext cx="2371055" cy="1422633"/>
+        </a:xfrm>
+        <a:prstGeom prst="roundRect">
+          <a:avLst>
+            <a:gd name="adj" fmla="val 10000"/>
+          </a:avLst>
+        </a:prstGeom>
+        <a:solidFill>
+          <a:schemeClr val="accent1">
+            <a:hueOff val="0"/>
+            <a:satOff val="0"/>
+            <a:lumOff val="0"/>
+            <a:alphaOff val="0"/>
+          </a:schemeClr>
+        </a:solidFill>
+        <a:ln w="26425" cap="flat" cmpd="sng" algn="ctr">
+          <a:solidFill>
+            <a:schemeClr val="lt1">
+              <a:hueOff val="0"/>
+              <a:satOff val="0"/>
+              <a:lumOff val="0"/>
+              <a:alphaOff val="0"/>
+            </a:schemeClr>
+          </a:solidFill>
+          <a:prstDash val="solid"/>
+        </a:ln>
+        <a:effectLst/>
+      </dsp:spPr>
+      <dsp:style>
+        <a:lnRef idx="2">
+          <a:scrgbClr r="0" g="0" b="0"/>
+        </a:lnRef>
+        <a:fillRef idx="1">
+          <a:scrgbClr r="0" g="0" b="0"/>
+        </a:fillRef>
+        <a:effectRef idx="0">
+          <a:scrgbClr r="0" g="0" b="0"/>
+        </a:effectRef>
+        <a:fontRef idx="minor">
+          <a:schemeClr val="lt1"/>
+        </a:fontRef>
+      </dsp:style>
+      <dsp:txBody>
+        <a:bodyPr spcFirstLastPara="0" vert="horz" wrap="square" lIns="102870" tIns="102870" rIns="102870" bIns="102870" numCol="1" spcCol="1270" anchor="ctr" anchorCtr="0">
+          <a:noAutofit/>
+        </a:bodyPr>
+        <a:lstStyle/>
+        <a:p>
+          <a:pPr lvl="0" algn="ctr" defTabSz="1200150">
+            <a:lnSpc>
+              <a:spcPct val="90000"/>
+            </a:lnSpc>
+            <a:spcBef>
+              <a:spcPct val="0"/>
+            </a:spcBef>
+            <a:spcAft>
+              <a:spcPct val="35000"/>
+            </a:spcAft>
+          </a:pPr>
+          <a:r>
+            <a:rPr lang="en-US" sz="2700" kern="1200" dirty="0" smtClean="0"/>
+            <a:t>Community support </a:t>
+          </a:r>
+          <a:endParaRPr lang="en-US" sz="2700" kern="1200" dirty="0"/>
+        </a:p>
+      </dsp:txBody>
+      <dsp:txXfrm>
+        <a:off x="6353042" y="1997350"/>
+        <a:ext cx="2287721" cy="1339299"/>
+      </dsp:txXfrm>
+    </dsp:sp>
+    <dsp:sp modelId="{3FB15939-56DE-4348-B48F-888B3CDB1A88}">
+      <dsp:nvSpPr>
+        <dsp:cNvPr id="0" name=""/>
+        <dsp:cNvSpPr/>
+      </dsp:nvSpPr>
+      <dsp:spPr>
+        <a:xfrm>
+          <a:off x="6311375" y="3733974"/>
+          <a:ext cx="2371055" cy="1422633"/>
+        </a:xfrm>
+        <a:prstGeom prst="roundRect">
+          <a:avLst>
+            <a:gd name="adj" fmla="val 10000"/>
+          </a:avLst>
+        </a:prstGeom>
+        <a:solidFill>
+          <a:schemeClr val="accent1">
+            <a:hueOff val="0"/>
+            <a:satOff val="0"/>
+            <a:lumOff val="0"/>
+            <a:alphaOff val="0"/>
+          </a:schemeClr>
+        </a:solidFill>
+        <a:ln w="26425" cap="flat" cmpd="sng" algn="ctr">
+          <a:solidFill>
+            <a:schemeClr val="lt1">
+              <a:hueOff val="0"/>
+              <a:satOff val="0"/>
+              <a:lumOff val="0"/>
+              <a:alphaOff val="0"/>
+            </a:schemeClr>
+          </a:solidFill>
+          <a:prstDash val="solid"/>
+        </a:ln>
+        <a:effectLst/>
+      </dsp:spPr>
+      <dsp:style>
+        <a:lnRef idx="2">
+          <a:scrgbClr r="0" g="0" b="0"/>
+        </a:lnRef>
+        <a:fillRef idx="1">
+          <a:scrgbClr r="0" g="0" b="0"/>
+        </a:fillRef>
+        <a:effectRef idx="0">
+          <a:scrgbClr r="0" g="0" b="0"/>
+        </a:effectRef>
+        <a:fontRef idx="minor">
+          <a:schemeClr val="lt1"/>
+        </a:fontRef>
+      </dsp:style>
+      <dsp:txBody>
+        <a:bodyPr spcFirstLastPara="0" vert="horz" wrap="square" lIns="102870" tIns="102870" rIns="102870" bIns="102870" numCol="1" spcCol="1270" anchor="ctr" anchorCtr="0">
+          <a:noAutofit/>
+        </a:bodyPr>
+        <a:lstStyle/>
+        <a:p>
+          <a:pPr lvl="0" algn="ctr" defTabSz="1200150">
+            <a:lnSpc>
+              <a:spcPct val="90000"/>
+            </a:lnSpc>
+            <a:spcBef>
+              <a:spcPct val="0"/>
+            </a:spcBef>
+            <a:spcAft>
+              <a:spcPct val="35000"/>
+            </a:spcAft>
+          </a:pPr>
+          <a:r>
+            <a:rPr lang="en-US" sz="2700" kern="1200" dirty="0" smtClean="0"/>
+            <a:t>Supercharged Ecology </a:t>
+          </a:r>
+          <a:endParaRPr lang="en-US" sz="2700" kern="1200" dirty="0"/>
+        </a:p>
+      </dsp:txBody>
+      <dsp:txXfrm>
+        <a:off x="6353042" y="3775641"/>
+        <a:ext cx="2287721" cy="1339299"/>
       </dsp:txXfrm>
     </dsp:sp>
   </dsp:spTree>
@@ -8447,6 +10917,238 @@
 </dgm:layoutDef>
 </file>
 
+<file path=ppt/diagrams/layout4.xml><?xml version="1.0" encoding="utf-8"?>
+<dgm:layoutDef xmlns:dgm="http://schemas.openxmlformats.org/drawingml/2006/diagram" xmlns:a="http://schemas.openxmlformats.org/drawingml/2006/main" uniqueId="urn:microsoft.com/office/officeart/2005/8/layout/bProcess4">
+  <dgm:title val=""/>
+  <dgm:desc val=""/>
+  <dgm:catLst>
+    <dgm:cat type="process" pri="19000"/>
+  </dgm:catLst>
+  <dgm:sampData>
+    <dgm:dataModel>
+      <dgm:ptLst>
+        <dgm:pt modelId="0" type="doc"/>
+        <dgm:pt modelId="1">
+          <dgm:prSet phldr="1"/>
+        </dgm:pt>
+        <dgm:pt modelId="2">
+          <dgm:prSet phldr="1"/>
+        </dgm:pt>
+        <dgm:pt modelId="3">
+          <dgm:prSet phldr="1"/>
+        </dgm:pt>
+        <dgm:pt modelId="4">
+          <dgm:prSet phldr="1"/>
+        </dgm:pt>
+        <dgm:pt modelId="5">
+          <dgm:prSet phldr="1"/>
+        </dgm:pt>
+        <dgm:pt modelId="6">
+          <dgm:prSet phldr="1"/>
+        </dgm:pt>
+        <dgm:pt modelId="7">
+          <dgm:prSet phldr="1"/>
+        </dgm:pt>
+        <dgm:pt modelId="8">
+          <dgm:prSet phldr="1"/>
+        </dgm:pt>
+        <dgm:pt modelId="9">
+          <dgm:prSet phldr="1"/>
+        </dgm:pt>
+      </dgm:ptLst>
+      <dgm:cxnLst>
+        <dgm:cxn modelId="10" srcId="0" destId="1" srcOrd="0" destOrd="0"/>
+        <dgm:cxn modelId="11" srcId="0" destId="2" srcOrd="1" destOrd="0"/>
+        <dgm:cxn modelId="12" srcId="0" destId="3" srcOrd="2" destOrd="0"/>
+        <dgm:cxn modelId="13" srcId="0" destId="4" srcOrd="3" destOrd="0"/>
+        <dgm:cxn modelId="14" srcId="0" destId="5" srcOrd="4" destOrd="0"/>
+        <dgm:cxn modelId="15" srcId="0" destId="6" srcOrd="5" destOrd="0"/>
+        <dgm:cxn modelId="16" srcId="0" destId="7" srcOrd="6" destOrd="0"/>
+        <dgm:cxn modelId="17" srcId="0" destId="8" srcOrd="7" destOrd="0"/>
+        <dgm:cxn modelId="18" srcId="0" destId="9" srcOrd="8" destOrd="0"/>
+      </dgm:cxnLst>
+      <dgm:bg/>
+      <dgm:whole/>
+    </dgm:dataModel>
+  </dgm:sampData>
+  <dgm:styleData>
+    <dgm:dataModel>
+      <dgm:ptLst>
+        <dgm:pt modelId="0" type="doc"/>
+        <dgm:pt modelId="1"/>
+        <dgm:pt modelId="2"/>
+      </dgm:ptLst>
+      <dgm:cxnLst>
+        <dgm:cxn modelId="3" srcId="0" destId="1" srcOrd="0" destOrd="0"/>
+        <dgm:cxn modelId="4" srcId="0" destId="2" srcOrd="1" destOrd="0"/>
+      </dgm:cxnLst>
+      <dgm:bg/>
+      <dgm:whole/>
+    </dgm:dataModel>
+  </dgm:styleData>
+  <dgm:clrData>
+    <dgm:dataModel>
+      <dgm:ptLst>
+        <dgm:pt modelId="0" type="doc"/>
+        <dgm:pt modelId="1"/>
+        <dgm:pt modelId="2"/>
+        <dgm:pt modelId="3"/>
+        <dgm:pt modelId="4"/>
+        <dgm:pt modelId="5"/>
+        <dgm:pt modelId="6"/>
+      </dgm:ptLst>
+      <dgm:cxnLst>
+        <dgm:cxn modelId="7" srcId="0" destId="1" srcOrd="0" destOrd="0"/>
+        <dgm:cxn modelId="8" srcId="0" destId="2" srcOrd="1" destOrd="0"/>
+        <dgm:cxn modelId="9" srcId="0" destId="3" srcOrd="2" destOrd="0"/>
+        <dgm:cxn modelId="10" srcId="0" destId="4" srcOrd="3" destOrd="0"/>
+        <dgm:cxn modelId="11" srcId="0" destId="5" srcOrd="4" destOrd="0"/>
+        <dgm:cxn modelId="12" srcId="0" destId="6" srcOrd="5" destOrd="0"/>
+      </dgm:cxnLst>
+      <dgm:bg/>
+      <dgm:whole/>
+    </dgm:dataModel>
+  </dgm:clrData>
+  <dgm:layoutNode name="Name0">
+    <dgm:varLst>
+      <dgm:dir/>
+      <dgm:resizeHandles/>
+    </dgm:varLst>
+    <dgm:choose name="Name1">
+      <dgm:if name="Name2" func="var" arg="dir" op="equ" val="norm">
+        <dgm:alg type="snake">
+          <dgm:param type="grDir" val="tL"/>
+          <dgm:param type="flowDir" val="col"/>
+          <dgm:param type="contDir" val="revDir"/>
+          <dgm:param type="bkpt" val="bal"/>
+        </dgm:alg>
+      </dgm:if>
+      <dgm:else name="Name3">
+        <dgm:alg type="snake">
+          <dgm:param type="grDir" val="tR"/>
+          <dgm:param type="flowDir" val="col"/>
+          <dgm:param type="contDir" val="revDir"/>
+          <dgm:param type="bkpt" val="bal"/>
+        </dgm:alg>
+      </dgm:else>
+    </dgm:choose>
+    <dgm:shape xmlns:r="http://schemas.openxmlformats.org/officeDocument/2006/relationships" r:blip="">
+      <dgm:adjLst/>
+    </dgm:shape>
+    <dgm:presOf/>
+    <dgm:constrLst>
+      <dgm:constr type="w" for="ch" forName="compNode" refType="w"/>
+      <dgm:constr type="h" for="ch" forName="compNode" refType="w" fact="0.6"/>
+      <dgm:constr type="h" for="ch" forName="sibTrans" refType="h" refFor="ch" refForName="compNode" op="equ" fact="0.25"/>
+      <dgm:constr type="sp" refType="w" fact="0.33"/>
+      <dgm:constr type="primFontSz" for="des" forName="node" op="equ" val="65"/>
+    </dgm:constrLst>
+    <dgm:ruleLst/>
+    <dgm:forEach name="nodesForEach" axis="ch" ptType="node">
+      <dgm:layoutNode name="compNode">
+        <dgm:alg type="composite"/>
+        <dgm:shape xmlns:r="http://schemas.openxmlformats.org/officeDocument/2006/relationships" r:blip="">
+          <dgm:adjLst/>
+        </dgm:shape>
+        <dgm:presOf/>
+        <dgm:choose name="Name4">
+          <dgm:if name="Name5" axis="self" func="var" arg="dir" op="equ" val="norm">
+            <dgm:constrLst>
+              <dgm:constr type="l" for="ch" forName="dummyConnPt" refType="w" fact="0.2"/>
+              <dgm:constr type="t" for="ch" forName="dummyConnPt" refType="w" fact="0.145"/>
+              <dgm:constr type="l" for="ch" forName="node"/>
+              <dgm:constr type="t" for="ch" forName="node"/>
+              <dgm:constr type="h" for="ch" forName="node" refType="h"/>
+              <dgm:constr type="w" for="ch" forName="node" refType="w"/>
+            </dgm:constrLst>
+          </dgm:if>
+          <dgm:else name="Name6">
+            <dgm:constrLst>
+              <dgm:constr type="l" for="ch" forName="dummyConnPt" refType="w" fact="0.8"/>
+              <dgm:constr type="t" for="ch" forName="dummyConnPt" refType="w" fact="0.145"/>
+              <dgm:constr type="l" for="ch" forName="node"/>
+              <dgm:constr type="t" for="ch" forName="node"/>
+              <dgm:constr type="h" for="ch" forName="node" refType="h"/>
+              <dgm:constr type="w" for="ch" forName="node" refType="w"/>
+            </dgm:constrLst>
+          </dgm:else>
+        </dgm:choose>
+        <dgm:ruleLst/>
+        <dgm:layoutNode name="dummyConnPt" styleLbl="node1" moveWith="node">
+          <dgm:alg type="sp"/>
+          <dgm:shape xmlns:r="http://schemas.openxmlformats.org/officeDocument/2006/relationships" r:blip="">
+            <dgm:adjLst/>
+          </dgm:shape>
+          <dgm:presOf/>
+          <dgm:constrLst>
+            <dgm:constr type="w" val="1"/>
+            <dgm:constr type="h" val="1"/>
+          </dgm:constrLst>
+          <dgm:ruleLst/>
+        </dgm:layoutNode>
+        <dgm:layoutNode name="node">
+          <dgm:varLst>
+            <dgm:bulletEnabled val="1"/>
+          </dgm:varLst>
+          <dgm:alg type="tx"/>
+          <dgm:shape xmlns:r="http://schemas.openxmlformats.org/officeDocument/2006/relationships" type="roundRect" r:blip="">
+            <dgm:adjLst>
+              <dgm:adj idx="1" val="0.1"/>
+            </dgm:adjLst>
+          </dgm:shape>
+          <dgm:presOf axis="desOrSelf" ptType="node"/>
+          <dgm:constrLst>
+            <dgm:constr type="tMarg" refType="primFontSz" fact="0.3"/>
+            <dgm:constr type="bMarg" refType="primFontSz" fact="0.3"/>
+            <dgm:constr type="lMarg" refType="primFontSz" fact="0.3"/>
+            <dgm:constr type="rMarg" refType="primFontSz" fact="0.3"/>
+            <dgm:constr type="primFontSz" val="65"/>
+          </dgm:constrLst>
+          <dgm:ruleLst>
+            <dgm:rule type="primFontSz" val="5" fact="NaN" max="NaN"/>
+          </dgm:ruleLst>
+        </dgm:layoutNode>
+      </dgm:layoutNode>
+      <dgm:forEach name="sibTransForEach" axis="followSib" cnt="1">
+        <dgm:layoutNode name="sibTrans" styleLbl="bgSibTrans2D1">
+          <dgm:choose name="Name7">
+            <dgm:if name="Name8" axis="self" func="var" arg="dir" op="equ" val="norm">
+              <dgm:alg type="conn">
+                <dgm:param type="srcNode" val="dummyConnPt"/>
+                <dgm:param type="dstNode" val="dummyConnPt"/>
+                <dgm:param type="begPts" val="bCtr, midR, tCtr"/>
+                <dgm:param type="endPts" val="tCtr, midL, bCtr"/>
+                <dgm:param type="begSty" val="noArr"/>
+                <dgm:param type="endSty" val="noArr"/>
+              </dgm:alg>
+            </dgm:if>
+            <dgm:else name="Name9">
+              <dgm:alg type="conn">
+                <dgm:param type="srcNode" val="dummyConnPt"/>
+                <dgm:param type="dstNode" val="dummyConnPt"/>
+                <dgm:param type="begPts" val="bCtr, midL, tCtr"/>
+                <dgm:param type="endPts" val="tCtr, midR, bCtr"/>
+                <dgm:param type="begSty" val="noArr"/>
+                <dgm:param type="endSty" val="noArr"/>
+              </dgm:alg>
+            </dgm:else>
+          </dgm:choose>
+          <dgm:shape xmlns:r="http://schemas.openxmlformats.org/officeDocument/2006/relationships" type="conn" r:blip="" zOrderOff="-2">
+            <dgm:adjLst/>
+          </dgm:shape>
+          <dgm:presOf axis="self"/>
+          <dgm:constrLst>
+            <dgm:constr type="begPad"/>
+            <dgm:constr type="endPad"/>
+          </dgm:constrLst>
+          <dgm:ruleLst/>
+        </dgm:layoutNode>
+      </dgm:forEach>
+    </dgm:forEach>
+  </dgm:layoutNode>
+</dgm:layoutDef>
+</file>
+
 <file path=ppt/diagrams/quickStyle1.xml><?xml version="1.0" encoding="utf-8"?>
 <dgm:styleDef xmlns:dgm="http://schemas.openxmlformats.org/drawingml/2006/diagram" xmlns:a="http://schemas.openxmlformats.org/drawingml/2006/main" uniqueId="urn:microsoft.com/office/officeart/2005/8/quickstyle/simple1">
   <dgm:title val=""/>
@@ -10516,6 +13218,1040 @@
 </file>
 
 <file path=ppt/diagrams/quickStyle3.xml><?xml version="1.0" encoding="utf-8"?>
+<dgm:styleDef xmlns:dgm="http://schemas.openxmlformats.org/drawingml/2006/diagram" xmlns:a="http://schemas.openxmlformats.org/drawingml/2006/main" uniqueId="urn:microsoft.com/office/officeart/2005/8/quickstyle/simple1">
+  <dgm:title val=""/>
+  <dgm:desc val=""/>
+  <dgm:catLst>
+    <dgm:cat type="simple" pri="10100"/>
+  </dgm:catLst>
+  <dgm:scene3d>
+    <a:camera prst="orthographicFront"/>
+    <a:lightRig rig="threePt" dir="t"/>
+  </dgm:scene3d>
+  <dgm:styleLbl name="node0">
+    <dgm:scene3d>
+      <a:camera prst="orthographicFront"/>
+      <a:lightRig rig="threePt" dir="t"/>
+    </dgm:scene3d>
+    <dgm:sp3d/>
+    <dgm:txPr/>
+    <dgm:style>
+      <a:lnRef idx="2">
+        <a:scrgbClr r="0" g="0" b="0"/>
+      </a:lnRef>
+      <a:fillRef idx="1">
+        <a:scrgbClr r="0" g="0" b="0"/>
+      </a:fillRef>
+      <a:effectRef idx="0">
+        <a:scrgbClr r="0" g="0" b="0"/>
+      </a:effectRef>
+      <a:fontRef idx="minor">
+        <a:schemeClr val="lt1"/>
+      </a:fontRef>
+    </dgm:style>
+  </dgm:styleLbl>
+  <dgm:styleLbl name="lnNode1">
+    <dgm:scene3d>
+      <a:camera prst="orthographicFront"/>
+      <a:lightRig rig="threePt" dir="t"/>
+    </dgm:scene3d>
+    <dgm:sp3d/>
+    <dgm:txPr/>
+    <dgm:style>
+      <a:lnRef idx="2">
+        <a:scrgbClr r="0" g="0" b="0"/>
+      </a:lnRef>
+      <a:fillRef idx="1">
+        <a:scrgbClr r="0" g="0" b="0"/>
+      </a:fillRef>
+      <a:effectRef idx="0">
+        <a:scrgbClr r="0" g="0" b="0"/>
+      </a:effectRef>
+      <a:fontRef idx="minor">
+        <a:schemeClr val="lt1"/>
+      </a:fontRef>
+    </dgm:style>
+  </dgm:styleLbl>
+  <dgm:styleLbl name="vennNode1">
+    <dgm:scene3d>
+      <a:camera prst="orthographicFront"/>
+      <a:lightRig rig="threePt" dir="t"/>
+    </dgm:scene3d>
+    <dgm:sp3d/>
+    <dgm:txPr/>
+    <dgm:style>
+      <a:lnRef idx="2">
+        <a:scrgbClr r="0" g="0" b="0"/>
+      </a:lnRef>
+      <a:fillRef idx="1">
+        <a:scrgbClr r="0" g="0" b="0"/>
+      </a:fillRef>
+      <a:effectRef idx="0">
+        <a:scrgbClr r="0" g="0" b="0"/>
+      </a:effectRef>
+      <a:fontRef idx="minor">
+        <a:schemeClr val="tx1"/>
+      </a:fontRef>
+    </dgm:style>
+  </dgm:styleLbl>
+  <dgm:styleLbl name="alignNode1">
+    <dgm:scene3d>
+      <a:camera prst="orthographicFront"/>
+      <a:lightRig rig="threePt" dir="t"/>
+    </dgm:scene3d>
+    <dgm:sp3d/>
+    <dgm:txPr/>
+    <dgm:style>
+      <a:lnRef idx="2">
+        <a:scrgbClr r="0" g="0" b="0"/>
+      </a:lnRef>
+      <a:fillRef idx="1">
+        <a:scrgbClr r="0" g="0" b="0"/>
+      </a:fillRef>
+      <a:effectRef idx="0">
+        <a:scrgbClr r="0" g="0" b="0"/>
+      </a:effectRef>
+      <a:fontRef idx="minor">
+        <a:schemeClr val="lt1"/>
+      </a:fontRef>
+    </dgm:style>
+  </dgm:styleLbl>
+  <dgm:styleLbl name="node1">
+    <dgm:scene3d>
+      <a:camera prst="orthographicFront"/>
+      <a:lightRig rig="threePt" dir="t"/>
+    </dgm:scene3d>
+    <dgm:sp3d/>
+    <dgm:txPr/>
+    <dgm:style>
+      <a:lnRef idx="2">
+        <a:scrgbClr r="0" g="0" b="0"/>
+      </a:lnRef>
+      <a:fillRef idx="1">
+        <a:scrgbClr r="0" g="0" b="0"/>
+      </a:fillRef>
+      <a:effectRef idx="0">
+        <a:scrgbClr r="0" g="0" b="0"/>
+      </a:effectRef>
+      <a:fontRef idx="minor">
+        <a:schemeClr val="lt1"/>
+      </a:fontRef>
+    </dgm:style>
+  </dgm:styleLbl>
+  <dgm:styleLbl name="node2">
+    <dgm:scene3d>
+      <a:camera prst="orthographicFront"/>
+      <a:lightRig rig="threePt" dir="t"/>
+    </dgm:scene3d>
+    <dgm:sp3d/>
+    <dgm:txPr/>
+    <dgm:style>
+      <a:lnRef idx="2">
+        <a:scrgbClr r="0" g="0" b="0"/>
+      </a:lnRef>
+      <a:fillRef idx="1">
+        <a:scrgbClr r="0" g="0" b="0"/>
+      </a:fillRef>
+      <a:effectRef idx="0">
+        <a:scrgbClr r="0" g="0" b="0"/>
+      </a:effectRef>
+      <a:fontRef idx="minor">
+        <a:schemeClr val="lt1"/>
+      </a:fontRef>
+    </dgm:style>
+  </dgm:styleLbl>
+  <dgm:styleLbl name="node3">
+    <dgm:scene3d>
+      <a:camera prst="orthographicFront"/>
+      <a:lightRig rig="threePt" dir="t"/>
+    </dgm:scene3d>
+    <dgm:sp3d/>
+    <dgm:txPr/>
+    <dgm:style>
+      <a:lnRef idx="2">
+        <a:scrgbClr r="0" g="0" b="0"/>
+      </a:lnRef>
+      <a:fillRef idx="1">
+        <a:scrgbClr r="0" g="0" b="0"/>
+      </a:fillRef>
+      <a:effectRef idx="0">
+        <a:scrgbClr r="0" g="0" b="0"/>
+      </a:effectRef>
+      <a:fontRef idx="minor">
+        <a:schemeClr val="lt1"/>
+      </a:fontRef>
+    </dgm:style>
+  </dgm:styleLbl>
+  <dgm:styleLbl name="node4">
+    <dgm:scene3d>
+      <a:camera prst="orthographicFront"/>
+      <a:lightRig rig="threePt" dir="t"/>
+    </dgm:scene3d>
+    <dgm:sp3d/>
+    <dgm:txPr/>
+    <dgm:style>
+      <a:lnRef idx="2">
+        <a:scrgbClr r="0" g="0" b="0"/>
+      </a:lnRef>
+      <a:fillRef idx="1">
+        <a:scrgbClr r="0" g="0" b="0"/>
+      </a:fillRef>
+      <a:effectRef idx="0">
+        <a:scrgbClr r="0" g="0" b="0"/>
+      </a:effectRef>
+      <a:fontRef idx="minor">
+        <a:schemeClr val="lt1"/>
+      </a:fontRef>
+    </dgm:style>
+  </dgm:styleLbl>
+  <dgm:styleLbl name="fgImgPlace1">
+    <dgm:scene3d>
+      <a:camera prst="orthographicFront"/>
+      <a:lightRig rig="threePt" dir="t"/>
+    </dgm:scene3d>
+    <dgm:sp3d/>
+    <dgm:txPr/>
+    <dgm:style>
+      <a:lnRef idx="2">
+        <a:scrgbClr r="0" g="0" b="0"/>
+      </a:lnRef>
+      <a:fillRef idx="1">
+        <a:scrgbClr r="0" g="0" b="0"/>
+      </a:fillRef>
+      <a:effectRef idx="0">
+        <a:scrgbClr r="0" g="0" b="0"/>
+      </a:effectRef>
+      <a:fontRef idx="minor"/>
+    </dgm:style>
+  </dgm:styleLbl>
+  <dgm:styleLbl name="alignImgPlace1">
+    <dgm:scene3d>
+      <a:camera prst="orthographicFront"/>
+      <a:lightRig rig="threePt" dir="t"/>
+    </dgm:scene3d>
+    <dgm:sp3d/>
+    <dgm:txPr/>
+    <dgm:style>
+      <a:lnRef idx="2">
+        <a:scrgbClr r="0" g="0" b="0"/>
+      </a:lnRef>
+      <a:fillRef idx="1">
+        <a:scrgbClr r="0" g="0" b="0"/>
+      </a:fillRef>
+      <a:effectRef idx="0">
+        <a:scrgbClr r="0" g="0" b="0"/>
+      </a:effectRef>
+      <a:fontRef idx="minor"/>
+    </dgm:style>
+  </dgm:styleLbl>
+  <dgm:styleLbl name="bgImgPlace1">
+    <dgm:scene3d>
+      <a:camera prst="orthographicFront"/>
+      <a:lightRig rig="threePt" dir="t"/>
+    </dgm:scene3d>
+    <dgm:sp3d/>
+    <dgm:txPr/>
+    <dgm:style>
+      <a:lnRef idx="2">
+        <a:scrgbClr r="0" g="0" b="0"/>
+      </a:lnRef>
+      <a:fillRef idx="1">
+        <a:scrgbClr r="0" g="0" b="0"/>
+      </a:fillRef>
+      <a:effectRef idx="0">
+        <a:scrgbClr r="0" g="0" b="0"/>
+      </a:effectRef>
+      <a:fontRef idx="minor"/>
+    </dgm:style>
+  </dgm:styleLbl>
+  <dgm:styleLbl name="sibTrans2D1">
+    <dgm:scene3d>
+      <a:camera prst="orthographicFront"/>
+      <a:lightRig rig="threePt" dir="t"/>
+    </dgm:scene3d>
+    <dgm:sp3d/>
+    <dgm:txPr/>
+    <dgm:style>
+      <a:lnRef idx="0">
+        <a:scrgbClr r="0" g="0" b="0"/>
+      </a:lnRef>
+      <a:fillRef idx="1">
+        <a:scrgbClr r="0" g="0" b="0"/>
+      </a:fillRef>
+      <a:effectRef idx="0">
+        <a:scrgbClr r="0" g="0" b="0"/>
+      </a:effectRef>
+      <a:fontRef idx="minor">
+        <a:schemeClr val="lt1"/>
+      </a:fontRef>
+    </dgm:style>
+  </dgm:styleLbl>
+  <dgm:styleLbl name="fgSibTrans2D1">
+    <dgm:scene3d>
+      <a:camera prst="orthographicFront"/>
+      <a:lightRig rig="threePt" dir="t"/>
+    </dgm:scene3d>
+    <dgm:sp3d/>
+    <dgm:txPr/>
+    <dgm:style>
+      <a:lnRef idx="0">
+        <a:scrgbClr r="0" g="0" b="0"/>
+      </a:lnRef>
+      <a:fillRef idx="1">
+        <a:scrgbClr r="0" g="0" b="0"/>
+      </a:fillRef>
+      <a:effectRef idx="0">
+        <a:scrgbClr r="0" g="0" b="0"/>
+      </a:effectRef>
+      <a:fontRef idx="minor">
+        <a:schemeClr val="lt1"/>
+      </a:fontRef>
+    </dgm:style>
+  </dgm:styleLbl>
+  <dgm:styleLbl name="bgSibTrans2D1">
+    <dgm:scene3d>
+      <a:camera prst="orthographicFront"/>
+      <a:lightRig rig="threePt" dir="t"/>
+    </dgm:scene3d>
+    <dgm:sp3d/>
+    <dgm:txPr/>
+    <dgm:style>
+      <a:lnRef idx="0">
+        <a:scrgbClr r="0" g="0" b="0"/>
+      </a:lnRef>
+      <a:fillRef idx="1">
+        <a:scrgbClr r="0" g="0" b="0"/>
+      </a:fillRef>
+      <a:effectRef idx="0">
+        <a:scrgbClr r="0" g="0" b="0"/>
+      </a:effectRef>
+      <a:fontRef idx="minor">
+        <a:schemeClr val="lt1"/>
+      </a:fontRef>
+    </dgm:style>
+  </dgm:styleLbl>
+  <dgm:styleLbl name="sibTrans1D1">
+    <dgm:scene3d>
+      <a:camera prst="orthographicFront"/>
+      <a:lightRig rig="threePt" dir="t"/>
+    </dgm:scene3d>
+    <dgm:sp3d/>
+    <dgm:txPr/>
+    <dgm:style>
+      <a:lnRef idx="1">
+        <a:scrgbClr r="0" g="0" b="0"/>
+      </a:lnRef>
+      <a:fillRef idx="0">
+        <a:scrgbClr r="0" g="0" b="0"/>
+      </a:fillRef>
+      <a:effectRef idx="0">
+        <a:scrgbClr r="0" g="0" b="0"/>
+      </a:effectRef>
+      <a:fontRef idx="minor"/>
+    </dgm:style>
+  </dgm:styleLbl>
+  <dgm:styleLbl name="callout">
+    <dgm:scene3d>
+      <a:camera prst="orthographicFront"/>
+      <a:lightRig rig="threePt" dir="t"/>
+    </dgm:scene3d>
+    <dgm:sp3d/>
+    <dgm:txPr/>
+    <dgm:style>
+      <a:lnRef idx="2">
+        <a:scrgbClr r="0" g="0" b="0"/>
+      </a:lnRef>
+      <a:fillRef idx="1">
+        <a:scrgbClr r="0" g="0" b="0"/>
+      </a:fillRef>
+      <a:effectRef idx="0">
+        <a:scrgbClr r="0" g="0" b="0"/>
+      </a:effectRef>
+      <a:fontRef idx="minor"/>
+    </dgm:style>
+  </dgm:styleLbl>
+  <dgm:styleLbl name="asst0">
+    <dgm:scene3d>
+      <a:camera prst="orthographicFront"/>
+      <a:lightRig rig="threePt" dir="t"/>
+    </dgm:scene3d>
+    <dgm:sp3d/>
+    <dgm:txPr/>
+    <dgm:style>
+      <a:lnRef idx="2">
+        <a:scrgbClr r="0" g="0" b="0"/>
+      </a:lnRef>
+      <a:fillRef idx="1">
+        <a:scrgbClr r="0" g="0" b="0"/>
+      </a:fillRef>
+      <a:effectRef idx="0">
+        <a:scrgbClr r="0" g="0" b="0"/>
+      </a:effectRef>
+      <a:fontRef idx="minor">
+        <a:schemeClr val="lt1"/>
+      </a:fontRef>
+    </dgm:style>
+  </dgm:styleLbl>
+  <dgm:styleLbl name="asst1">
+    <dgm:scene3d>
+      <a:camera prst="orthographicFront"/>
+      <a:lightRig rig="threePt" dir="t"/>
+    </dgm:scene3d>
+    <dgm:sp3d/>
+    <dgm:txPr/>
+    <dgm:style>
+      <a:lnRef idx="2">
+        <a:scrgbClr r="0" g="0" b="0"/>
+      </a:lnRef>
+      <a:fillRef idx="1">
+        <a:scrgbClr r="0" g="0" b="0"/>
+      </a:fillRef>
+      <a:effectRef idx="0">
+        <a:scrgbClr r="0" g="0" b="0"/>
+      </a:effectRef>
+      <a:fontRef idx="minor">
+        <a:schemeClr val="lt1"/>
+      </a:fontRef>
+    </dgm:style>
+  </dgm:styleLbl>
+  <dgm:styleLbl name="asst2">
+    <dgm:scene3d>
+      <a:camera prst="orthographicFront"/>
+      <a:lightRig rig="threePt" dir="t"/>
+    </dgm:scene3d>
+    <dgm:sp3d/>
+    <dgm:txPr/>
+    <dgm:style>
+      <a:lnRef idx="2">
+        <a:scrgbClr r="0" g="0" b="0"/>
+      </a:lnRef>
+      <a:fillRef idx="1">
+        <a:scrgbClr r="0" g="0" b="0"/>
+      </a:fillRef>
+      <a:effectRef idx="0">
+        <a:scrgbClr r="0" g="0" b="0"/>
+      </a:effectRef>
+      <a:fontRef idx="minor">
+        <a:schemeClr val="lt1"/>
+      </a:fontRef>
+    </dgm:style>
+  </dgm:styleLbl>
+  <dgm:styleLbl name="asst3">
+    <dgm:scene3d>
+      <a:camera prst="orthographicFront"/>
+      <a:lightRig rig="threePt" dir="t"/>
+    </dgm:scene3d>
+    <dgm:sp3d/>
+    <dgm:txPr/>
+    <dgm:style>
+      <a:lnRef idx="2">
+        <a:scrgbClr r="0" g="0" b="0"/>
+      </a:lnRef>
+      <a:fillRef idx="1">
+        <a:scrgbClr r="0" g="0" b="0"/>
+      </a:fillRef>
+      <a:effectRef idx="0">
+        <a:scrgbClr r="0" g="0" b="0"/>
+      </a:effectRef>
+      <a:fontRef idx="minor">
+        <a:schemeClr val="lt1"/>
+      </a:fontRef>
+    </dgm:style>
+  </dgm:styleLbl>
+  <dgm:styleLbl name="asst4">
+    <dgm:scene3d>
+      <a:camera prst="orthographicFront"/>
+      <a:lightRig rig="threePt" dir="t"/>
+    </dgm:scene3d>
+    <dgm:sp3d/>
+    <dgm:txPr/>
+    <dgm:style>
+      <a:lnRef idx="2">
+        <a:scrgbClr r="0" g="0" b="0"/>
+      </a:lnRef>
+      <a:fillRef idx="1">
+        <a:scrgbClr r="0" g="0" b="0"/>
+      </a:fillRef>
+      <a:effectRef idx="0">
+        <a:scrgbClr r="0" g="0" b="0"/>
+      </a:effectRef>
+      <a:fontRef idx="minor">
+        <a:schemeClr val="lt1"/>
+      </a:fontRef>
+    </dgm:style>
+  </dgm:styleLbl>
+  <dgm:styleLbl name="parChTrans2D1">
+    <dgm:scene3d>
+      <a:camera prst="orthographicFront"/>
+      <a:lightRig rig="threePt" dir="t"/>
+    </dgm:scene3d>
+    <dgm:sp3d/>
+    <dgm:txPr/>
+    <dgm:style>
+      <a:lnRef idx="2">
+        <a:scrgbClr r="0" g="0" b="0"/>
+      </a:lnRef>
+      <a:fillRef idx="1">
+        <a:scrgbClr r="0" g="0" b="0"/>
+      </a:fillRef>
+      <a:effectRef idx="0">
+        <a:scrgbClr r="0" g="0" b="0"/>
+      </a:effectRef>
+      <a:fontRef idx="minor">
+        <a:schemeClr val="lt1"/>
+      </a:fontRef>
+    </dgm:style>
+  </dgm:styleLbl>
+  <dgm:styleLbl name="parChTrans2D2">
+    <dgm:scene3d>
+      <a:camera prst="orthographicFront"/>
+      <a:lightRig rig="threePt" dir="t"/>
+    </dgm:scene3d>
+    <dgm:sp3d/>
+    <dgm:txPr/>
+    <dgm:style>
+      <a:lnRef idx="2">
+        <a:scrgbClr r="0" g="0" b="0"/>
+      </a:lnRef>
+      <a:fillRef idx="1">
+        <a:scrgbClr r="0" g="0" b="0"/>
+      </a:fillRef>
+      <a:effectRef idx="0">
+        <a:scrgbClr r="0" g="0" b="0"/>
+      </a:effectRef>
+      <a:fontRef idx="minor">
+        <a:schemeClr val="lt1"/>
+      </a:fontRef>
+    </dgm:style>
+  </dgm:styleLbl>
+  <dgm:styleLbl name="parChTrans2D3">
+    <dgm:scene3d>
+      <a:camera prst="orthographicFront"/>
+      <a:lightRig rig="threePt" dir="t"/>
+    </dgm:scene3d>
+    <dgm:sp3d/>
+    <dgm:txPr/>
+    <dgm:style>
+      <a:lnRef idx="2">
+        <a:scrgbClr r="0" g="0" b="0"/>
+      </a:lnRef>
+      <a:fillRef idx="1">
+        <a:scrgbClr r="0" g="0" b="0"/>
+      </a:fillRef>
+      <a:effectRef idx="0">
+        <a:scrgbClr r="0" g="0" b="0"/>
+      </a:effectRef>
+      <a:fontRef idx="minor">
+        <a:schemeClr val="lt1"/>
+      </a:fontRef>
+    </dgm:style>
+  </dgm:styleLbl>
+  <dgm:styleLbl name="parChTrans2D4">
+    <dgm:scene3d>
+      <a:camera prst="orthographicFront"/>
+      <a:lightRig rig="threePt" dir="t"/>
+    </dgm:scene3d>
+    <dgm:sp3d/>
+    <dgm:txPr/>
+    <dgm:style>
+      <a:lnRef idx="2">
+        <a:scrgbClr r="0" g="0" b="0"/>
+      </a:lnRef>
+      <a:fillRef idx="1">
+        <a:scrgbClr r="0" g="0" b="0"/>
+      </a:fillRef>
+      <a:effectRef idx="0">
+        <a:scrgbClr r="0" g="0" b="0"/>
+      </a:effectRef>
+      <a:fontRef idx="minor">
+        <a:schemeClr val="lt1"/>
+      </a:fontRef>
+    </dgm:style>
+  </dgm:styleLbl>
+  <dgm:styleLbl name="parChTrans1D1">
+    <dgm:scene3d>
+      <a:camera prst="orthographicFront"/>
+      <a:lightRig rig="threePt" dir="t"/>
+    </dgm:scene3d>
+    <dgm:sp3d/>
+    <dgm:txPr/>
+    <dgm:style>
+      <a:lnRef idx="2">
+        <a:scrgbClr r="0" g="0" b="0"/>
+      </a:lnRef>
+      <a:fillRef idx="0">
+        <a:scrgbClr r="0" g="0" b="0"/>
+      </a:fillRef>
+      <a:effectRef idx="0">
+        <a:scrgbClr r="0" g="0" b="0"/>
+      </a:effectRef>
+      <a:fontRef idx="minor"/>
+    </dgm:style>
+  </dgm:styleLbl>
+  <dgm:styleLbl name="parChTrans1D2">
+    <dgm:scene3d>
+      <a:camera prst="orthographicFront"/>
+      <a:lightRig rig="threePt" dir="t"/>
+    </dgm:scene3d>
+    <dgm:sp3d/>
+    <dgm:txPr/>
+    <dgm:style>
+      <a:lnRef idx="2">
+        <a:scrgbClr r="0" g="0" b="0"/>
+      </a:lnRef>
+      <a:fillRef idx="0">
+        <a:scrgbClr r="0" g="0" b="0"/>
+      </a:fillRef>
+      <a:effectRef idx="0">
+        <a:scrgbClr r="0" g="0" b="0"/>
+      </a:effectRef>
+      <a:fontRef idx="minor"/>
+    </dgm:style>
+  </dgm:styleLbl>
+  <dgm:styleLbl name="parChTrans1D3">
+    <dgm:scene3d>
+      <a:camera prst="orthographicFront"/>
+      <a:lightRig rig="threePt" dir="t"/>
+    </dgm:scene3d>
+    <dgm:sp3d/>
+    <dgm:txPr/>
+    <dgm:style>
+      <a:lnRef idx="2">
+        <a:scrgbClr r="0" g="0" b="0"/>
+      </a:lnRef>
+      <a:fillRef idx="0">
+        <a:scrgbClr r="0" g="0" b="0"/>
+      </a:fillRef>
+      <a:effectRef idx="0">
+        <a:scrgbClr r="0" g="0" b="0"/>
+      </a:effectRef>
+      <a:fontRef idx="minor"/>
+    </dgm:style>
+  </dgm:styleLbl>
+  <dgm:styleLbl name="parChTrans1D4">
+    <dgm:scene3d>
+      <a:camera prst="orthographicFront"/>
+      <a:lightRig rig="threePt" dir="t"/>
+    </dgm:scene3d>
+    <dgm:sp3d/>
+    <dgm:txPr/>
+    <dgm:style>
+      <a:lnRef idx="2">
+        <a:scrgbClr r="0" g="0" b="0"/>
+      </a:lnRef>
+      <a:fillRef idx="0">
+        <a:scrgbClr r="0" g="0" b="0"/>
+      </a:fillRef>
+      <a:effectRef idx="0">
+        <a:scrgbClr r="0" g="0" b="0"/>
+      </a:effectRef>
+      <a:fontRef idx="minor"/>
+    </dgm:style>
+  </dgm:styleLbl>
+  <dgm:styleLbl name="fgAcc1">
+    <dgm:scene3d>
+      <a:camera prst="orthographicFront"/>
+      <a:lightRig rig="threePt" dir="t"/>
+    </dgm:scene3d>
+    <dgm:sp3d/>
+    <dgm:txPr/>
+    <dgm:style>
+      <a:lnRef idx="2">
+        <a:scrgbClr r="0" g="0" b="0"/>
+      </a:lnRef>
+      <a:fillRef idx="1">
+        <a:scrgbClr r="0" g="0" b="0"/>
+      </a:fillRef>
+      <a:effectRef idx="0">
+        <a:scrgbClr r="0" g="0" b="0"/>
+      </a:effectRef>
+      <a:fontRef idx="minor"/>
+    </dgm:style>
+  </dgm:styleLbl>
+  <dgm:styleLbl name="conFgAcc1">
+    <dgm:scene3d>
+      <a:camera prst="orthographicFront"/>
+      <a:lightRig rig="threePt" dir="t"/>
+    </dgm:scene3d>
+    <dgm:sp3d/>
+    <dgm:txPr/>
+    <dgm:style>
+      <a:lnRef idx="2">
+        <a:scrgbClr r="0" g="0" b="0"/>
+      </a:lnRef>
+      <a:fillRef idx="1">
+        <a:scrgbClr r="0" g="0" b="0"/>
+      </a:fillRef>
+      <a:effectRef idx="0">
+        <a:scrgbClr r="0" g="0" b="0"/>
+      </a:effectRef>
+      <a:fontRef idx="minor"/>
+    </dgm:style>
+  </dgm:styleLbl>
+  <dgm:styleLbl name="alignAcc1">
+    <dgm:scene3d>
+      <a:camera prst="orthographicFront"/>
+      <a:lightRig rig="threePt" dir="t"/>
+    </dgm:scene3d>
+    <dgm:sp3d/>
+    <dgm:txPr/>
+    <dgm:style>
+      <a:lnRef idx="2">
+        <a:scrgbClr r="0" g="0" b="0"/>
+      </a:lnRef>
+      <a:fillRef idx="1">
+        <a:scrgbClr r="0" g="0" b="0"/>
+      </a:fillRef>
+      <a:effectRef idx="0">
+        <a:scrgbClr r="0" g="0" b="0"/>
+      </a:effectRef>
+      <a:fontRef idx="minor"/>
+    </dgm:style>
+  </dgm:styleLbl>
+  <dgm:styleLbl name="trAlignAcc1">
+    <dgm:scene3d>
+      <a:camera prst="orthographicFront"/>
+      <a:lightRig rig="threePt" dir="t"/>
+    </dgm:scene3d>
+    <dgm:sp3d/>
+    <dgm:txPr/>
+    <dgm:style>
+      <a:lnRef idx="1">
+        <a:scrgbClr r="0" g="0" b="0"/>
+      </a:lnRef>
+      <a:fillRef idx="1">
+        <a:scrgbClr r="0" g="0" b="0"/>
+      </a:fillRef>
+      <a:effectRef idx="0">
+        <a:scrgbClr r="0" g="0" b="0"/>
+      </a:effectRef>
+      <a:fontRef idx="minor"/>
+    </dgm:style>
+  </dgm:styleLbl>
+  <dgm:styleLbl name="bgAcc1">
+    <dgm:scene3d>
+      <a:camera prst="orthographicFront"/>
+      <a:lightRig rig="threePt" dir="t"/>
+    </dgm:scene3d>
+    <dgm:sp3d/>
+    <dgm:txPr/>
+    <dgm:style>
+      <a:lnRef idx="2">
+        <a:scrgbClr r="0" g="0" b="0"/>
+      </a:lnRef>
+      <a:fillRef idx="1">
+        <a:scrgbClr r="0" g="0" b="0"/>
+      </a:fillRef>
+      <a:effectRef idx="0">
+        <a:scrgbClr r="0" g="0" b="0"/>
+      </a:effectRef>
+      <a:fontRef idx="minor"/>
+    </dgm:style>
+  </dgm:styleLbl>
+  <dgm:styleLbl name="solidFgAcc1">
+    <dgm:scene3d>
+      <a:camera prst="orthographicFront"/>
+      <a:lightRig rig="threePt" dir="t"/>
+    </dgm:scene3d>
+    <dgm:sp3d/>
+    <dgm:txPr/>
+    <dgm:style>
+      <a:lnRef idx="2">
+        <a:scrgbClr r="0" g="0" b="0"/>
+      </a:lnRef>
+      <a:fillRef idx="1">
+        <a:scrgbClr r="0" g="0" b="0"/>
+      </a:fillRef>
+      <a:effectRef idx="0">
+        <a:scrgbClr r="0" g="0" b="0"/>
+      </a:effectRef>
+      <a:fontRef idx="minor"/>
+    </dgm:style>
+  </dgm:styleLbl>
+  <dgm:styleLbl name="solidAlignAcc1">
+    <dgm:scene3d>
+      <a:camera prst="orthographicFront"/>
+      <a:lightRig rig="threePt" dir="t"/>
+    </dgm:scene3d>
+    <dgm:sp3d/>
+    <dgm:txPr/>
+    <dgm:style>
+      <a:lnRef idx="2">
+        <a:scrgbClr r="0" g="0" b="0"/>
+      </a:lnRef>
+      <a:fillRef idx="1">
+        <a:scrgbClr r="0" g="0" b="0"/>
+      </a:fillRef>
+      <a:effectRef idx="0">
+        <a:scrgbClr r="0" g="0" b="0"/>
+      </a:effectRef>
+      <a:fontRef idx="minor"/>
+    </dgm:style>
+  </dgm:styleLbl>
+  <dgm:styleLbl name="solidBgAcc1">
+    <dgm:scene3d>
+      <a:camera prst="orthographicFront"/>
+      <a:lightRig rig="threePt" dir="t"/>
+    </dgm:scene3d>
+    <dgm:sp3d/>
+    <dgm:txPr/>
+    <dgm:style>
+      <a:lnRef idx="2">
+        <a:scrgbClr r="0" g="0" b="0"/>
+      </a:lnRef>
+      <a:fillRef idx="1">
+        <a:scrgbClr r="0" g="0" b="0"/>
+      </a:fillRef>
+      <a:effectRef idx="0">
+        <a:scrgbClr r="0" g="0" b="0"/>
+      </a:effectRef>
+      <a:fontRef idx="minor"/>
+    </dgm:style>
+  </dgm:styleLbl>
+  <dgm:styleLbl name="fgAccFollowNode1">
+    <dgm:scene3d>
+      <a:camera prst="orthographicFront"/>
+      <a:lightRig rig="threePt" dir="t"/>
+    </dgm:scene3d>
+    <dgm:sp3d/>
+    <dgm:txPr/>
+    <dgm:style>
+      <a:lnRef idx="2">
+        <a:scrgbClr r="0" g="0" b="0"/>
+      </a:lnRef>
+      <a:fillRef idx="1">
+        <a:scrgbClr r="0" g="0" b="0"/>
+      </a:fillRef>
+      <a:effectRef idx="0">
+        <a:scrgbClr r="0" g="0" b="0"/>
+      </a:effectRef>
+      <a:fontRef idx="minor"/>
+    </dgm:style>
+  </dgm:styleLbl>
+  <dgm:styleLbl name="alignAccFollowNode1">
+    <dgm:scene3d>
+      <a:camera prst="orthographicFront"/>
+      <a:lightRig rig="threePt" dir="t"/>
+    </dgm:scene3d>
+    <dgm:sp3d/>
+    <dgm:txPr/>
+    <dgm:style>
+      <a:lnRef idx="2">
+        <a:scrgbClr r="0" g="0" b="0"/>
+      </a:lnRef>
+      <a:fillRef idx="1">
+        <a:scrgbClr r="0" g="0" b="0"/>
+      </a:fillRef>
+      <a:effectRef idx="0">
+        <a:scrgbClr r="0" g="0" b="0"/>
+      </a:effectRef>
+      <a:fontRef idx="minor"/>
+    </dgm:style>
+  </dgm:styleLbl>
+  <dgm:styleLbl name="bgAccFollowNode1">
+    <dgm:scene3d>
+      <a:camera prst="orthographicFront"/>
+      <a:lightRig rig="threePt" dir="t"/>
+    </dgm:scene3d>
+    <dgm:sp3d/>
+    <dgm:txPr/>
+    <dgm:style>
+      <a:lnRef idx="2">
+        <a:scrgbClr r="0" g="0" b="0"/>
+      </a:lnRef>
+      <a:fillRef idx="1">
+        <a:scrgbClr r="0" g="0" b="0"/>
+      </a:fillRef>
+      <a:effectRef idx="0">
+        <a:scrgbClr r="0" g="0" b="0"/>
+      </a:effectRef>
+      <a:fontRef idx="minor"/>
+    </dgm:style>
+  </dgm:styleLbl>
+  <dgm:styleLbl name="fgAcc0">
+    <dgm:scene3d>
+      <a:camera prst="orthographicFront"/>
+      <a:lightRig rig="threePt" dir="t"/>
+    </dgm:scene3d>
+    <dgm:sp3d/>
+    <dgm:txPr/>
+    <dgm:style>
+      <a:lnRef idx="2">
+        <a:scrgbClr r="0" g="0" b="0"/>
+      </a:lnRef>
+      <a:fillRef idx="1">
+        <a:scrgbClr r="0" g="0" b="0"/>
+      </a:fillRef>
+      <a:effectRef idx="0">
+        <a:scrgbClr r="0" g="0" b="0"/>
+      </a:effectRef>
+      <a:fontRef idx="minor"/>
+    </dgm:style>
+  </dgm:styleLbl>
+  <dgm:styleLbl name="fgAcc2">
+    <dgm:scene3d>
+      <a:camera prst="orthographicFront"/>
+      <a:lightRig rig="threePt" dir="t"/>
+    </dgm:scene3d>
+    <dgm:sp3d/>
+    <dgm:txPr/>
+    <dgm:style>
+      <a:lnRef idx="2">
+        <a:scrgbClr r="0" g="0" b="0"/>
+      </a:lnRef>
+      <a:fillRef idx="1">
+        <a:scrgbClr r="0" g="0" b="0"/>
+      </a:fillRef>
+      <a:effectRef idx="0">
+        <a:scrgbClr r="0" g="0" b="0"/>
+      </a:effectRef>
+      <a:fontRef idx="minor"/>
+    </dgm:style>
+  </dgm:styleLbl>
+  <dgm:styleLbl name="fgAcc3">
+    <dgm:scene3d>
+      <a:camera prst="orthographicFront"/>
+      <a:lightRig rig="threePt" dir="t"/>
+    </dgm:scene3d>
+    <dgm:sp3d/>
+    <dgm:txPr/>
+    <dgm:style>
+      <a:lnRef idx="2">
+        <a:scrgbClr r="0" g="0" b="0"/>
+      </a:lnRef>
+      <a:fillRef idx="1">
+        <a:scrgbClr r="0" g="0" b="0"/>
+      </a:fillRef>
+      <a:effectRef idx="0">
+        <a:scrgbClr r="0" g="0" b="0"/>
+      </a:effectRef>
+      <a:fontRef idx="minor"/>
+    </dgm:style>
+  </dgm:styleLbl>
+  <dgm:styleLbl name="fgAcc4">
+    <dgm:scene3d>
+      <a:camera prst="orthographicFront"/>
+      <a:lightRig rig="threePt" dir="t"/>
+    </dgm:scene3d>
+    <dgm:sp3d/>
+    <dgm:txPr/>
+    <dgm:style>
+      <a:lnRef idx="2">
+        <a:scrgbClr r="0" g="0" b="0"/>
+      </a:lnRef>
+      <a:fillRef idx="1">
+        <a:scrgbClr r="0" g="0" b="0"/>
+      </a:fillRef>
+      <a:effectRef idx="0">
+        <a:scrgbClr r="0" g="0" b="0"/>
+      </a:effectRef>
+      <a:fontRef idx="minor"/>
+    </dgm:style>
+  </dgm:styleLbl>
+  <dgm:styleLbl name="bgShp">
+    <dgm:scene3d>
+      <a:camera prst="orthographicFront"/>
+      <a:lightRig rig="threePt" dir="t"/>
+    </dgm:scene3d>
+    <dgm:sp3d/>
+    <dgm:txPr/>
+    <dgm:style>
+      <a:lnRef idx="0">
+        <a:scrgbClr r="0" g="0" b="0"/>
+      </a:lnRef>
+      <a:fillRef idx="1">
+        <a:scrgbClr r="0" g="0" b="0"/>
+      </a:fillRef>
+      <a:effectRef idx="0">
+        <a:scrgbClr r="0" g="0" b="0"/>
+      </a:effectRef>
+      <a:fontRef idx="minor"/>
+    </dgm:style>
+  </dgm:styleLbl>
+  <dgm:styleLbl name="dkBgShp">
+    <dgm:scene3d>
+      <a:camera prst="orthographicFront"/>
+      <a:lightRig rig="threePt" dir="t"/>
+    </dgm:scene3d>
+    <dgm:sp3d/>
+    <dgm:txPr/>
+    <dgm:style>
+      <a:lnRef idx="0">
+        <a:scrgbClr r="0" g="0" b="0"/>
+      </a:lnRef>
+      <a:fillRef idx="1">
+        <a:scrgbClr r="0" g="0" b="0"/>
+      </a:fillRef>
+      <a:effectRef idx="0">
+        <a:scrgbClr r="0" g="0" b="0"/>
+      </a:effectRef>
+      <a:fontRef idx="minor"/>
+    </dgm:style>
+  </dgm:styleLbl>
+  <dgm:styleLbl name="trBgShp">
+    <dgm:scene3d>
+      <a:camera prst="orthographicFront"/>
+      <a:lightRig rig="threePt" dir="t"/>
+    </dgm:scene3d>
+    <dgm:sp3d/>
+    <dgm:txPr/>
+    <dgm:style>
+      <a:lnRef idx="0">
+        <a:scrgbClr r="0" g="0" b="0"/>
+      </a:lnRef>
+      <a:fillRef idx="1">
+        <a:scrgbClr r="0" g="0" b="0"/>
+      </a:fillRef>
+      <a:effectRef idx="0">
+        <a:scrgbClr r="0" g="0" b="0"/>
+      </a:effectRef>
+      <a:fontRef idx="minor"/>
+    </dgm:style>
+  </dgm:styleLbl>
+  <dgm:styleLbl name="fgShp">
+    <dgm:scene3d>
+      <a:camera prst="orthographicFront"/>
+      <a:lightRig rig="threePt" dir="t"/>
+    </dgm:scene3d>
+    <dgm:sp3d/>
+    <dgm:txPr/>
+    <dgm:style>
+      <a:lnRef idx="2">
+        <a:scrgbClr r="0" g="0" b="0"/>
+      </a:lnRef>
+      <a:fillRef idx="1">
+        <a:scrgbClr r="0" g="0" b="0"/>
+      </a:fillRef>
+      <a:effectRef idx="0">
+        <a:scrgbClr r="0" g="0" b="0"/>
+      </a:effectRef>
+      <a:fontRef idx="minor"/>
+    </dgm:style>
+  </dgm:styleLbl>
+  <dgm:styleLbl name="revTx">
+    <dgm:scene3d>
+      <a:camera prst="orthographicFront"/>
+      <a:lightRig rig="threePt" dir="t"/>
+    </dgm:scene3d>
+    <dgm:sp3d/>
+    <dgm:txPr/>
+    <dgm:style>
+      <a:lnRef idx="0">
+        <a:scrgbClr r="0" g="0" b="0"/>
+      </a:lnRef>
+      <a:fillRef idx="0">
+        <a:scrgbClr r="0" g="0" b="0"/>
+      </a:fillRef>
+      <a:effectRef idx="0">
+        <a:scrgbClr r="0" g="0" b="0"/>
+      </a:effectRef>
+      <a:fontRef idx="minor"/>
+    </dgm:style>
+  </dgm:styleLbl>
+</dgm:styleDef>
+</file>
+
+<file path=ppt/diagrams/quickStyle4.xml><?xml version="1.0" encoding="utf-8"?>
 <dgm:styleDef xmlns:dgm="http://schemas.openxmlformats.org/drawingml/2006/diagram" xmlns:a="http://schemas.openxmlformats.org/drawingml/2006/main" uniqueId="urn:microsoft.com/office/officeart/2005/8/quickstyle/simple1">
   <dgm:title val=""/>
   <dgm:desc val=""/>
@@ -11730,7 +15466,7 @@
           <a:p>
             <a:fld id="{0D1CFB5E-1311-4346-8C5A-3103D9CE5E0D}" type="datetimeFigureOut">
               <a:rPr lang="en-US" smtClean="0"/>
-              <a:t>9/20/14</a:t>
+              <a:t>9/20/2014</a:t>
             </a:fld>
             <a:endParaRPr lang="en-US"/>
           </a:p>
@@ -11900,7 +15636,7 @@
           <a:p>
             <a:fld id="{0D1CFB5E-1311-4346-8C5A-3103D9CE5E0D}" type="datetimeFigureOut">
               <a:rPr lang="en-US" smtClean="0"/>
-              <a:t>9/20/14</a:t>
+              <a:t>9/20/2014</a:t>
             </a:fld>
             <a:endParaRPr lang="en-US"/>
           </a:p>
@@ -12080,7 +15816,7 @@
           <a:p>
             <a:fld id="{0D1CFB5E-1311-4346-8C5A-3103D9CE5E0D}" type="datetimeFigureOut">
               <a:rPr lang="en-US" smtClean="0"/>
-              <a:t>9/20/14</a:t>
+              <a:t>9/20/2014</a:t>
             </a:fld>
             <a:endParaRPr lang="en-US"/>
           </a:p>
@@ -12250,7 +15986,7 @@
           <a:p>
             <a:fld id="{0D1CFB5E-1311-4346-8C5A-3103D9CE5E0D}" type="datetimeFigureOut">
               <a:rPr lang="en-US" smtClean="0"/>
-              <a:t>9/20/14</a:t>
+              <a:t>9/20/2014</a:t>
             </a:fld>
             <a:endParaRPr lang="en-US"/>
           </a:p>
@@ -12496,7 +16232,7 @@
           <a:p>
             <a:fld id="{0D1CFB5E-1311-4346-8C5A-3103D9CE5E0D}" type="datetimeFigureOut">
               <a:rPr lang="en-US" smtClean="0"/>
-              <a:t>9/20/14</a:t>
+              <a:t>9/20/2014</a:t>
             </a:fld>
             <a:endParaRPr lang="en-US"/>
           </a:p>
@@ -12784,7 +16520,7 @@
           <a:p>
             <a:fld id="{0D1CFB5E-1311-4346-8C5A-3103D9CE5E0D}" type="datetimeFigureOut">
               <a:rPr lang="en-US" smtClean="0"/>
-              <a:t>9/20/14</a:t>
+              <a:t>9/20/2014</a:t>
             </a:fld>
             <a:endParaRPr lang="en-US"/>
           </a:p>
@@ -13206,7 +16942,7 @@
           <a:p>
             <a:fld id="{0D1CFB5E-1311-4346-8C5A-3103D9CE5E0D}" type="datetimeFigureOut">
               <a:rPr lang="en-US" smtClean="0"/>
-              <a:t>9/20/14</a:t>
+              <a:t>9/20/2014</a:t>
             </a:fld>
             <a:endParaRPr lang="en-US"/>
           </a:p>
@@ -13324,7 +17060,7 @@
           <a:p>
             <a:fld id="{0D1CFB5E-1311-4346-8C5A-3103D9CE5E0D}" type="datetimeFigureOut">
               <a:rPr lang="en-US" smtClean="0"/>
-              <a:t>9/20/14</a:t>
+              <a:t>9/20/2014</a:t>
             </a:fld>
             <a:endParaRPr lang="en-US"/>
           </a:p>
@@ -13419,7 +17155,7 @@
           <a:p>
             <a:fld id="{0D1CFB5E-1311-4346-8C5A-3103D9CE5E0D}" type="datetimeFigureOut">
               <a:rPr lang="en-US" smtClean="0"/>
-              <a:t>9/20/14</a:t>
+              <a:t>9/20/2014</a:t>
             </a:fld>
             <a:endParaRPr lang="en-US"/>
           </a:p>
@@ -13696,7 +17432,7 @@
           <a:p>
             <a:fld id="{0D1CFB5E-1311-4346-8C5A-3103D9CE5E0D}" type="datetimeFigureOut">
               <a:rPr lang="en-US" smtClean="0"/>
-              <a:t>9/20/14</a:t>
+              <a:t>9/20/2014</a:t>
             </a:fld>
             <a:endParaRPr lang="en-US"/>
           </a:p>
@@ -13949,7 +17685,7 @@
           <a:p>
             <a:fld id="{0D1CFB5E-1311-4346-8C5A-3103D9CE5E0D}" type="datetimeFigureOut">
               <a:rPr lang="en-US" smtClean="0"/>
-              <a:t>9/20/14</a:t>
+              <a:t>9/20/2014</a:t>
             </a:fld>
             <a:endParaRPr lang="en-US"/>
           </a:p>
@@ -14057,7 +17793,7 @@
           <a:graphicData uri="http://schemas.openxmlformats.org/presentationml/2006/ole">
             <mc:AlternateContent xmlns:mc="http://schemas.openxmlformats.org/markup-compatibility/2006">
               <mc:Choice xmlns:v="urn:schemas-microsoft-com:vml" Requires="v">
-                <p:oleObj spid="_x0000_s1029" name="think-cell Slide" r:id="rId15" imgW="216" imgH="216" progId="TCLayout.ActiveDocument.1">
+                <p:oleObj spid="_x0000_s1031" name="think-cell Slide" r:id="rId15" imgW="216" imgH="216" progId="TCLayout.ActiveDocument.1">
                   <p:embed/>
                 </p:oleObj>
               </mc:Choice>
@@ -14222,7 +17958,7 @@
           <a:p>
             <a:fld id="{0D1CFB5E-1311-4346-8C5A-3103D9CE5E0D}" type="datetimeFigureOut">
               <a:rPr lang="en-US" smtClean="0"/>
-              <a:t>9/20/14</a:t>
+              <a:t>9/20/2014</a:t>
             </a:fld>
             <a:endParaRPr lang="en-US"/>
           </a:p>
@@ -14630,7 +18366,7 @@
           <a:graphicData uri="http://schemas.openxmlformats.org/presentationml/2006/ole">
             <mc:AlternateContent xmlns:mc="http://schemas.openxmlformats.org/markup-compatibility/2006">
               <mc:Choice xmlns:v="urn:schemas-microsoft-com:vml" Requires="v">
-                <p:oleObj spid="_x0000_s5127" name="think-cell Slide" r:id="rId4" imgW="216" imgH="216" progId="TCLayout.ActiveDocument.1">
+                <p:oleObj spid="_x0000_s5129" name="think-cell Slide" r:id="rId4" imgW="216" imgH="216" progId="TCLayout.ActiveDocument.1">
                   <p:embed/>
                 </p:oleObj>
               </mc:Choice>
@@ -14696,7 +18432,7 @@
           </a:prstGeom>
           <a:noFill/>
           <a:extLst>
-            <a:ext uri="{909E8E84-426E-40dd-AFC4-6F175D3DCCD1}">
+            <a:ext uri="{909E8E84-426E-40DD-AFC4-6F175D3DCCD1}">
               <a14:hiddenFill xmlns:a14="http://schemas.microsoft.com/office/drawing/2010/main">
                 <a:solidFill>
                   <a:srgbClr val="FFFFFF"/>
@@ -14835,7 +18571,7 @@
   <p:timing>
     <p:tnLst>
       <p:par>
-        <p:cTn xmlns:p14="http://schemas.microsoft.com/office/powerpoint/2010/main" id="1" dur="indefinite" restart="never" nodeType="tmRoot"/>
+        <p:cTn id="1" dur="indefinite" restart="never" nodeType="tmRoot"/>
       </p:par>
     </p:tnLst>
   </p:timing>
@@ -14871,57 +18607,27 @@
         </p:nvSpPr>
         <p:spPr/>
         <p:txBody>
-          <a:bodyPr>
-            <a:normAutofit fontScale="90000"/>
-          </a:bodyPr>
-          <a:lstStyle/>
-          <a:p>
-            <a:r>
-              <a:rPr lang="en-US" dirty="0"/>
-              <a:t>Computability of Contract Elements</a:t>
-            </a:r>
-          </a:p>
-        </p:txBody>
-      </p:sp>
-      <p:sp>
-        <p:nvSpPr>
-          <p:cNvPr id="3" name="Content Placeholder 2"/>
-          <p:cNvSpPr>
-            <a:spLocks noGrp="1"/>
-          </p:cNvSpPr>
-          <p:nvPr>
-            <p:ph idx="1"/>
-          </p:nvPr>
-        </p:nvSpPr>
-        <p:spPr/>
-        <p:txBody>
           <a:bodyPr/>
           <a:lstStyle/>
           <a:p>
             <a:r>
-              <a:rPr lang="en-US" dirty="0"/>
-              <a:t>parameters</a:t>
+              <a:rPr lang="en-US" dirty="0" smtClean="0"/>
+              <a:t>Common Accord</a:t>
             </a:r>
+            <a:endParaRPr lang="en-US" dirty="0"/>
           </a:p>
         </p:txBody>
       </p:sp>
     </p:spTree>
     <p:extLst>
       <p:ext uri="{BB962C8B-B14F-4D97-AF65-F5344CB8AC3E}">
-        <p14:creationId xmlns:p14="http://schemas.microsoft.com/office/powerpoint/2010/main" val="2541006025"/>
+        <p14:creationId xmlns:p14="http://schemas.microsoft.com/office/powerpoint/2010/main" val="3552204134"/>
       </p:ext>
     </p:extLst>
   </p:cSld>
   <p:clrMapOvr>
     <a:masterClrMapping/>
   </p:clrMapOvr>
-  <p:timing>
-    <p:tnLst>
-      <p:par>
-        <p:cTn xmlns:p14="http://schemas.microsoft.com/office/powerpoint/2010/main" id="1" dur="indefinite" restart="never" nodeType="tmRoot"/>
-      </p:par>
-    </p:tnLst>
-  </p:timing>
 </p:sld>
 </file>
 
@@ -14999,7 +18705,7 @@
   <p:timing>
     <p:tnLst>
       <p:par>
-        <p:cTn xmlns:p14="http://schemas.microsoft.com/office/powerpoint/2010/main" id="1" dur="indefinite" restart="never" nodeType="tmRoot"/>
+        <p:cTn id="1" dur="indefinite" restart="never" nodeType="tmRoot"/>
       </p:par>
     </p:tnLst>
   </p:timing>
@@ -15007,6 +18713,88 @@
 </file>
 
 <file path=ppt/slides/slide12.xml><?xml version="1.0" encoding="utf-8"?>
+<p:sld xmlns:a="http://schemas.openxmlformats.org/drawingml/2006/main" xmlns:r="http://schemas.openxmlformats.org/officeDocument/2006/relationships" xmlns:p="http://schemas.openxmlformats.org/presentationml/2006/main">
+  <p:cSld>
+    <p:spTree>
+      <p:nvGrpSpPr>
+        <p:cNvPr id="1" name=""/>
+        <p:cNvGrpSpPr/>
+        <p:nvPr/>
+      </p:nvGrpSpPr>
+      <p:grpSpPr>
+        <a:xfrm>
+          <a:off x="0" y="0"/>
+          <a:ext cx="0" cy="0"/>
+          <a:chOff x="0" y="0"/>
+          <a:chExt cx="0" cy="0"/>
+        </a:xfrm>
+      </p:grpSpPr>
+      <p:sp>
+        <p:nvSpPr>
+          <p:cNvPr id="2" name="Title 1"/>
+          <p:cNvSpPr>
+            <a:spLocks noGrp="1"/>
+          </p:cNvSpPr>
+          <p:nvPr>
+            <p:ph type="ctrTitle"/>
+          </p:nvPr>
+        </p:nvSpPr>
+        <p:spPr/>
+        <p:txBody>
+          <a:bodyPr>
+            <a:normAutofit/>
+          </a:bodyPr>
+          <a:lstStyle/>
+          <a:p>
+            <a:r>
+              <a:rPr lang="en-US" dirty="0"/>
+              <a:t>Participation </a:t>
+            </a:r>
+            <a:r>
+              <a:rPr lang="en-US" dirty="0" smtClean="0"/>
+              <a:t>Agreements</a:t>
+            </a:r>
+            <a:endParaRPr lang="en-US" dirty="0"/>
+          </a:p>
+        </p:txBody>
+      </p:sp>
+      <p:sp>
+        <p:nvSpPr>
+          <p:cNvPr id="3" name="Subtitle 2"/>
+          <p:cNvSpPr>
+            <a:spLocks noGrp="1"/>
+          </p:cNvSpPr>
+          <p:nvPr>
+            <p:ph type="subTitle" idx="1"/>
+          </p:nvPr>
+        </p:nvSpPr>
+        <p:spPr/>
+        <p:txBody>
+          <a:bodyPr/>
+          <a:lstStyle/>
+          <a:p>
+            <a:r>
+              <a:rPr lang="en-US" dirty="0" smtClean="0"/>
+              <a:t>Hive</a:t>
+            </a:r>
+            <a:endParaRPr lang="en-US" dirty="0"/>
+          </a:p>
+        </p:txBody>
+      </p:sp>
+    </p:spTree>
+    <p:extLst>
+      <p:ext uri="{BB962C8B-B14F-4D97-AF65-F5344CB8AC3E}">
+        <p14:creationId xmlns:p14="http://schemas.microsoft.com/office/powerpoint/2010/main" val="4194756617"/>
+      </p:ext>
+    </p:extLst>
+  </p:cSld>
+  <p:clrMapOvr>
+    <a:masterClrMapping/>
+  </p:clrMapOvr>
+</p:sld>
+</file>
+
+<file path=ppt/slides/slide13.xml><?xml version="1.0" encoding="utf-8"?>
 <p:sld xmlns:a="http://schemas.openxmlformats.org/drawingml/2006/main" xmlns:r="http://schemas.openxmlformats.org/officeDocument/2006/relationships" xmlns:p="http://schemas.openxmlformats.org/presentationml/2006/main">
   <p:cSld>
     <p:spTree>
@@ -15071,7 +18859,56 @@
           <a:p>
             <a:r>
               <a:rPr lang="en-US" dirty="0" smtClean="0"/>
-              <a:t>Allowing All Parties Interoperability</a:t>
+              <a:t>Allowing All Parties </a:t>
+            </a:r>
+            <a:r>
+              <a:rPr lang="en-US" dirty="0" smtClean="0"/>
+              <a:t>Interoperability</a:t>
+            </a:r>
+          </a:p>
+          <a:p>
+            <a:r>
+              <a:rPr lang="en-US" dirty="0" smtClean="0"/>
+              <a:t>Some (minimum) data agreed to be open source</a:t>
+            </a:r>
+          </a:p>
+          <a:p>
+            <a:pPr lvl="1"/>
+            <a:r>
+              <a:rPr lang="en-US" dirty="0" smtClean="0"/>
+              <a:t>Number of startups in the </a:t>
+            </a:r>
+            <a:r>
+              <a:rPr lang="en-US" dirty="0" err="1" smtClean="0"/>
+              <a:t>Bcology</a:t>
+            </a:r>
+            <a:r>
+              <a:rPr lang="en-US" dirty="0" smtClean="0"/>
+              <a:t> </a:t>
+            </a:r>
+          </a:p>
+          <a:p>
+            <a:pPr lvl="1"/>
+            <a:r>
+              <a:rPr lang="en-US" dirty="0" smtClean="0"/>
+              <a:t>Sector of startup </a:t>
+            </a:r>
+          </a:p>
+          <a:p>
+            <a:pPr lvl="1"/>
+            <a:r>
+              <a:rPr lang="en-US" dirty="0" smtClean="0"/>
+              <a:t>Basic aim and business model</a:t>
+            </a:r>
+          </a:p>
+          <a:p>
+            <a:r>
+              <a:rPr lang="en-US" dirty="0" err="1" smtClean="0"/>
+              <a:t>Bcology</a:t>
+            </a:r>
+            <a:r>
+              <a:rPr lang="en-US" dirty="0" smtClean="0"/>
+              <a:t> trust network </a:t>
             </a:r>
             <a:endParaRPr lang="en-US" dirty="0"/>
           </a:p>
@@ -15090,14 +18927,104 @@
   <p:timing>
     <p:tnLst>
       <p:par>
-        <p:cTn xmlns:p14="http://schemas.microsoft.com/office/powerpoint/2010/main" id="1" dur="indefinite" restart="never" nodeType="tmRoot"/>
+        <p:cTn id="1" dur="indefinite" restart="never" nodeType="tmRoot"/>
       </p:par>
     </p:tnLst>
   </p:timing>
 </p:sld>
 </file>
 
-<file path=ppt/slides/slide13.xml><?xml version="1.0" encoding="utf-8"?>
+<file path=ppt/slides/slide14.xml><?xml version="1.0" encoding="utf-8"?>
+<p:sld xmlns:a="http://schemas.openxmlformats.org/drawingml/2006/main" xmlns:r="http://schemas.openxmlformats.org/officeDocument/2006/relationships" xmlns:p="http://schemas.openxmlformats.org/presentationml/2006/main">
+  <p:cSld>
+    <p:spTree>
+      <p:nvGrpSpPr>
+        <p:cNvPr id="1" name=""/>
+        <p:cNvGrpSpPr/>
+        <p:nvPr/>
+      </p:nvGrpSpPr>
+      <p:grpSpPr>
+        <a:xfrm>
+          <a:off x="0" y="0"/>
+          <a:ext cx="0" cy="0"/>
+          <a:chOff x="0" y="0"/>
+          <a:chExt cx="0" cy="0"/>
+        </a:xfrm>
+      </p:grpSpPr>
+      <p:sp>
+        <p:nvSpPr>
+          <p:cNvPr id="2" name="Title 1"/>
+          <p:cNvSpPr>
+            <a:spLocks noGrp="1"/>
+          </p:cNvSpPr>
+          <p:nvPr>
+            <p:ph type="title"/>
+          </p:nvPr>
+        </p:nvSpPr>
+        <p:spPr/>
+        <p:txBody>
+          <a:bodyPr>
+            <a:normAutofit fontScale="90000"/>
+          </a:bodyPr>
+          <a:lstStyle/>
+          <a:p>
+            <a:r>
+              <a:rPr lang="en-US" dirty="0"/>
+              <a:t>Computability of Contract Elements</a:t>
+            </a:r>
+          </a:p>
+        </p:txBody>
+      </p:sp>
+      <p:sp>
+        <p:nvSpPr>
+          <p:cNvPr id="3" name="Content Placeholder 2"/>
+          <p:cNvSpPr>
+            <a:spLocks noGrp="1"/>
+          </p:cNvSpPr>
+          <p:nvPr>
+            <p:ph idx="1"/>
+          </p:nvPr>
+        </p:nvSpPr>
+        <p:spPr/>
+        <p:txBody>
+          <a:bodyPr/>
+          <a:lstStyle/>
+          <a:p>
+            <a:r>
+              <a:rPr lang="en-US" dirty="0" smtClean="0"/>
+              <a:t>The envelope which allows greater transparency and analysis </a:t>
+            </a:r>
+          </a:p>
+          <a:p>
+            <a:r>
+              <a:rPr lang="en-US" dirty="0" smtClean="0"/>
+              <a:t>Attracts funders through added efficiency </a:t>
+            </a:r>
+            <a:endParaRPr lang="en-US" dirty="0"/>
+          </a:p>
+        </p:txBody>
+      </p:sp>
+    </p:spTree>
+    <p:extLst>
+      <p:ext uri="{BB962C8B-B14F-4D97-AF65-F5344CB8AC3E}">
+        <p14:creationId xmlns:p14="http://schemas.microsoft.com/office/powerpoint/2010/main" val="2541006025"/>
+      </p:ext>
+    </p:extLst>
+  </p:cSld>
+  <p:clrMapOvr>
+    <a:masterClrMapping/>
+  </p:clrMapOvr>
+  <p:timing>
+    <p:tnLst>
+      <p:par>
+        <p:cTn id="1" dur="indefinite" restart="never" nodeType="tmRoot"/>
+      </p:par>
+    </p:tnLst>
+  </p:timing>
+</p:sld>
+</file>
+
+<file path=ppt/slides/slide15.xml><?xml version="1.0" encoding="utf-8"?>
 <p:sld xmlns:a="http://schemas.openxmlformats.org/drawingml/2006/main" xmlns:r="http://schemas.openxmlformats.org/officeDocument/2006/relationships" xmlns:p="http://schemas.openxmlformats.org/presentationml/2006/main">
   <p:cSld>
     <p:spTree>
@@ -15176,14 +19103,94 @@
   <p:timing>
     <p:tnLst>
       <p:par>
-        <p:cTn xmlns:p14="http://schemas.microsoft.com/office/powerpoint/2010/main" id="1" dur="indefinite" restart="never" nodeType="tmRoot"/>
+        <p:cTn id="1" dur="indefinite" restart="never" nodeType="tmRoot"/>
       </p:par>
     </p:tnLst>
   </p:timing>
 </p:sld>
 </file>
 
-<file path=ppt/slides/slide14.xml><?xml version="1.0" encoding="utf-8"?>
+<file path=ppt/slides/slide16.xml><?xml version="1.0" encoding="utf-8"?>
+<p:sld xmlns:a="http://schemas.openxmlformats.org/drawingml/2006/main" xmlns:r="http://schemas.openxmlformats.org/officeDocument/2006/relationships" xmlns:p="http://schemas.openxmlformats.org/presentationml/2006/main">
+  <p:cSld>
+    <p:spTree>
+      <p:nvGrpSpPr>
+        <p:cNvPr id="1" name=""/>
+        <p:cNvGrpSpPr/>
+        <p:nvPr/>
+      </p:nvGrpSpPr>
+      <p:grpSpPr>
+        <a:xfrm>
+          <a:off x="0" y="0"/>
+          <a:ext cx="0" cy="0"/>
+          <a:chOff x="0" y="0"/>
+          <a:chExt cx="0" cy="0"/>
+        </a:xfrm>
+      </p:grpSpPr>
+      <p:sp>
+        <p:nvSpPr>
+          <p:cNvPr id="2" name="Title 1"/>
+          <p:cNvSpPr>
+            <a:spLocks noGrp="1"/>
+          </p:cNvSpPr>
+          <p:nvPr>
+            <p:ph type="ctrTitle"/>
+          </p:nvPr>
+        </p:nvSpPr>
+        <p:spPr/>
+        <p:txBody>
+          <a:bodyPr/>
+          <a:lstStyle/>
+          <a:p>
+            <a:r>
+              <a:rPr lang="en-US" dirty="0"/>
+              <a:t>C</a:t>
+            </a:r>
+            <a:r>
+              <a:rPr lang="en-US" dirty="0" smtClean="0"/>
+              <a:t>omplete Walkthrough</a:t>
+            </a:r>
+            <a:endParaRPr lang="en-US" dirty="0"/>
+          </a:p>
+        </p:txBody>
+      </p:sp>
+      <p:sp>
+        <p:nvSpPr>
+          <p:cNvPr id="3" name="Subtitle 2"/>
+          <p:cNvSpPr>
+            <a:spLocks noGrp="1"/>
+          </p:cNvSpPr>
+          <p:nvPr>
+            <p:ph type="subTitle" idx="1"/>
+          </p:nvPr>
+        </p:nvSpPr>
+        <p:spPr/>
+        <p:txBody>
+          <a:bodyPr/>
+          <a:lstStyle/>
+          <a:p>
+            <a:r>
+              <a:rPr lang="en-US" dirty="0" err="1" smtClean="0"/>
+              <a:t>Buzzzzzzzzzzzzzzzzzzz</a:t>
+            </a:r>
+            <a:endParaRPr lang="en-US" dirty="0"/>
+          </a:p>
+        </p:txBody>
+      </p:sp>
+    </p:spTree>
+    <p:extLst>
+      <p:ext uri="{BB962C8B-B14F-4D97-AF65-F5344CB8AC3E}">
+        <p14:creationId xmlns:p14="http://schemas.microsoft.com/office/powerpoint/2010/main" val="912136580"/>
+      </p:ext>
+    </p:extLst>
+  </p:cSld>
+  <p:clrMapOvr>
+    <a:masterClrMapping/>
+  </p:clrMapOvr>
+</p:sld>
+</file>
+
+<file path=ppt/slides/slide17.xml><?xml version="1.0" encoding="utf-8"?>
 <p:sld xmlns:a="http://schemas.openxmlformats.org/drawingml/2006/main" xmlns:r="http://schemas.openxmlformats.org/officeDocument/2006/relationships" xmlns:p="http://schemas.openxmlformats.org/presentationml/2006/main">
   <p:cSld>
     <p:spTree>
@@ -15217,7 +19224,145 @@
           <a:p>
             <a:r>
               <a:rPr lang="en-US" dirty="0" smtClean="0"/>
-              <a:t>For More Information:</a:t>
+              <a:t>Startup Perspective</a:t>
+            </a:r>
+            <a:endParaRPr lang="en-US" dirty="0"/>
+          </a:p>
+        </p:txBody>
+      </p:sp>
+      <p:sp>
+        <p:nvSpPr>
+          <p:cNvPr id="3" name="Content Placeholder 2"/>
+          <p:cNvSpPr>
+            <a:spLocks noGrp="1"/>
+          </p:cNvSpPr>
+          <p:nvPr>
+            <p:ph idx="1"/>
+          </p:nvPr>
+        </p:nvSpPr>
+        <p:spPr/>
+        <p:txBody>
+          <a:bodyPr>
+            <a:normAutofit fontScale="92500" lnSpcReduction="10000"/>
+          </a:bodyPr>
+          <a:lstStyle/>
+          <a:p>
+            <a:pPr fontAlgn="base"/>
+            <a:r>
+              <a:rPr lang="en-US" dirty="0" err="1" smtClean="0"/>
+              <a:t>JoeJoe</a:t>
+            </a:r>
+            <a:r>
+              <a:rPr lang="en-US" dirty="0" smtClean="0"/>
+              <a:t> </a:t>
+            </a:r>
+            <a:r>
+              <a:rPr lang="en-US" dirty="0"/>
+              <a:t>and Sally found a widget biz </a:t>
+            </a:r>
+          </a:p>
+          <a:p>
+            <a:pPr fontAlgn="base"/>
+            <a:r>
+              <a:rPr lang="en-US" dirty="0"/>
+              <a:t>Signal open to investment </a:t>
+            </a:r>
+          </a:p>
+          <a:p>
+            <a:pPr fontAlgn="base"/>
+            <a:r>
+              <a:rPr lang="en-US" dirty="0"/>
+              <a:t>Consummate participation in Crowd Funding System</a:t>
+            </a:r>
+          </a:p>
+          <a:p>
+            <a:pPr fontAlgn="base"/>
+            <a:r>
+              <a:rPr lang="en-US" dirty="0"/>
+              <a:t>Close 20 widget deals with buyers over 1 year</a:t>
+            </a:r>
+          </a:p>
+          <a:p>
+            <a:pPr fontAlgn="base"/>
+            <a:r>
+              <a:rPr lang="en-US" dirty="0"/>
+              <a:t>Signal open to investment </a:t>
+            </a:r>
+          </a:p>
+          <a:p>
+            <a:pPr fontAlgn="base"/>
+            <a:r>
+              <a:rPr lang="en-US" dirty="0"/>
+              <a:t>Collect shows of interest</a:t>
+            </a:r>
+          </a:p>
+          <a:p>
+            <a:pPr fontAlgn="base"/>
+            <a:r>
+              <a:rPr lang="en-US" dirty="0"/>
+              <a:t>Consummate investment with VC 1</a:t>
+            </a:r>
+          </a:p>
+          <a:p>
+            <a:pPr fontAlgn="base"/>
+            <a:r>
+              <a:rPr lang="en-US" dirty="0"/>
+              <a:t>Close acquisition of gadget company</a:t>
+            </a:r>
+          </a:p>
+          <a:p>
+            <a:endParaRPr lang="en-US" dirty="0"/>
+          </a:p>
+        </p:txBody>
+      </p:sp>
+    </p:spTree>
+    <p:extLst>
+      <p:ext uri="{BB962C8B-B14F-4D97-AF65-F5344CB8AC3E}">
+        <p14:creationId xmlns:p14="http://schemas.microsoft.com/office/powerpoint/2010/main" val="2706540794"/>
+      </p:ext>
+    </p:extLst>
+  </p:cSld>
+  <p:clrMapOvr>
+    <a:masterClrMapping/>
+  </p:clrMapOvr>
+</p:sld>
+</file>
+
+<file path=ppt/slides/slide18.xml><?xml version="1.0" encoding="utf-8"?>
+<p:sld xmlns:a="http://schemas.openxmlformats.org/drawingml/2006/main" xmlns:r="http://schemas.openxmlformats.org/officeDocument/2006/relationships" xmlns:p="http://schemas.openxmlformats.org/presentationml/2006/main">
+  <p:cSld>
+    <p:spTree>
+      <p:nvGrpSpPr>
+        <p:cNvPr id="1" name=""/>
+        <p:cNvGrpSpPr/>
+        <p:nvPr/>
+      </p:nvGrpSpPr>
+      <p:grpSpPr>
+        <a:xfrm>
+          <a:off x="0" y="0"/>
+          <a:ext cx="0" cy="0"/>
+          <a:chOff x="0" y="0"/>
+          <a:chExt cx="0" cy="0"/>
+        </a:xfrm>
+      </p:grpSpPr>
+      <p:sp>
+        <p:nvSpPr>
+          <p:cNvPr id="2" name="Title 1"/>
+          <p:cNvSpPr>
+            <a:spLocks noGrp="1"/>
+          </p:cNvSpPr>
+          <p:nvPr>
+            <p:ph type="title"/>
+          </p:nvPr>
+        </p:nvSpPr>
+        <p:spPr/>
+        <p:txBody>
+          <a:bodyPr/>
+          <a:lstStyle/>
+          <a:p>
+            <a:r>
+              <a:rPr lang="en-US" dirty="0" smtClean="0"/>
+              <a:t>Investor Perspective</a:t>
             </a:r>
             <a:endParaRPr lang="en-US" dirty="0"/>
           </a:p>
@@ -15239,36 +19384,121 @@
           <a:lstStyle/>
           <a:p>
             <a:r>
-              <a:rPr lang="en-US" dirty="0"/>
-              <a:t>https://</a:t>
+              <a:rPr lang="en-US" dirty="0" smtClean="0"/>
+              <a:t>Portfolio tool </a:t>
             </a:r>
+          </a:p>
+          <a:p>
+            <a:pPr lvl="1"/>
             <a:r>
-              <a:rPr lang="en-US" dirty="0" err="1"/>
-              <a:t>github.com</a:t>
+              <a:rPr lang="en-US" dirty="0" smtClean="0"/>
+              <a:t>Equity, debt, and cash positions </a:t>
             </a:r>
+          </a:p>
+          <a:p>
+            <a:pPr lvl="1"/>
             <a:r>
-              <a:rPr lang="en-US" dirty="0"/>
-              <a:t>/</a:t>
+              <a:rPr lang="en-US" dirty="0" smtClean="0"/>
+              <a:t>Due diligence dashboard </a:t>
             </a:r>
+          </a:p>
+          <a:p>
+            <a:pPr lvl="1"/>
             <a:r>
-              <a:rPr lang="en-US" dirty="0" err="1"/>
-              <a:t>HumanDynamics</a:t>
+              <a:rPr lang="en-US" dirty="0" smtClean="0"/>
+              <a:t>Ability to request proprietary information </a:t>
             </a:r>
+          </a:p>
+          <a:p>
+            <a:pPr lvl="1"/>
             <a:r>
-              <a:rPr lang="en-US" dirty="0"/>
-              <a:t>/</a:t>
+              <a:rPr lang="en-US" dirty="0" smtClean="0"/>
+              <a:t>When negotiating deal, ability to pull in terms from prior deals at the target startup </a:t>
             </a:r>
-            <a:r>
-              <a:rPr lang="en-US"/>
-              <a:t>CodeTheDeal</a:t>
-            </a:r>
+            <a:endParaRPr lang="en-US" dirty="0"/>
           </a:p>
         </p:txBody>
       </p:sp>
     </p:spTree>
     <p:extLst>
       <p:ext uri="{BB962C8B-B14F-4D97-AF65-F5344CB8AC3E}">
-        <p14:creationId xmlns:p14="http://schemas.microsoft.com/office/powerpoint/2010/main" val="3553741950"/>
+        <p14:creationId xmlns:p14="http://schemas.microsoft.com/office/powerpoint/2010/main" val="1995249033"/>
+      </p:ext>
+    </p:extLst>
+  </p:cSld>
+  <p:clrMapOvr>
+    <a:masterClrMapping/>
+  </p:clrMapOvr>
+</p:sld>
+</file>
+
+<file path=ppt/slides/slide19.xml><?xml version="1.0" encoding="utf-8"?>
+<p:sld xmlns:a="http://schemas.openxmlformats.org/drawingml/2006/main" xmlns:r="http://schemas.openxmlformats.org/officeDocument/2006/relationships" xmlns:p="http://schemas.openxmlformats.org/presentationml/2006/main">
+  <p:cSld>
+    <p:spTree>
+      <p:nvGrpSpPr>
+        <p:cNvPr id="1" name=""/>
+        <p:cNvGrpSpPr/>
+        <p:nvPr/>
+      </p:nvGrpSpPr>
+      <p:grpSpPr>
+        <a:xfrm>
+          <a:off x="0" y="0"/>
+          <a:ext cx="0" cy="0"/>
+          <a:chOff x="0" y="0"/>
+          <a:chExt cx="0" cy="0"/>
+        </a:xfrm>
+      </p:grpSpPr>
+      <p:sp>
+        <p:nvSpPr>
+          <p:cNvPr id="4" name="Title 3"/>
+          <p:cNvSpPr>
+            <a:spLocks noGrp="1"/>
+          </p:cNvSpPr>
+          <p:nvPr>
+            <p:ph type="ctrTitle"/>
+          </p:nvPr>
+        </p:nvSpPr>
+        <p:spPr/>
+        <p:txBody>
+          <a:bodyPr/>
+          <a:lstStyle/>
+          <a:p>
+            <a:r>
+              <a:rPr lang="en-US" dirty="0" smtClean="0"/>
+              <a:t>Summary and Closing</a:t>
+            </a:r>
+            <a:endParaRPr lang="en-US" dirty="0"/>
+          </a:p>
+        </p:txBody>
+      </p:sp>
+      <p:sp>
+        <p:nvSpPr>
+          <p:cNvPr id="5" name="Subtitle 4"/>
+          <p:cNvSpPr>
+            <a:spLocks noGrp="1"/>
+          </p:cNvSpPr>
+          <p:nvPr>
+            <p:ph type="subTitle" idx="1"/>
+          </p:nvPr>
+        </p:nvSpPr>
+        <p:spPr/>
+        <p:txBody>
+          <a:bodyPr/>
+          <a:lstStyle/>
+          <a:p>
+            <a:r>
+              <a:rPr lang="en-US" dirty="0" smtClean="0"/>
+              <a:t>Dawn</a:t>
+            </a:r>
+            <a:endParaRPr lang="en-US" dirty="0"/>
+          </a:p>
+        </p:txBody>
+      </p:sp>
+    </p:spTree>
+    <p:extLst>
+      <p:ext uri="{BB962C8B-B14F-4D97-AF65-F5344CB8AC3E}">
+        <p14:creationId xmlns:p14="http://schemas.microsoft.com/office/powerpoint/2010/main" val="3398069002"/>
       </p:ext>
     </p:extLst>
   </p:cSld>
@@ -15307,7 +19537,7 @@
             </p:custDataLst>
             <p:extLst>
               <p:ext uri="{D42A27DB-BD31-4B8C-83A1-F6EECF244321}">
-                <p14:modId xmlns:p14="http://schemas.microsoft.com/office/powerpoint/2010/main" val="1748259471"/>
+                <p14:modId xmlns:p14="http://schemas.microsoft.com/office/powerpoint/2010/main" val="2711201655"/>
               </p:ext>
             </p:extLst>
           </p:nvPr>
@@ -15320,7 +19550,7 @@
           <a:graphicData uri="http://schemas.openxmlformats.org/presentationml/2006/ole">
             <mc:AlternateContent xmlns:mc="http://schemas.openxmlformats.org/markup-compatibility/2006">
               <mc:Choice xmlns:v="urn:schemas-microsoft-com:vml" Requires="v">
-                <p:oleObj spid="_x0000_s2053" name="think-cell Slide" r:id="rId6" imgW="216" imgH="216" progId="TCLayout.ActiveDocument.1">
+                <p:oleObj spid="_x0000_s2056" name="think-cell Slide" r:id="rId6" imgW="216" imgH="216" progId="TCLayout.ActiveDocument.1">
                   <p:embed/>
                 </p:oleObj>
               </mc:Choice>
@@ -15394,7 +19624,9 @@
           </a:fontRef>
         </p:style>
         <p:txBody>
-          <a:bodyPr wrap="none" lIns="0" tIns="0" rIns="0" bIns="0" rtlCol="0" anchor="ctr"/>
+          <a:bodyPr vert="horz" wrap="none" lIns="0" tIns="0" rIns="0" bIns="0" numCol="1" spcCol="0" rtlCol="0" anchor="ctr" anchorCtr="0">
+            <a:noAutofit/>
+          </a:bodyPr>
           <a:lstStyle/>
           <a:p>
             <a:pPr algn="ctr">
@@ -15426,8 +19658,8 @@
         </p:nvSpPr>
         <p:spPr bwMode="gray">
           <a:xfrm>
-            <a:off x="2878138" y="2535238"/>
-            <a:ext cx="3387725" cy="1787525"/>
+            <a:off x="1146175" y="1804988"/>
+            <a:ext cx="6851650" cy="3248025"/>
           </a:xfrm>
           <a:prstGeom prst="rect">
             <a:avLst/>
@@ -15439,7 +19671,7 @@
             </a:solidFill>
           </a:ln>
           <a:extLst>
-            <a:ext uri="{909E8E84-426E-40dd-AFC4-6F175D3DCCD1}">
+            <a:ext uri="{909E8E84-426E-40DD-AFC4-6F175D3DCCD1}">
               <a14:hiddenFill xmlns:a14="http://schemas.microsoft.com/office/drawing/2010/main">
                 <a:solidFill>
                   <a:scrgbClr r="0" g="0" b="0"/>
@@ -15602,6 +19834,11 @@
               <a:rPr lang="en-US" b="1" dirty="0" smtClean="0"/>
               <a:t>Vision </a:t>
             </a:r>
+            <a:r>
+              <a:rPr lang="en-US" b="1" dirty="0" smtClean="0"/>
+              <a:t>“Nectar”</a:t>
+            </a:r>
+            <a:endParaRPr lang="en-US" b="1" dirty="0" smtClean="0"/>
           </a:p>
           <a:p>
             <a:pPr>
@@ -15614,7 +19851,22 @@
             </a:pPr>
             <a:r>
               <a:rPr lang="en-US" b="1" dirty="0" smtClean="0"/>
-              <a:t>Implementation </a:t>
+              <a:t>Distributed Provisions “Honeycomb” </a:t>
+            </a:r>
+            <a:endParaRPr lang="en-US" b="1" dirty="0" smtClean="0"/>
+          </a:p>
+          <a:p>
+            <a:pPr>
+              <a:spcBef>
+                <a:spcPct val="0"/>
+              </a:spcBef>
+              <a:spcAft>
+                <a:spcPct val="0"/>
+              </a:spcAft>
+            </a:pPr>
+            <a:r>
+              <a:rPr lang="en-US" b="1" dirty="0" smtClean="0"/>
+              <a:t>Participation Agreements “Hive”</a:t>
             </a:r>
           </a:p>
           <a:p>
@@ -15628,7 +19880,51 @@
             </a:pPr>
             <a:r>
               <a:rPr lang="en-US" b="1" dirty="0" smtClean="0"/>
-              <a:t>Live Example</a:t>
+              <a:t>Complete walkthrough “</a:t>
+            </a:r>
+            <a:r>
+              <a:rPr lang="en-US" b="1" dirty="0" err="1" smtClean="0"/>
+              <a:t>Buzzzzzzz</a:t>
+            </a:r>
+            <a:r>
+              <a:rPr lang="en-US" b="1" dirty="0" smtClean="0"/>
+              <a:t>”</a:t>
+            </a:r>
+          </a:p>
+          <a:p>
+            <a:pPr>
+              <a:spcBef>
+                <a:spcPct val="0"/>
+              </a:spcBef>
+              <a:spcAft>
+                <a:spcPct val="0"/>
+              </a:spcAft>
+            </a:pPr>
+            <a:r>
+              <a:rPr lang="en-US" b="1" dirty="0" smtClean="0"/>
+              <a:t>Supercharged Network “</a:t>
+            </a:r>
+            <a:r>
+              <a:rPr lang="en-US" b="1" dirty="0" err="1" smtClean="0"/>
+              <a:t>QueenBee</a:t>
+            </a:r>
+            <a:r>
+              <a:rPr lang="en-US" b="1" dirty="0" smtClean="0"/>
+              <a:t>”</a:t>
+            </a:r>
+          </a:p>
+          <a:p>
+            <a:pPr>
+              <a:spcBef>
+                <a:spcPct val="0"/>
+              </a:spcBef>
+              <a:spcAft>
+                <a:spcPct val="0"/>
+              </a:spcAft>
+            </a:pPr>
+            <a:r>
+              <a:rPr lang="en-US" b="1" dirty="0" smtClean="0"/>
+              <a:t>Summary and Closing “Dawn”</a:t>
             </a:r>
             <a:endParaRPr lang="en-US" b="1" dirty="0"/>
           </a:p>
@@ -15650,10 +19946,14 @@
           <a:lstStyle/>
           <a:p>
             <a:r>
-              <a:rPr lang="en-US" smtClean="0"/>
-              <a:t>Agenda</a:t>
+              <a:rPr lang="en-US" dirty="0" err="1" smtClean="0"/>
+              <a:t>Bcology</a:t>
             </a:r>
-            <a:endParaRPr lang="en-US"/>
+            <a:r>
+              <a:rPr lang="en-US" dirty="0" smtClean="0"/>
+              <a:t> Agenda</a:t>
+            </a:r>
+            <a:endParaRPr lang="en-US" dirty="0"/>
           </a:p>
         </p:txBody>
       </p:sp>
@@ -15667,21 +19967,211 @@
   <p:clrMapOvr>
     <a:masterClrMapping/>
   </p:clrMapOvr>
-  <mc:AlternateContent xmlns:mc="http://schemas.openxmlformats.org/markup-compatibility/2006" xmlns:p14="http://schemas.microsoft.com/office/powerpoint/2010/main">
-    <mc:Choice Requires="p14">
+  <mc:AlternateContent xmlns:mc="http://schemas.openxmlformats.org/markup-compatibility/2006">
+    <mc:Choice xmlns:p14="http://schemas.microsoft.com/office/powerpoint/2010/main" Requires="p14">
       <p:transition spd="slow" p14:dur="2000"/>
     </mc:Choice>
-    <mc:Fallback xmlns="">
+    <mc:Fallback>
       <p:transition spd="slow"/>
     </mc:Fallback>
   </mc:AlternateContent>
   <p:timing>
     <p:tnLst>
       <p:par>
-        <p:cTn xmlns:p14="http://schemas.microsoft.com/office/powerpoint/2010/main" id="1" dur="indefinite" restart="never" nodeType="tmRoot"/>
+        <p:cTn id="1" dur="indefinite" restart="never" nodeType="tmRoot"/>
       </p:par>
     </p:tnLst>
   </p:timing>
+</p:sld>
+</file>
+
+<file path=ppt/slides/slide20.xml><?xml version="1.0" encoding="utf-8"?>
+<p:sld xmlns:a="http://schemas.openxmlformats.org/drawingml/2006/main" xmlns:r="http://schemas.openxmlformats.org/officeDocument/2006/relationships" xmlns:p="http://schemas.openxmlformats.org/presentationml/2006/main">
+  <p:cSld>
+    <p:spTree>
+      <p:nvGrpSpPr>
+        <p:cNvPr id="1" name=""/>
+        <p:cNvGrpSpPr/>
+        <p:nvPr/>
+      </p:nvGrpSpPr>
+      <p:grpSpPr>
+        <a:xfrm>
+          <a:off x="0" y="0"/>
+          <a:ext cx="0" cy="0"/>
+          <a:chOff x="0" y="0"/>
+          <a:chExt cx="0" cy="0"/>
+        </a:xfrm>
+      </p:grpSpPr>
+      <p:sp>
+        <p:nvSpPr>
+          <p:cNvPr id="2" name="Title 1"/>
+          <p:cNvSpPr>
+            <a:spLocks noGrp="1"/>
+          </p:cNvSpPr>
+          <p:nvPr>
+            <p:ph type="title"/>
+          </p:nvPr>
+        </p:nvSpPr>
+        <p:spPr/>
+        <p:txBody>
+          <a:bodyPr/>
+          <a:lstStyle/>
+          <a:p>
+            <a:r>
+              <a:rPr lang="en-US" dirty="0" smtClean="0"/>
+              <a:t>More </a:t>
+            </a:r>
+            <a:r>
+              <a:rPr lang="en-US" dirty="0"/>
+              <a:t>A</a:t>
+            </a:r>
+            <a:r>
+              <a:rPr lang="en-US" dirty="0" smtClean="0"/>
+              <a:t>pparent Later</a:t>
+            </a:r>
+            <a:endParaRPr lang="en-US" dirty="0"/>
+          </a:p>
+        </p:txBody>
+      </p:sp>
+      <p:sp>
+        <p:nvSpPr>
+          <p:cNvPr id="3" name="Content Placeholder 2"/>
+          <p:cNvSpPr>
+            <a:spLocks noGrp="1"/>
+          </p:cNvSpPr>
+          <p:nvPr>
+            <p:ph idx="1"/>
+          </p:nvPr>
+        </p:nvSpPr>
+        <p:spPr/>
+        <p:txBody>
+          <a:bodyPr/>
+          <a:lstStyle/>
+          <a:p>
+            <a:r>
+              <a:rPr lang="en-US" dirty="0" smtClean="0"/>
+              <a:t>This point </a:t>
+            </a:r>
+          </a:p>
+          <a:p>
+            <a:r>
+              <a:rPr lang="en-US" dirty="0" smtClean="0"/>
+              <a:t>That point </a:t>
+            </a:r>
+          </a:p>
+          <a:p>
+            <a:r>
+              <a:rPr lang="en-US" dirty="0" smtClean="0"/>
+              <a:t>Other point </a:t>
+            </a:r>
+          </a:p>
+        </p:txBody>
+      </p:sp>
+    </p:spTree>
+    <p:extLst>
+      <p:ext uri="{BB962C8B-B14F-4D97-AF65-F5344CB8AC3E}">
+        <p14:creationId xmlns:p14="http://schemas.microsoft.com/office/powerpoint/2010/main" val="2073169191"/>
+      </p:ext>
+    </p:extLst>
+  </p:cSld>
+  <p:clrMapOvr>
+    <a:masterClrMapping/>
+  </p:clrMapOvr>
+</p:sld>
+</file>
+
+<file path=ppt/slides/slide21.xml><?xml version="1.0" encoding="utf-8"?>
+<p:sld xmlns:a="http://schemas.openxmlformats.org/drawingml/2006/main" xmlns:r="http://schemas.openxmlformats.org/officeDocument/2006/relationships" xmlns:p="http://schemas.openxmlformats.org/presentationml/2006/main">
+  <p:cSld>
+    <p:spTree>
+      <p:nvGrpSpPr>
+        <p:cNvPr id="1" name=""/>
+        <p:cNvGrpSpPr/>
+        <p:nvPr/>
+      </p:nvGrpSpPr>
+      <p:grpSpPr>
+        <a:xfrm>
+          <a:off x="0" y="0"/>
+          <a:ext cx="0" cy="0"/>
+          <a:chOff x="0" y="0"/>
+          <a:chExt cx="0" cy="0"/>
+        </a:xfrm>
+      </p:grpSpPr>
+      <p:sp>
+        <p:nvSpPr>
+          <p:cNvPr id="2" name="Title 1"/>
+          <p:cNvSpPr>
+            <a:spLocks noGrp="1"/>
+          </p:cNvSpPr>
+          <p:nvPr>
+            <p:ph type="title"/>
+          </p:nvPr>
+        </p:nvSpPr>
+        <p:spPr/>
+        <p:txBody>
+          <a:bodyPr/>
+          <a:lstStyle/>
+          <a:p>
+            <a:r>
+              <a:rPr lang="en-US" dirty="0" smtClean="0"/>
+              <a:t>For More Information:</a:t>
+            </a:r>
+            <a:endParaRPr lang="en-US" dirty="0"/>
+          </a:p>
+        </p:txBody>
+      </p:sp>
+      <p:sp>
+        <p:nvSpPr>
+          <p:cNvPr id="3" name="Content Placeholder 2"/>
+          <p:cNvSpPr>
+            <a:spLocks noGrp="1"/>
+          </p:cNvSpPr>
+          <p:nvPr>
+            <p:ph idx="1"/>
+          </p:nvPr>
+        </p:nvSpPr>
+        <p:spPr/>
+        <p:txBody>
+          <a:bodyPr/>
+          <a:lstStyle/>
+          <a:p>
+            <a:r>
+              <a:rPr lang="en-US" dirty="0"/>
+              <a:t>https://</a:t>
+            </a:r>
+            <a:r>
+              <a:rPr lang="en-US" dirty="0" err="1"/>
+              <a:t>github.com</a:t>
+            </a:r>
+            <a:r>
+              <a:rPr lang="en-US" dirty="0"/>
+              <a:t>/</a:t>
+            </a:r>
+            <a:r>
+              <a:rPr lang="en-US" dirty="0" err="1"/>
+              <a:t>HumanDynamics</a:t>
+            </a:r>
+            <a:r>
+              <a:rPr lang="en-US" dirty="0"/>
+              <a:t>/</a:t>
+            </a:r>
+            <a:r>
+              <a:rPr lang="en-US"/>
+              <a:t>CodeTheDeal</a:t>
+            </a:r>
+          </a:p>
+        </p:txBody>
+      </p:sp>
+    </p:spTree>
+    <p:extLst>
+      <p:ext uri="{BB962C8B-B14F-4D97-AF65-F5344CB8AC3E}">
+        <p14:creationId xmlns:p14="http://schemas.microsoft.com/office/powerpoint/2010/main" val="3553741950"/>
+      </p:ext>
+    </p:extLst>
+  </p:cSld>
+  <p:clrMapOvr>
+    <a:masterClrMapping/>
+  </p:clrMapOvr>
 </p:sld>
 </file>
 
@@ -15727,7 +20217,7 @@
           <a:graphicData uri="http://schemas.openxmlformats.org/presentationml/2006/ole">
             <mc:AlternateContent xmlns:mc="http://schemas.openxmlformats.org/markup-compatibility/2006">
               <mc:Choice xmlns:v="urn:schemas-microsoft-com:vml" Requires="v">
-                <p:oleObj spid="_x0000_s3077" name="think-cell Slide" r:id="rId4" imgW="216" imgH="216" progId="TCLayout.ActiveDocument.1">
+                <p:oleObj spid="_x0000_s3080" name="think-cell Slide" r:id="rId4" imgW="216" imgH="216" progId="TCLayout.ActiveDocument.1">
                   <p:embed/>
                 </p:oleObj>
               </mc:Choice>
@@ -15800,7 +20290,11 @@
           <a:bodyPr/>
           <a:lstStyle/>
           <a:p>
-            <a:endParaRPr lang="en-US"/>
+            <a:r>
+              <a:rPr lang="en-US" dirty="0" smtClean="0"/>
+              <a:t>Nectar</a:t>
+            </a:r>
+            <a:endParaRPr lang="en-US" dirty="0"/>
           </a:p>
         </p:txBody>
       </p:sp>
@@ -15817,7 +20311,7 @@
   <p:timing>
     <p:tnLst>
       <p:par>
-        <p:cTn xmlns:p14="http://schemas.microsoft.com/office/powerpoint/2010/main" id="1" dur="indefinite" restart="never" nodeType="tmRoot"/>
+        <p:cTn id="1" dur="indefinite" restart="never" nodeType="tmRoot"/>
       </p:par>
     </p:tnLst>
   </p:timing>
@@ -15866,7 +20360,7 @@
           <a:graphicData uri="http://schemas.openxmlformats.org/presentationml/2006/ole">
             <mc:AlternateContent xmlns:mc="http://schemas.openxmlformats.org/markup-compatibility/2006">
               <mc:Choice xmlns:v="urn:schemas-microsoft-com:vml" Requires="v">
-                <p:oleObj spid="_x0000_s4101" name="think-cell Slide" r:id="rId4" imgW="216" imgH="216" progId="TCLayout.ActiveDocument.1">
+                <p:oleObj spid="_x0000_s4103" name="think-cell Slide" r:id="rId4" imgW="216" imgH="216" progId="TCLayout.ActiveDocument.1">
                   <p:embed/>
                 </p:oleObj>
               </mc:Choice>
@@ -15990,7 +20484,7 @@
   <p:timing>
     <p:tnLst>
       <p:par>
-        <p:cTn xmlns:p14="http://schemas.microsoft.com/office/powerpoint/2010/main" id="1" dur="indefinite" restart="never" nodeType="tmRoot"/>
+        <p:cTn id="1" dur="indefinite" restart="never" nodeType="tmRoot"/>
       </p:par>
     </p:tnLst>
   </p:timing>
@@ -16077,7 +20571,7 @@
   <p:timing>
     <p:tnLst>
       <p:par>
-        <p:cTn xmlns:p14="http://schemas.microsoft.com/office/powerpoint/2010/main" id="1" dur="indefinite" restart="never" nodeType="tmRoot"/>
+        <p:cTn id="1" dur="indefinite" restart="never" nodeType="tmRoot"/>
       </p:par>
     </p:tnLst>
   </p:timing>
@@ -16085,6 +20579,81 @@
 </file>
 
 <file path=ppt/slides/slide6.xml><?xml version="1.0" encoding="utf-8"?>
+<p:sld xmlns:a="http://schemas.openxmlformats.org/drawingml/2006/main" xmlns:r="http://schemas.openxmlformats.org/officeDocument/2006/relationships" xmlns:p="http://schemas.openxmlformats.org/presentationml/2006/main">
+  <p:cSld>
+    <p:spTree>
+      <p:nvGrpSpPr>
+        <p:cNvPr id="1" name=""/>
+        <p:cNvGrpSpPr/>
+        <p:nvPr/>
+      </p:nvGrpSpPr>
+      <p:grpSpPr>
+        <a:xfrm>
+          <a:off x="0" y="0"/>
+          <a:ext cx="0" cy="0"/>
+          <a:chOff x="0" y="0"/>
+          <a:chExt cx="0" cy="0"/>
+        </a:xfrm>
+      </p:grpSpPr>
+      <p:sp>
+        <p:nvSpPr>
+          <p:cNvPr id="2" name="Title 1"/>
+          <p:cNvSpPr>
+            <a:spLocks noGrp="1"/>
+          </p:cNvSpPr>
+          <p:nvPr>
+            <p:ph type="title"/>
+          </p:nvPr>
+        </p:nvSpPr>
+        <p:spPr/>
+        <p:txBody>
+          <a:bodyPr/>
+          <a:lstStyle/>
+          <a:p>
+            <a:r>
+              <a:rPr lang="en-US" dirty="0" smtClean="0"/>
+              <a:t>Value Chain</a:t>
+            </a:r>
+            <a:endParaRPr lang="en-US" dirty="0"/>
+          </a:p>
+        </p:txBody>
+      </p:sp>
+      <p:graphicFrame>
+        <p:nvGraphicFramePr>
+          <p:cNvPr id="3" name="Diagram 2"/>
+          <p:cNvGraphicFramePr/>
+          <p:nvPr>
+            <p:extLst>
+              <p:ext uri="{D42A27DB-BD31-4B8C-83A1-F6EECF244321}">
+                <p14:modId xmlns:p14="http://schemas.microsoft.com/office/powerpoint/2010/main" val="1191005703"/>
+              </p:ext>
+            </p:extLst>
+          </p:nvPr>
+        </p:nvGraphicFramePr>
+        <p:xfrm>
+          <a:off x="152400" y="1371600"/>
+          <a:ext cx="8686800" cy="5334000"/>
+        </p:xfrm>
+        <a:graphic>
+          <a:graphicData uri="http://schemas.openxmlformats.org/drawingml/2006/diagram">
+            <dgm:relIds xmlns:dgm="http://schemas.openxmlformats.org/drawingml/2006/diagram" xmlns:r="http://schemas.openxmlformats.org/officeDocument/2006/relationships" r:dm="rId2" r:lo="rId3" r:qs="rId4" r:cs="rId5"/>
+          </a:graphicData>
+        </a:graphic>
+      </p:graphicFrame>
+    </p:spTree>
+    <p:extLst>
+      <p:ext uri="{BB962C8B-B14F-4D97-AF65-F5344CB8AC3E}">
+        <p14:creationId xmlns:p14="http://schemas.microsoft.com/office/powerpoint/2010/main" val="1231775028"/>
+      </p:ext>
+    </p:extLst>
+  </p:cSld>
+  <p:clrMapOvr>
+    <a:masterClrMapping/>
+  </p:clrMapOvr>
+</p:sld>
+</file>
+
+<file path=ppt/slides/slide7.xml><?xml version="1.0" encoding="utf-8"?>
 <p:sld xmlns:a="http://schemas.openxmlformats.org/drawingml/2006/main" xmlns:r="http://schemas.openxmlformats.org/officeDocument/2006/relationships" xmlns:p="http://schemas.openxmlformats.org/presentationml/2006/main">
   <p:cSld>
     <p:spTree>
@@ -16203,7 +20772,7 @@
   <p:timing>
     <p:tnLst>
       <p:par>
-        <p:cTn xmlns:p14="http://schemas.microsoft.com/office/powerpoint/2010/main" id="1" dur="indefinite" restart="never" nodeType="tmRoot">
+        <p:cTn id="1" dur="indefinite" restart="never" nodeType="tmRoot">
           <p:childTnLst>
             <p:seq concurrent="1" nextAc="seek">
               <p:cTn id="2" dur="indefinite" nodeType="mainSeq">
@@ -16326,62 +20895,6 @@
 </p:sld>
 </file>
 
-<file path=ppt/slides/slide7.xml><?xml version="1.0" encoding="utf-8"?>
-<p:sld xmlns:a="http://schemas.openxmlformats.org/drawingml/2006/main" xmlns:r="http://schemas.openxmlformats.org/officeDocument/2006/relationships" xmlns:p="http://schemas.openxmlformats.org/presentationml/2006/main">
-  <p:cSld>
-    <p:spTree>
-      <p:nvGrpSpPr>
-        <p:cNvPr id="1" name=""/>
-        <p:cNvGrpSpPr/>
-        <p:nvPr/>
-      </p:nvGrpSpPr>
-      <p:grpSpPr>
-        <a:xfrm>
-          <a:off x="0" y="0"/>
-          <a:ext cx="0" cy="0"/>
-          <a:chOff x="0" y="0"/>
-          <a:chExt cx="0" cy="0"/>
-        </a:xfrm>
-      </p:grpSpPr>
-      <p:sp>
-        <p:nvSpPr>
-          <p:cNvPr id="2" name="Title 1"/>
-          <p:cNvSpPr>
-            <a:spLocks noGrp="1"/>
-          </p:cNvSpPr>
-          <p:nvPr>
-            <p:ph type="title"/>
-          </p:nvPr>
-        </p:nvSpPr>
-        <p:spPr/>
-        <p:txBody>
-          <a:bodyPr/>
-          <a:lstStyle/>
-          <a:p>
-            <a:endParaRPr lang="en-US" dirty="0"/>
-          </a:p>
-        </p:txBody>
-      </p:sp>
-    </p:spTree>
-    <p:extLst>
-      <p:ext uri="{BB962C8B-B14F-4D97-AF65-F5344CB8AC3E}">
-        <p14:creationId xmlns:p14="http://schemas.microsoft.com/office/powerpoint/2010/main" val="79891319"/>
-      </p:ext>
-    </p:extLst>
-  </p:cSld>
-  <p:clrMapOvr>
-    <a:masterClrMapping/>
-  </p:clrMapOvr>
-  <p:timing>
-    <p:tnLst>
-      <p:par>
-        <p:cTn xmlns:p14="http://schemas.microsoft.com/office/powerpoint/2010/main" id="1" dur="indefinite" restart="never" nodeType="tmRoot"/>
-      </p:par>
-    </p:tnLst>
-  </p:timing>
-</p:sld>
-</file>
-
 <file path=ppt/slides/slide8.xml><?xml version="1.0" encoding="utf-8"?>
 <p:sld xmlns:a="http://schemas.openxmlformats.org/drawingml/2006/main" xmlns:r="http://schemas.openxmlformats.org/officeDocument/2006/relationships" xmlns:p="http://schemas.openxmlformats.org/presentationml/2006/main">
   <p:cSld>
@@ -16416,7 +20929,7 @@
           <a:p>
             <a:r>
               <a:rPr lang="en-US" dirty="0" smtClean="0"/>
-              <a:t>Implementation</a:t>
+              <a:t>Distributed Parameters</a:t>
             </a:r>
             <a:endParaRPr lang="en-US" dirty="0"/>
           </a:p>
@@ -16437,7 +20950,11 @@
           <a:bodyPr/>
           <a:lstStyle/>
           <a:p>
-            <a:endParaRPr lang="en-US"/>
+            <a:r>
+              <a:rPr lang="en-US" dirty="0" smtClean="0"/>
+              <a:t>Honeycomb</a:t>
+            </a:r>
+            <a:endParaRPr lang="en-US" dirty="0"/>
           </a:p>
         </p:txBody>
       </p:sp>
@@ -16454,7 +20971,7 @@
   <p:timing>
     <p:tnLst>
       <p:par>
-        <p:cTn xmlns:p14="http://schemas.microsoft.com/office/powerpoint/2010/main" id="1" dur="indefinite" restart="never" nodeType="tmRoot"/>
+        <p:cTn id="1" dur="indefinite" restart="never" nodeType="tmRoot"/>
       </p:par>
     </p:tnLst>
   </p:timing>
@@ -16541,7 +21058,7 @@
   <p:timing>
     <p:tnLst>
       <p:par>
-        <p:cTn xmlns:p14="http://schemas.microsoft.com/office/powerpoint/2010/main" id="1" dur="indefinite" restart="never" nodeType="tmRoot"/>
+        <p:cTn id="1" dur="indefinite" restart="never" nodeType="tmRoot"/>
       </p:par>
     </p:tnLst>
   </p:timing>
